--- a/HTML5.pptx
+++ b/HTML5.pptx
@@ -6,48 +6,51 @@
   </p:sldMasterIdLst>
   <p:sldIdLst>
     <p:sldId id="299" r:id="rId2"/>
-    <p:sldId id="256" r:id="rId3"/>
-    <p:sldId id="257" r:id="rId4"/>
-    <p:sldId id="258" r:id="rId5"/>
-    <p:sldId id="259" r:id="rId6"/>
-    <p:sldId id="260" r:id="rId7"/>
-    <p:sldId id="261" r:id="rId8"/>
-    <p:sldId id="262" r:id="rId9"/>
-    <p:sldId id="263" r:id="rId10"/>
-    <p:sldId id="264" r:id="rId11"/>
-    <p:sldId id="265" r:id="rId12"/>
-    <p:sldId id="269" r:id="rId13"/>
-    <p:sldId id="270" r:id="rId14"/>
-    <p:sldId id="266" r:id="rId15"/>
-    <p:sldId id="267" r:id="rId16"/>
-    <p:sldId id="268" r:id="rId17"/>
-    <p:sldId id="271" r:id="rId18"/>
-    <p:sldId id="272" r:id="rId19"/>
-    <p:sldId id="273" r:id="rId20"/>
-    <p:sldId id="274" r:id="rId21"/>
-    <p:sldId id="275" r:id="rId22"/>
-    <p:sldId id="276" r:id="rId23"/>
-    <p:sldId id="277" r:id="rId24"/>
-    <p:sldId id="278" r:id="rId25"/>
-    <p:sldId id="279" r:id="rId26"/>
-    <p:sldId id="297" r:id="rId27"/>
-    <p:sldId id="298" r:id="rId28"/>
-    <p:sldId id="280" r:id="rId29"/>
-    <p:sldId id="281" r:id="rId30"/>
-    <p:sldId id="283" r:id="rId31"/>
-    <p:sldId id="282" r:id="rId32"/>
-    <p:sldId id="284" r:id="rId33"/>
-    <p:sldId id="286" r:id="rId34"/>
-    <p:sldId id="287" r:id="rId35"/>
-    <p:sldId id="288" r:id="rId36"/>
-    <p:sldId id="289" r:id="rId37"/>
-    <p:sldId id="290" r:id="rId38"/>
-    <p:sldId id="291" r:id="rId39"/>
-    <p:sldId id="292" r:id="rId40"/>
-    <p:sldId id="293" r:id="rId41"/>
-    <p:sldId id="294" r:id="rId42"/>
-    <p:sldId id="295" r:id="rId43"/>
-    <p:sldId id="296" r:id="rId44"/>
+    <p:sldId id="300" r:id="rId3"/>
+    <p:sldId id="301" r:id="rId4"/>
+    <p:sldId id="302" r:id="rId5"/>
+    <p:sldId id="256" r:id="rId6"/>
+    <p:sldId id="257" r:id="rId7"/>
+    <p:sldId id="258" r:id="rId8"/>
+    <p:sldId id="259" r:id="rId9"/>
+    <p:sldId id="260" r:id="rId10"/>
+    <p:sldId id="261" r:id="rId11"/>
+    <p:sldId id="262" r:id="rId12"/>
+    <p:sldId id="263" r:id="rId13"/>
+    <p:sldId id="264" r:id="rId14"/>
+    <p:sldId id="265" r:id="rId15"/>
+    <p:sldId id="269" r:id="rId16"/>
+    <p:sldId id="270" r:id="rId17"/>
+    <p:sldId id="266" r:id="rId18"/>
+    <p:sldId id="267" r:id="rId19"/>
+    <p:sldId id="268" r:id="rId20"/>
+    <p:sldId id="271" r:id="rId21"/>
+    <p:sldId id="272" r:id="rId22"/>
+    <p:sldId id="273" r:id="rId23"/>
+    <p:sldId id="274" r:id="rId24"/>
+    <p:sldId id="275" r:id="rId25"/>
+    <p:sldId id="276" r:id="rId26"/>
+    <p:sldId id="277" r:id="rId27"/>
+    <p:sldId id="278" r:id="rId28"/>
+    <p:sldId id="279" r:id="rId29"/>
+    <p:sldId id="297" r:id="rId30"/>
+    <p:sldId id="298" r:id="rId31"/>
+    <p:sldId id="280" r:id="rId32"/>
+    <p:sldId id="281" r:id="rId33"/>
+    <p:sldId id="283" r:id="rId34"/>
+    <p:sldId id="282" r:id="rId35"/>
+    <p:sldId id="284" r:id="rId36"/>
+    <p:sldId id="286" r:id="rId37"/>
+    <p:sldId id="287" r:id="rId38"/>
+    <p:sldId id="288" r:id="rId39"/>
+    <p:sldId id="289" r:id="rId40"/>
+    <p:sldId id="290" r:id="rId41"/>
+    <p:sldId id="291" r:id="rId42"/>
+    <p:sldId id="292" r:id="rId43"/>
+    <p:sldId id="293" r:id="rId44"/>
+    <p:sldId id="294" r:id="rId45"/>
+    <p:sldId id="295" r:id="rId46"/>
+    <p:sldId id="296" r:id="rId47"/>
   </p:sldIdLst>
   <p:sldSz cx="9144000" cy="6858000" type="screen4x3"/>
   <p:notesSz cx="6858000" cy="9144000"/>
@@ -331,7 +334,7 @@
             <a:fld id="{287FD123-A0A4-47BA-A854-1AF6C112514A}" type="datetimeFigureOut">
               <a:rPr lang="en-US" smtClean="0"/>
               <a:pPr/>
-              <a:t>6/27/2013</a:t>
+              <a:t>6/28/2013</a:t>
             </a:fld>
             <a:endParaRPr lang="en-US"/>
           </a:p>
@@ -498,7 +501,7 @@
             <a:fld id="{287FD123-A0A4-47BA-A854-1AF6C112514A}" type="datetimeFigureOut">
               <a:rPr lang="en-US" smtClean="0"/>
               <a:pPr/>
-              <a:t>6/27/2013</a:t>
+              <a:t>6/28/2013</a:t>
             </a:fld>
             <a:endParaRPr lang="en-US"/>
           </a:p>
@@ -675,7 +678,7 @@
             <a:fld id="{287FD123-A0A4-47BA-A854-1AF6C112514A}" type="datetimeFigureOut">
               <a:rPr lang="en-US" smtClean="0"/>
               <a:pPr/>
-              <a:t>6/27/2013</a:t>
+              <a:t>6/28/2013</a:t>
             </a:fld>
             <a:endParaRPr lang="en-US"/>
           </a:p>
@@ -842,7 +845,7 @@
             <a:fld id="{287FD123-A0A4-47BA-A854-1AF6C112514A}" type="datetimeFigureOut">
               <a:rPr lang="en-US" smtClean="0"/>
               <a:pPr/>
-              <a:t>6/27/2013</a:t>
+              <a:t>6/28/2013</a:t>
             </a:fld>
             <a:endParaRPr lang="en-US"/>
           </a:p>
@@ -1085,7 +1088,7 @@
             <a:fld id="{287FD123-A0A4-47BA-A854-1AF6C112514A}" type="datetimeFigureOut">
               <a:rPr lang="en-US" smtClean="0"/>
               <a:pPr/>
-              <a:t>6/27/2013</a:t>
+              <a:t>6/28/2013</a:t>
             </a:fld>
             <a:endParaRPr lang="en-US"/>
           </a:p>
@@ -1370,7 +1373,7 @@
             <a:fld id="{287FD123-A0A4-47BA-A854-1AF6C112514A}" type="datetimeFigureOut">
               <a:rPr lang="en-US" smtClean="0"/>
               <a:pPr/>
-              <a:t>6/27/2013</a:t>
+              <a:t>6/28/2013</a:t>
             </a:fld>
             <a:endParaRPr lang="en-US"/>
           </a:p>
@@ -1789,7 +1792,7 @@
             <a:fld id="{287FD123-A0A4-47BA-A854-1AF6C112514A}" type="datetimeFigureOut">
               <a:rPr lang="en-US" smtClean="0"/>
               <a:pPr/>
-              <a:t>6/27/2013</a:t>
+              <a:t>6/28/2013</a:t>
             </a:fld>
             <a:endParaRPr lang="en-US"/>
           </a:p>
@@ -1904,7 +1907,7 @@
             <a:fld id="{287FD123-A0A4-47BA-A854-1AF6C112514A}" type="datetimeFigureOut">
               <a:rPr lang="en-US" smtClean="0"/>
               <a:pPr/>
-              <a:t>6/27/2013</a:t>
+              <a:t>6/28/2013</a:t>
             </a:fld>
             <a:endParaRPr lang="en-US"/>
           </a:p>
@@ -1996,7 +1999,7 @@
             <a:fld id="{287FD123-A0A4-47BA-A854-1AF6C112514A}" type="datetimeFigureOut">
               <a:rPr lang="en-US" smtClean="0"/>
               <a:pPr/>
-              <a:t>6/27/2013</a:t>
+              <a:t>6/28/2013</a:t>
             </a:fld>
             <a:endParaRPr lang="en-US"/>
           </a:p>
@@ -2270,7 +2273,7 @@
             <a:fld id="{287FD123-A0A4-47BA-A854-1AF6C112514A}" type="datetimeFigureOut">
               <a:rPr lang="en-US" smtClean="0"/>
               <a:pPr/>
-              <a:t>6/27/2013</a:t>
+              <a:t>6/28/2013</a:t>
             </a:fld>
             <a:endParaRPr lang="en-US"/>
           </a:p>
@@ -2520,7 +2523,7 @@
             <a:fld id="{287FD123-A0A4-47BA-A854-1AF6C112514A}" type="datetimeFigureOut">
               <a:rPr lang="en-US" smtClean="0"/>
               <a:pPr/>
-              <a:t>6/27/2013</a:t>
+              <a:t>6/28/2013</a:t>
             </a:fld>
             <a:endParaRPr lang="en-US"/>
           </a:p>
@@ -2730,7 +2733,7 @@
             <a:fld id="{287FD123-A0A4-47BA-A854-1AF6C112514A}" type="datetimeFigureOut">
               <a:rPr lang="en-US" smtClean="0"/>
               <a:pPr/>
-              <a:t>6/27/2013</a:t>
+              <a:t>6/28/2013</a:t>
             </a:fld>
             <a:endParaRPr lang="en-US"/>
           </a:p>
@@ -3160,23 +3163,7 @@
                   <a:schemeClr val="tx1"/>
                 </a:solidFill>
               </a:rPr>
-              <a:t>很高兴有一个和大家分享知识的机会，这其实是我第一</a:t>
-            </a:r>
-            <a:r>
-              <a:rPr lang="zh-CN" altLang="en-US" smtClean="0">
-                <a:solidFill>
-                  <a:schemeClr val="tx1"/>
-                </a:solidFill>
-              </a:rPr>
-              <a:t>次做讲</a:t>
-            </a:r>
-            <a:r>
-              <a:rPr lang="zh-CN" altLang="en-US" dirty="0" smtClean="0">
-                <a:solidFill>
-                  <a:schemeClr val="tx1"/>
-                </a:solidFill>
-              </a:rPr>
-              <a:t>座和写</a:t>
+              <a:t>很高兴有一个和大家分享知识的机会，这其实是我第一次做讲座和写</a:t>
             </a:r>
             <a:r>
               <a:rPr lang="en-US" altLang="zh-CN" dirty="0" err="1" smtClean="0">
@@ -3192,7 +3179,23 @@
                   <a:schemeClr val="tx1"/>
                 </a:solidFill>
               </a:rPr>
-              <a:t>，如有说的不好或者不清楚的地方，恳请见谅并给出合适的建议，期间如有任何问题可以随时向我提问，谢谢大家！</a:t>
+              <a:t>，如有说的不好或者不清楚的地方，恳请见</a:t>
+            </a:r>
+            <a:r>
+              <a:rPr lang="zh-CN" altLang="en-US" smtClean="0">
+                <a:solidFill>
+                  <a:schemeClr val="tx1"/>
+                </a:solidFill>
+              </a:rPr>
+              <a:t>谅并指正，</a:t>
+            </a:r>
+            <a:r>
+              <a:rPr lang="zh-CN" altLang="en-US" dirty="0" smtClean="0">
+                <a:solidFill>
+                  <a:schemeClr val="tx1"/>
+                </a:solidFill>
+              </a:rPr>
+              <a:t>期间如有任何问题可以随时向我提问，谢谢大家！</a:t>
             </a:r>
             <a:endParaRPr lang="en-US" altLang="zh-CN" dirty="0" smtClean="0">
               <a:solidFill>
@@ -3259,48 +3262,95 @@
           <a:lstStyle/>
           <a:p>
             <a:r>
-              <a:rPr lang="zh-CN" altLang="en-US" dirty="0" smtClean="0"/>
-              <a:t>支持自动聚焦</a:t>
+              <a:rPr lang="zh-CN" altLang="en-US" dirty="0"/>
+              <a:t>自定</a:t>
+            </a:r>
+            <a:r>
+              <a:rPr lang="zh-CN" altLang="en-US" dirty="0" smtClean="0"/>
+              <a:t>义数据属性</a:t>
             </a:r>
             <a:endParaRPr lang="en-US" altLang="zh-CN" dirty="0" smtClean="0"/>
           </a:p>
           <a:p>
+            <a:pPr lvl="1"/>
+            <a:r>
+              <a:rPr lang="zh-CN" altLang="en-US" dirty="0" smtClean="0"/>
+              <a:t>规定以</a:t>
+            </a:r>
+            <a:r>
+              <a:rPr lang="en-US" altLang="zh-CN" dirty="0" smtClean="0"/>
+              <a:t>data-</a:t>
+            </a:r>
+            <a:r>
+              <a:rPr lang="zh-CN" altLang="en-US" dirty="0" smtClean="0"/>
+              <a:t>为前缀</a:t>
+            </a:r>
+            <a:endParaRPr lang="en-US" altLang="zh-CN" dirty="0" smtClean="0"/>
+          </a:p>
+          <a:p>
             <a:pPr lvl="1">
               <a:buNone/>
             </a:pPr>
             <a:r>
               <a:rPr lang="en-US" altLang="zh-CN" dirty="0" smtClean="0"/>
-              <a:t>&lt;input type=“text” autofocus&gt;</a:t>
-            </a:r>
-          </a:p>
-          <a:p>
-            <a:r>
-              <a:rPr lang="zh-CN" altLang="en-US" dirty="0" smtClean="0"/>
-              <a:t>支持</a:t>
-            </a:r>
-            <a:r>
-              <a:rPr lang="zh-CN" altLang="en-US" dirty="0" smtClean="0"/>
-              <a:t>占位文本</a:t>
+              <a:t>&lt;a </a:t>
+            </a:r>
+            <a:r>
+              <a:rPr lang="en-US" altLang="zh-CN" dirty="0" err="1" smtClean="0"/>
+              <a:t>href</a:t>
+            </a:r>
+            <a:r>
+              <a:rPr lang="en-US" altLang="zh-CN" dirty="0" smtClean="0"/>
+              <a:t>=“#” data-user-number=“1”&gt;…&lt;/a&gt;</a:t>
+            </a:r>
+          </a:p>
+          <a:p>
+            <a:r>
+              <a:rPr lang="en-US" altLang="zh-CN" dirty="0" smtClean="0"/>
+              <a:t>Meter</a:t>
+            </a:r>
+          </a:p>
+          <a:p>
+            <a:pPr lvl="1"/>
+            <a:r>
+              <a:rPr lang="zh-CN" altLang="en-US" dirty="0" smtClean="0"/>
+              <a:t>可度量的数值范围</a:t>
             </a:r>
             <a:endParaRPr lang="en-US" altLang="zh-CN" dirty="0" smtClean="0"/>
           </a:p>
           <a:p>
-            <a:pPr marL="342900" lvl="1" indent="-342900">
+            <a:pPr lvl="1">
               <a:buNone/>
             </a:pPr>
             <a:r>
               <a:rPr lang="en-US" altLang="zh-CN" dirty="0" smtClean="0"/>
-              <a:t>	&lt;input type=“email” placeholder=“lc@sina.com”&gt;</a:t>
-            </a:r>
-          </a:p>
-          <a:p>
+              <a:t>&lt;meter title=“money” value=“2500”</a:t>
+            </a:r>
+          </a:p>
+          <a:p>
+            <a:pPr lvl="2">
+              <a:buNone/>
+            </a:pPr>
+            <a:r>
+              <a:rPr lang="en-US" altLang="zh-CN" dirty="0"/>
+              <a:t> </a:t>
+            </a:r>
+            <a:r>
+              <a:rPr lang="en-US" altLang="zh-CN" dirty="0" smtClean="0"/>
+              <a:t>min=“0” max=“5000”&gt;$2500.00&lt;/meter&gt;</a:t>
+            </a:r>
+          </a:p>
+          <a:p>
+            <a:r>
+              <a:rPr lang="en-US" altLang="zh-CN" dirty="0" smtClean="0"/>
+              <a:t>Progress</a:t>
+            </a:r>
+          </a:p>
+          <a:p>
+            <a:pPr lvl="1"/>
             <a:r>
               <a:rPr lang="zh-CN" altLang="en-US" dirty="0"/>
-              <a:t>支</a:t>
-            </a:r>
-            <a:r>
-              <a:rPr lang="zh-CN" altLang="en-US" dirty="0" smtClean="0"/>
-              <a:t>持在位编辑</a:t>
+              <a:t>进度条</a:t>
             </a:r>
             <a:endParaRPr lang="en-US" altLang="zh-CN" dirty="0" smtClean="0"/>
           </a:p>
@@ -3310,16 +3360,16 @@
             </a:pPr>
             <a:r>
               <a:rPr lang="en-US" altLang="zh-CN" dirty="0" smtClean="0"/>
-              <a:t>&lt;p </a:t>
-            </a:r>
-            <a:r>
-              <a:rPr lang="en-US" altLang="zh-CN" dirty="0" err="1" smtClean="0"/>
-              <a:t>contenteditable</a:t>
-            </a:r>
-            <a:r>
-              <a:rPr lang="en-US" altLang="zh-CN" dirty="0" smtClean="0"/>
-              <a:t>&gt;…&lt;/p&gt;</a:t>
-            </a:r>
+              <a:t>&lt;progress max=100&gt;&lt;span&gt;20&lt;/span&gt;%&lt;/progress&gt;</a:t>
+            </a:r>
+            <a:endParaRPr lang="en-US" altLang="zh-CN" dirty="0"/>
+          </a:p>
+          <a:p>
+            <a:endParaRPr lang="en-US" altLang="zh-CN" dirty="0" smtClean="0"/>
+          </a:p>
+          <a:p>
+            <a:pPr lvl="1"/>
+            <a:endParaRPr lang="en-US" altLang="zh-CN" dirty="0" smtClean="0"/>
           </a:p>
         </p:txBody>
       </p:sp>
@@ -3368,7 +3418,7 @@
         <p:spPr>
           <a:xfrm>
             <a:off x="457200" y="274638"/>
-            <a:ext cx="8229600" cy="6126162"/>
+            <a:ext cx="8229600" cy="6278562"/>
           </a:xfrm>
         </p:spPr>
         <p:txBody>
@@ -3376,12 +3426,8 @@
           <a:lstStyle/>
           <a:p>
             <a:r>
-              <a:rPr lang="zh-CN" altLang="en-US" dirty="0"/>
-              <a:t>第</a:t>
-            </a:r>
-            <a:r>
-              <a:rPr lang="zh-CN" altLang="en-US" dirty="0" smtClean="0"/>
-              <a:t>三部分</a:t>
+              <a:rPr lang="zh-CN" altLang="en-US" dirty="0" smtClean="0"/>
+              <a:t>第二部分</a:t>
             </a:r>
             <a:r>
               <a:rPr lang="en-US" altLang="zh-CN" dirty="0" smtClean="0"/>
@@ -3398,8 +3444,20 @@
               <a:rPr lang="en-US" altLang="zh-CN" dirty="0"/>
             </a:br>
             <a:r>
-              <a:rPr lang="zh-CN" altLang="en-US" dirty="0" smtClean="0"/>
-              <a:t>新的影音解决方案</a:t>
+              <a:rPr lang="zh-CN" altLang="en-US" dirty="0"/>
+              <a:t>智</a:t>
+            </a:r>
+            <a:r>
+              <a:rPr lang="zh-CN" altLang="en-US" dirty="0" smtClean="0"/>
+              <a:t>能</a:t>
+            </a:r>
+            <a:r>
+              <a:rPr lang="en-US" altLang="zh-CN" dirty="0" smtClean="0"/>
+              <a:t>Web</a:t>
+            </a:r>
+            <a:r>
+              <a:rPr lang="zh-CN" altLang="en-US" dirty="0" smtClean="0"/>
+              <a:t>表单</a:t>
             </a:r>
             <a:endParaRPr lang="en-US" dirty="0"/>
           </a:p>
@@ -3439,169 +3497,140 @@
       </p:grpSpPr>
       <p:sp>
         <p:nvSpPr>
-          <p:cNvPr id="2" name="Title 1"/>
-          <p:cNvSpPr>
-            <a:spLocks noGrp="1"/>
-          </p:cNvSpPr>
-          <p:nvPr>
-            <p:ph type="title"/>
-          </p:nvPr>
-        </p:nvSpPr>
-        <p:spPr/>
-        <p:txBody>
-          <a:bodyPr/>
-          <a:lstStyle/>
-          <a:p>
-            <a:r>
-              <a:rPr lang="zh-CN" altLang="en-US" dirty="0" smtClean="0"/>
-              <a:t>在</a:t>
-            </a:r>
-            <a:r>
-              <a:rPr lang="en-US" altLang="zh-CN" dirty="0" smtClean="0"/>
-              <a:t>HTML4</a:t>
-            </a:r>
-            <a:r>
-              <a:rPr lang="zh-CN" altLang="en-US" dirty="0" smtClean="0"/>
-              <a:t>中播放</a:t>
-            </a:r>
+          <p:cNvPr id="3" name="Content Placeholder 2"/>
+          <p:cNvSpPr>
+            <a:spLocks noGrp="1"/>
+          </p:cNvSpPr>
+          <p:nvPr>
+            <p:ph idx="1"/>
+          </p:nvPr>
+        </p:nvSpPr>
+        <p:spPr>
+          <a:xfrm>
+            <a:off x="457200" y="381000"/>
+            <a:ext cx="8229600" cy="6248400"/>
+          </a:xfrm>
+        </p:spPr>
+        <p:txBody>
+          <a:bodyPr/>
+          <a:lstStyle/>
+          <a:p>
+            <a:r>
+              <a:rPr lang="zh-CN" altLang="en-US" dirty="0" smtClean="0"/>
+              <a:t>电子邮件输入域</a:t>
+            </a:r>
+            <a:r>
+              <a:rPr lang="en-US" altLang="zh-CN" dirty="0" smtClean="0"/>
+              <a:t>&lt;input type=“email”&gt;</a:t>
+            </a:r>
+          </a:p>
+          <a:p>
+            <a:r>
+              <a:rPr lang="en-US" dirty="0" smtClean="0"/>
+              <a:t>URL</a:t>
+            </a:r>
+            <a:r>
+              <a:rPr lang="zh-CN" altLang="en-US" dirty="0" smtClean="0"/>
+              <a:t>输入域</a:t>
+            </a:r>
+            <a:r>
+              <a:rPr lang="en-US" altLang="zh-CN" dirty="0" smtClean="0"/>
+              <a:t>&lt;input type=“</a:t>
+            </a:r>
+            <a:r>
+              <a:rPr lang="en-US" altLang="zh-CN" dirty="0" err="1" smtClean="0"/>
+              <a:t>url</a:t>
+            </a:r>
+            <a:r>
+              <a:rPr lang="en-US" altLang="zh-CN" dirty="0" smtClean="0"/>
+              <a:t>”&gt;</a:t>
+            </a:r>
+          </a:p>
+          <a:p>
+            <a:r>
+              <a:rPr lang="zh-CN" altLang="en-US" dirty="0" smtClean="0"/>
+              <a:t>电话号码输入域</a:t>
+            </a:r>
+            <a:r>
+              <a:rPr lang="en-US" altLang="zh-CN" dirty="0" smtClean="0"/>
+              <a:t>&lt;input type=“</a:t>
+            </a:r>
+            <a:r>
+              <a:rPr lang="en-US" altLang="zh-CN" dirty="0" err="1" smtClean="0"/>
+              <a:t>tel</a:t>
+            </a:r>
+            <a:r>
+              <a:rPr lang="en-US" altLang="zh-CN" dirty="0" smtClean="0"/>
+              <a:t>”&gt;</a:t>
+            </a:r>
+          </a:p>
+          <a:p>
+            <a:r>
+              <a:rPr lang="zh-CN" altLang="en-US" dirty="0" smtClean="0"/>
+              <a:t>搜索域</a:t>
+            </a:r>
+            <a:r>
+              <a:rPr lang="en-US" altLang="zh-CN" dirty="0" smtClean="0"/>
+              <a:t>&lt;input type=“search”&gt;</a:t>
+            </a:r>
+          </a:p>
+          <a:p>
             <a:r>
               <a:rPr lang="zh-CN" altLang="en-US" dirty="0"/>
-              <a:t>多媒体</a:t>
-            </a:r>
-            <a:endParaRPr lang="en-US" dirty="0"/>
-          </a:p>
-        </p:txBody>
-      </p:sp>
-      <p:sp>
-        <p:nvSpPr>
-          <p:cNvPr id="3" name="Content Placeholder 2"/>
-          <p:cNvSpPr>
-            <a:spLocks noGrp="1"/>
-          </p:cNvSpPr>
-          <p:nvPr>
-            <p:ph idx="1"/>
-          </p:nvPr>
-        </p:nvSpPr>
-        <p:spPr/>
-        <p:txBody>
-          <a:bodyPr/>
-          <a:lstStyle/>
-          <a:p>
-            <a:pPr>
-              <a:buNone/>
-            </a:pPr>
-            <a:r>
-              <a:rPr lang="en-US" dirty="0" smtClean="0"/>
-              <a:t>&lt;embed </a:t>
-            </a:r>
-            <a:r>
-              <a:rPr lang="en-US" dirty="0" err="1" smtClean="0"/>
-              <a:t>src</a:t>
-            </a:r>
-            <a:r>
-              <a:rPr lang="en-US" dirty="0" smtClean="0"/>
-              <a:t>=“xxx.mp3” </a:t>
-            </a:r>
-            <a:r>
-              <a:rPr lang="en-US" dirty="0" err="1" smtClean="0"/>
-              <a:t>autostart</a:t>
-            </a:r>
-            <a:r>
-              <a:rPr lang="en-US" dirty="0" smtClean="0"/>
-              <a:t>=“true”</a:t>
-            </a:r>
-          </a:p>
-          <a:p>
-            <a:pPr>
-              <a:buNone/>
-            </a:pPr>
-            <a:r>
-              <a:rPr lang="en-US" dirty="0"/>
-              <a:t>	</a:t>
-            </a:r>
-            <a:r>
-              <a:rPr lang="en-US" dirty="0" smtClean="0"/>
-              <a:t>loop=“true” controller=“true”&gt;&lt;/embed&gt;</a:t>
-            </a:r>
-          </a:p>
-          <a:p>
-            <a:pPr>
-              <a:buNone/>
-            </a:pPr>
-            <a:endParaRPr lang="en-US" dirty="0"/>
-          </a:p>
-          <a:p>
-            <a:pPr>
-              <a:buNone/>
-            </a:pPr>
-            <a:r>
-              <a:rPr lang="en-US" dirty="0" smtClean="0"/>
-              <a:t>&lt;object&gt;</a:t>
-            </a:r>
-          </a:p>
-          <a:p>
-            <a:pPr>
-              <a:buNone/>
-            </a:pPr>
-            <a:r>
-              <a:rPr lang="en-US" dirty="0" smtClean="0"/>
-              <a:t>	&lt;</a:t>
-            </a:r>
-            <a:r>
-              <a:rPr lang="en-US" dirty="0" err="1" smtClean="0"/>
-              <a:t>param</a:t>
-            </a:r>
-            <a:r>
-              <a:rPr lang="en-US" dirty="0" smtClean="0"/>
-              <a:t> name=“</a:t>
-            </a:r>
-            <a:r>
-              <a:rPr lang="en-US" dirty="0" err="1" smtClean="0"/>
-              <a:t>src</a:t>
-            </a:r>
-            <a:r>
-              <a:rPr lang="en-US" dirty="0" smtClean="0"/>
-              <a:t>” value=“xxx.mp3”&gt;</a:t>
-            </a:r>
-          </a:p>
-          <a:p>
-            <a:pPr>
-              <a:buNone/>
-            </a:pPr>
-            <a:r>
-              <a:rPr lang="en-US" dirty="0"/>
-              <a:t>	</a:t>
-            </a:r>
-            <a:r>
-              <a:rPr lang="en-US" dirty="0" smtClean="0"/>
-              <a:t>&lt;</a:t>
-            </a:r>
-            <a:r>
-              <a:rPr lang="en-US" dirty="0" err="1" smtClean="0"/>
-              <a:t>param</a:t>
-            </a:r>
-            <a:r>
-              <a:rPr lang="en-US" dirty="0" smtClean="0"/>
-              <a:t> name=“</a:t>
-            </a:r>
-            <a:r>
-              <a:rPr lang="en-US" dirty="0" err="1" smtClean="0"/>
-              <a:t>autoplay</a:t>
-            </a:r>
-            <a:r>
-              <a:rPr lang="en-US" dirty="0" smtClean="0"/>
-              <a:t>” value=“false”&gt;</a:t>
-            </a:r>
-          </a:p>
-          <a:p>
-            <a:pPr>
-              <a:buNone/>
-            </a:pPr>
-            <a:r>
-              <a:rPr lang="en-US" dirty="0" smtClean="0"/>
-              <a:t>&lt;/object&gt;</a:t>
-            </a:r>
-            <a:endParaRPr lang="en-US" dirty="0"/>
+              <a:t>滑</a:t>
+            </a:r>
+            <a:r>
+              <a:rPr lang="zh-CN" altLang="en-US" dirty="0" smtClean="0"/>
+              <a:t>块</a:t>
+            </a:r>
+            <a:r>
+              <a:rPr lang="en-US" altLang="zh-CN" dirty="0" smtClean="0"/>
+              <a:t>&lt;input type=“range”&gt;</a:t>
+            </a:r>
+          </a:p>
+          <a:p>
+            <a:r>
+              <a:rPr lang="zh-CN" altLang="en-US" dirty="0" smtClean="0"/>
+              <a:t>数值设定框</a:t>
+            </a:r>
+            <a:r>
+              <a:rPr lang="en-US" altLang="zh-CN" dirty="0" smtClean="0"/>
+              <a:t>&lt;input type=“number”&gt;</a:t>
+            </a:r>
+          </a:p>
+          <a:p>
+            <a:r>
+              <a:rPr lang="zh-CN" altLang="en-US" dirty="0"/>
+              <a:t>日</a:t>
+            </a:r>
+            <a:r>
+              <a:rPr lang="zh-CN" altLang="en-US" dirty="0" smtClean="0"/>
+              <a:t>期选择器</a:t>
+            </a:r>
+            <a:r>
+              <a:rPr lang="en-US" altLang="zh-CN" dirty="0" smtClean="0"/>
+              <a:t>&lt;input type=“date”&gt;</a:t>
+            </a:r>
+          </a:p>
+          <a:p>
+            <a:r>
+              <a:rPr lang="zh-CN" altLang="en-US" dirty="0" smtClean="0"/>
+              <a:t>时间选择器</a:t>
+            </a:r>
+            <a:r>
+              <a:rPr lang="en-US" altLang="zh-CN" dirty="0" smtClean="0"/>
+              <a:t>&lt;input type=“time”&gt;</a:t>
+            </a:r>
+          </a:p>
+          <a:p>
+            <a:r>
+              <a:rPr lang="zh-CN" altLang="en-US" dirty="0" smtClean="0"/>
+              <a:t>颜色选择器</a:t>
+            </a:r>
+            <a:r>
+              <a:rPr lang="en-US" altLang="zh-CN" dirty="0" smtClean="0"/>
+              <a:t>&lt;input type=“color”&gt;</a:t>
+            </a:r>
           </a:p>
         </p:txBody>
       </p:sp>
@@ -3639,33 +3668,6 @@
       </p:grpSpPr>
       <p:sp>
         <p:nvSpPr>
-          <p:cNvPr id="2" name="Title 1"/>
-          <p:cNvSpPr>
-            <a:spLocks noGrp="1"/>
-          </p:cNvSpPr>
-          <p:nvPr>
-            <p:ph type="title"/>
-          </p:nvPr>
-        </p:nvSpPr>
-        <p:spPr/>
-        <p:txBody>
-          <a:bodyPr/>
-          <a:lstStyle/>
-          <a:p>
-            <a:r>
-              <a:rPr lang="en-US" dirty="0" smtClean="0"/>
-              <a:t>HTML4</a:t>
-            </a:r>
-            <a:r>
-              <a:rPr lang="zh-CN" altLang="en-US" dirty="0" smtClean="0"/>
-              <a:t>播放多媒体的缺点</a:t>
-            </a:r>
-            <a:endParaRPr lang="en-US" dirty="0"/>
-          </a:p>
-        </p:txBody>
-      </p:sp>
-      <p:sp>
-        <p:nvSpPr>
           <p:cNvPr id="3" name="Content Placeholder 2"/>
           <p:cNvSpPr>
             <a:spLocks noGrp="1"/>
@@ -3674,73 +3676,74 @@
             <p:ph idx="1"/>
           </p:nvPr>
         </p:nvSpPr>
-        <p:spPr/>
-        <p:txBody>
-          <a:bodyPr/>
-          <a:lstStyle/>
-          <a:p>
-            <a:r>
-              <a:rPr lang="zh-CN" altLang="en-US" dirty="0" smtClean="0"/>
-              <a:t>代码冗长并且丑陋</a:t>
+        <p:spPr>
+          <a:xfrm>
+            <a:off x="457200" y="381000"/>
+            <a:ext cx="8229600" cy="5745163"/>
+          </a:xfrm>
+        </p:spPr>
+        <p:txBody>
+          <a:bodyPr/>
+          <a:lstStyle/>
+          <a:p>
+            <a:r>
+              <a:rPr lang="zh-CN" altLang="en-US" dirty="0" smtClean="0"/>
+              <a:t>支持自动聚焦</a:t>
             </a:r>
             <a:endParaRPr lang="en-US" altLang="zh-CN" dirty="0" smtClean="0"/>
           </a:p>
           <a:p>
+            <a:pPr lvl="1">
+              <a:buNone/>
+            </a:pPr>
+            <a:r>
+              <a:rPr lang="en-US" altLang="zh-CN" dirty="0" smtClean="0"/>
+              <a:t>&lt;input type=“text” autofocus&gt;</a:t>
+            </a:r>
+          </a:p>
+          <a:p>
+            <a:r>
+              <a:rPr lang="zh-CN" altLang="en-US" dirty="0" smtClean="0"/>
+              <a:t>支持占位文本</a:t>
+            </a:r>
+            <a:endParaRPr lang="en-US" altLang="zh-CN" dirty="0" smtClean="0"/>
+          </a:p>
+          <a:p>
+            <a:pPr marL="342900" lvl="1" indent="-342900">
+              <a:buNone/>
+            </a:pPr>
+            <a:r>
+              <a:rPr lang="en-US" altLang="zh-CN" dirty="0" smtClean="0"/>
+              <a:t>	&lt;input type=“email” placeholder=“lc@sina.com”&gt;</a:t>
+            </a:r>
+          </a:p>
+          <a:p>
             <a:r>
               <a:rPr lang="zh-CN" altLang="en-US" dirty="0"/>
-              <a:t>需</a:t>
-            </a:r>
-            <a:r>
-              <a:rPr lang="zh-CN" altLang="en-US" dirty="0" smtClean="0"/>
-              <a:t>要使用</a:t>
-            </a:r>
-            <a:r>
-              <a:rPr lang="en-US" altLang="zh-CN" dirty="0" smtClean="0"/>
-              <a:t>flash</a:t>
-            </a:r>
-            <a:r>
-              <a:rPr lang="zh-CN" altLang="en-US" dirty="0" smtClean="0"/>
-              <a:t>插件</a:t>
+              <a:t>支</a:t>
+            </a:r>
+            <a:r>
+              <a:rPr lang="zh-CN" altLang="en-US" dirty="0" smtClean="0"/>
+              <a:t>持在位编辑</a:t>
             </a:r>
             <a:endParaRPr lang="en-US" altLang="zh-CN" dirty="0" smtClean="0"/>
           </a:p>
           <a:p>
-            <a:r>
-              <a:rPr lang="zh-CN" altLang="en-US" dirty="0"/>
-              <a:t>需</a:t>
-            </a:r>
-            <a:r>
-              <a:rPr lang="zh-CN" altLang="en-US" dirty="0" smtClean="0"/>
-              <a:t>要结合使用比较复杂的</a:t>
-            </a:r>
-            <a:r>
-              <a:rPr lang="en-US" altLang="zh-CN" dirty="0" smtClean="0"/>
-              <a:t>object</a:t>
-            </a:r>
-            <a:r>
-              <a:rPr lang="zh-CN" altLang="en-US" dirty="0" smtClean="0"/>
-              <a:t>和</a:t>
-            </a:r>
-            <a:r>
-              <a:rPr lang="en-US" altLang="zh-CN" dirty="0" smtClean="0"/>
-              <a:t>embed</a:t>
-            </a:r>
-            <a:r>
-              <a:rPr lang="zh-CN" altLang="en-US" dirty="0" smtClean="0"/>
-              <a:t>元素，并且为</a:t>
-            </a:r>
-            <a:r>
-              <a:rPr lang="en-US" altLang="zh-CN" dirty="0" smtClean="0"/>
-              <a:t>object</a:t>
-            </a:r>
-            <a:r>
-              <a:rPr lang="zh-CN" altLang="en-US" dirty="0" smtClean="0"/>
-              <a:t>元素添加许多属性和参数</a:t>
-            </a:r>
-            <a:endParaRPr lang="en-US" altLang="zh-CN" dirty="0" smtClean="0"/>
-          </a:p>
-          <a:p>
-            <a:endParaRPr lang="en-US" dirty="0"/>
+            <a:pPr lvl="1">
+              <a:buNone/>
+            </a:pPr>
+            <a:r>
+              <a:rPr lang="en-US" altLang="zh-CN" dirty="0" smtClean="0"/>
+              <a:t>&lt;p </a:t>
+            </a:r>
+            <a:r>
+              <a:rPr lang="en-US" altLang="zh-CN" dirty="0" err="1" smtClean="0"/>
+              <a:t>contenteditable</a:t>
+            </a:r>
+            <a:r>
+              <a:rPr lang="en-US" altLang="zh-CN" dirty="0" smtClean="0"/>
+              <a:t>&gt;…&lt;/p&gt;</a:t>
+            </a:r>
           </a:p>
         </p:txBody>
       </p:sp>
@@ -3786,107 +3789,42 @@
             <p:ph type="title"/>
           </p:nvPr>
         </p:nvSpPr>
-        <p:spPr/>
-        <p:txBody>
-          <a:bodyPr/>
-          <a:lstStyle/>
-          <a:p>
-            <a:r>
-              <a:rPr lang="zh-CN" altLang="en-US" b="1" dirty="0" smtClean="0"/>
-              <a:t>新的解决方案</a:t>
-            </a:r>
-            <a:endParaRPr lang="zh-CN" altLang="en-US" b="1" dirty="0"/>
-          </a:p>
-        </p:txBody>
-      </p:sp>
-      <p:sp>
-        <p:nvSpPr>
-          <p:cNvPr id="3" name="Content Placeholder 2"/>
-          <p:cNvSpPr>
-            <a:spLocks noGrp="1"/>
-          </p:cNvSpPr>
-          <p:nvPr>
-            <p:ph idx="1"/>
-          </p:nvPr>
-        </p:nvSpPr>
-        <p:spPr/>
+        <p:spPr>
+          <a:xfrm>
+            <a:off x="457200" y="274638"/>
+            <a:ext cx="8229600" cy="6126162"/>
+          </a:xfrm>
+        </p:spPr>
         <p:txBody>
           <a:bodyPr/>
           <a:lstStyle/>
           <a:p>
             <a:r>
               <a:rPr lang="zh-CN" altLang="en-US" dirty="0"/>
-              <a:t>直到现在，仍然不存在一项旨在网页</a:t>
-            </a:r>
-            <a:r>
-              <a:rPr lang="zh-CN" altLang="en-US" dirty="0" smtClean="0"/>
-              <a:t>上播放多媒体的</a:t>
-            </a:r>
-            <a:r>
-              <a:rPr lang="zh-CN" altLang="en-US" dirty="0"/>
-              <a:t>标准。</a:t>
-            </a:r>
-          </a:p>
-          <a:p>
-            <a:r>
-              <a:rPr lang="zh-CN" altLang="en-US" dirty="0"/>
-              <a:t>今天，大多数视频是通过插件（比如 </a:t>
-            </a:r>
+              <a:t>第</a:t>
+            </a:r>
+            <a:r>
+              <a:rPr lang="zh-CN" altLang="en-US" dirty="0" smtClean="0"/>
+              <a:t>三部分</a:t>
+            </a:r>
+            <a:r>
+              <a:rPr lang="en-US" altLang="zh-CN" dirty="0" smtClean="0"/>
+              <a:t/>
+            </a:r>
+            <a:br>
+              <a:rPr lang="en-US" altLang="zh-CN" dirty="0" smtClean="0"/>
+            </a:br>
             <a:r>
               <a:rPr lang="en-US" altLang="zh-CN" dirty="0"/>
-              <a:t>Flash</a:t>
-            </a:r>
-            <a:r>
-              <a:rPr lang="zh-CN" altLang="en-US" dirty="0"/>
-              <a:t>）来显示的。然而，并非所有浏览器都拥有同样的插件。</a:t>
-            </a:r>
-          </a:p>
-          <a:p>
-            <a:r>
+              <a:t/>
+            </a:r>
+            <a:br>
               <a:rPr lang="en-US" altLang="zh-CN" dirty="0"/>
-              <a:t>HTML5 </a:t>
-            </a:r>
-            <a:r>
-              <a:rPr lang="zh-CN" altLang="en-US" dirty="0"/>
-              <a:t>规定了一种通过 </a:t>
-            </a:r>
-            <a:r>
-              <a:rPr lang="en-US" altLang="zh-CN" dirty="0"/>
-              <a:t>video </a:t>
-            </a:r>
-            <a:r>
-              <a:rPr lang="en-US" altLang="zh-CN" dirty="0" smtClean="0"/>
-              <a:t>/audio</a:t>
-            </a:r>
-            <a:r>
-              <a:rPr lang="zh-CN" altLang="en-US" dirty="0" smtClean="0"/>
-              <a:t>元</a:t>
-            </a:r>
-            <a:r>
-              <a:rPr lang="zh-CN" altLang="en-US" dirty="0"/>
-              <a:t>素来包含视</a:t>
-            </a:r>
-            <a:r>
-              <a:rPr lang="zh-CN" altLang="en-US" dirty="0" smtClean="0"/>
-              <a:t>频</a:t>
-            </a:r>
-            <a:r>
-              <a:rPr lang="en-US" altLang="zh-CN" dirty="0" smtClean="0"/>
-              <a:t>/</a:t>
-            </a:r>
-            <a:r>
-              <a:rPr lang="zh-CN" altLang="en-US" dirty="0" smtClean="0"/>
-              <a:t>音频的</a:t>
-            </a:r>
-            <a:r>
-              <a:rPr lang="zh-CN" altLang="en-US" dirty="0"/>
-              <a:t>标准方法。</a:t>
-            </a:r>
-          </a:p>
-          <a:p>
-            <a:pPr>
-              <a:buNone/>
-            </a:pPr>
+            </a:br>
+            <a:r>
+              <a:rPr lang="zh-CN" altLang="en-US" dirty="0" smtClean="0"/>
+              <a:t>新的影音解决方案</a:t>
+            </a:r>
             <a:endParaRPr lang="en-US" dirty="0"/>
           </a:p>
         </p:txBody>
@@ -3939,40 +3877,158 @@
           <a:lstStyle/>
           <a:p>
             <a:r>
-              <a:rPr lang="zh-CN" altLang="en-US" b="1" dirty="0"/>
-              <a:t>视频格</a:t>
-            </a:r>
-            <a:r>
-              <a:rPr lang="zh-CN" altLang="en-US" b="1" dirty="0" smtClean="0"/>
-              <a:t>式与浏览器支持</a:t>
-            </a:r>
-            <a:endParaRPr lang="zh-CN" altLang="en-US" b="1" dirty="0"/>
-          </a:p>
-        </p:txBody>
-      </p:sp>
-      <p:pic>
-        <p:nvPicPr>
-          <p:cNvPr id="6" name="Content Placeholder 5" descr="QQ图片20130626105057.jpg"/>
-          <p:cNvPicPr>
-            <a:picLocks noGrp="1" noChangeAspect="1"/>
-          </p:cNvPicPr>
+              <a:rPr lang="zh-CN" altLang="en-US" dirty="0" smtClean="0"/>
+              <a:t>在</a:t>
+            </a:r>
+            <a:r>
+              <a:rPr lang="en-US" altLang="zh-CN" dirty="0" smtClean="0"/>
+              <a:t>HTML4</a:t>
+            </a:r>
+            <a:r>
+              <a:rPr lang="zh-CN" altLang="en-US" dirty="0" smtClean="0"/>
+              <a:t>中播放</a:t>
+            </a:r>
+            <a:r>
+              <a:rPr lang="zh-CN" altLang="en-US" dirty="0"/>
+              <a:t>多媒体</a:t>
+            </a:r>
+            <a:endParaRPr lang="en-US" dirty="0"/>
+          </a:p>
+        </p:txBody>
+      </p:sp>
+      <p:sp>
+        <p:nvSpPr>
+          <p:cNvPr id="3" name="Content Placeholder 2"/>
+          <p:cNvSpPr>
+            <a:spLocks noGrp="1"/>
+          </p:cNvSpPr>
           <p:nvPr>
             <p:ph idx="1"/>
           </p:nvPr>
-        </p:nvPicPr>
-        <p:blipFill>
-          <a:blip r:embed="rId2"/>
-          <a:stretch>
-            <a:fillRect/>
-          </a:stretch>
-        </p:blipFill>
-        <p:spPr>
-          <a:xfrm>
-            <a:off x="457200" y="3187955"/>
-            <a:ext cx="8229600" cy="1350452"/>
-          </a:xfrm>
-        </p:spPr>
-      </p:pic>
+        </p:nvSpPr>
+        <p:spPr/>
+        <p:txBody>
+          <a:bodyPr/>
+          <a:lstStyle/>
+          <a:p>
+            <a:pPr>
+              <a:buNone/>
+            </a:pPr>
+            <a:r>
+              <a:rPr lang="en-US" dirty="0" smtClean="0"/>
+              <a:t>&lt;embed </a:t>
+            </a:r>
+            <a:r>
+              <a:rPr lang="en-US" dirty="0" err="1" smtClean="0"/>
+              <a:t>src</a:t>
+            </a:r>
+            <a:r>
+              <a:rPr lang="en-US" dirty="0" smtClean="0"/>
+              <a:t>=“xxx.mp3” </a:t>
+            </a:r>
+            <a:r>
+              <a:rPr lang="en-US" dirty="0" err="1" smtClean="0"/>
+              <a:t>autostart</a:t>
+            </a:r>
+            <a:r>
+              <a:rPr lang="en-US" dirty="0" smtClean="0"/>
+              <a:t>=“true”</a:t>
+            </a:r>
+          </a:p>
+          <a:p>
+            <a:pPr>
+              <a:buNone/>
+            </a:pPr>
+            <a:r>
+              <a:rPr lang="en-US" dirty="0"/>
+              <a:t>	</a:t>
+            </a:r>
+            <a:r>
+              <a:rPr lang="en-US" dirty="0" smtClean="0"/>
+              <a:t>loop=“true” controller=“true”&gt;&lt;/embed&gt;</a:t>
+            </a:r>
+          </a:p>
+          <a:p>
+            <a:pPr>
+              <a:buNone/>
+            </a:pPr>
+            <a:endParaRPr lang="en-US" dirty="0"/>
+          </a:p>
+          <a:p>
+            <a:pPr>
+              <a:buNone/>
+            </a:pPr>
+            <a:r>
+              <a:rPr lang="en-US" dirty="0" smtClean="0"/>
+              <a:t>&lt;object&gt;</a:t>
+            </a:r>
+          </a:p>
+          <a:p>
+            <a:pPr>
+              <a:buNone/>
+            </a:pPr>
+            <a:r>
+              <a:rPr lang="en-US" dirty="0" smtClean="0"/>
+              <a:t>	&lt;</a:t>
+            </a:r>
+            <a:r>
+              <a:rPr lang="en-US" dirty="0" err="1" smtClean="0"/>
+              <a:t>param</a:t>
+            </a:r>
+            <a:r>
+              <a:rPr lang="en-US" dirty="0" smtClean="0"/>
+              <a:t> name=“</a:t>
+            </a:r>
+            <a:r>
+              <a:rPr lang="en-US" dirty="0" err="1" smtClean="0"/>
+              <a:t>src</a:t>
+            </a:r>
+            <a:r>
+              <a:rPr lang="en-US" dirty="0" smtClean="0"/>
+              <a:t>” value=“xxx.mp3”&gt;</a:t>
+            </a:r>
+          </a:p>
+          <a:p>
+            <a:pPr>
+              <a:buNone/>
+            </a:pPr>
+            <a:r>
+              <a:rPr lang="en-US" dirty="0"/>
+              <a:t>	</a:t>
+            </a:r>
+            <a:r>
+              <a:rPr lang="en-US" dirty="0" smtClean="0"/>
+              <a:t>&lt;</a:t>
+            </a:r>
+            <a:r>
+              <a:rPr lang="en-US" dirty="0" err="1" smtClean="0"/>
+              <a:t>param</a:t>
+            </a:r>
+            <a:r>
+              <a:rPr lang="en-US" dirty="0" smtClean="0"/>
+              <a:t> name=“</a:t>
+            </a:r>
+            <a:r>
+              <a:rPr lang="en-US" dirty="0" err="1" smtClean="0"/>
+              <a:t>autoplay</a:t>
+            </a:r>
+            <a:r>
+              <a:rPr lang="en-US" dirty="0" smtClean="0"/>
+              <a:t>” value=“false”&gt;</a:t>
+            </a:r>
+          </a:p>
+          <a:p>
+            <a:pPr>
+              <a:buNone/>
+            </a:pPr>
+            <a:r>
+              <a:rPr lang="en-US" dirty="0" smtClean="0"/>
+              <a:t>&lt;/object&gt;</a:t>
+            </a:r>
+            <a:endParaRPr lang="en-US" dirty="0"/>
+          </a:p>
+        </p:txBody>
+      </p:sp>
     </p:spTree>
   </p:cSld>
   <p:clrMapOvr>
@@ -4007,6 +4063,33 @@
       </p:grpSpPr>
       <p:sp>
         <p:nvSpPr>
+          <p:cNvPr id="2" name="Title 1"/>
+          <p:cNvSpPr>
+            <a:spLocks noGrp="1"/>
+          </p:cNvSpPr>
+          <p:nvPr>
+            <p:ph type="title"/>
+          </p:nvPr>
+        </p:nvSpPr>
+        <p:spPr/>
+        <p:txBody>
+          <a:bodyPr/>
+          <a:lstStyle/>
+          <a:p>
+            <a:r>
+              <a:rPr lang="en-US" dirty="0" smtClean="0"/>
+              <a:t>HTML4</a:t>
+            </a:r>
+            <a:r>
+              <a:rPr lang="zh-CN" altLang="en-US" dirty="0" smtClean="0"/>
+              <a:t>播放多媒体的缺点</a:t>
+            </a:r>
+            <a:endParaRPr lang="en-US" dirty="0"/>
+          </a:p>
+        </p:txBody>
+      </p:sp>
+      <p:sp>
+        <p:nvSpPr>
           <p:cNvPr id="3" name="Content Placeholder 2"/>
           <p:cNvSpPr>
             <a:spLocks noGrp="1"/>
@@ -4015,112 +4098,72 @@
             <p:ph idx="1"/>
           </p:nvPr>
         </p:nvSpPr>
-        <p:spPr>
-          <a:xfrm>
-            <a:off x="457200" y="304800"/>
-            <a:ext cx="8229600" cy="5821363"/>
-          </a:xfrm>
-        </p:spPr>
-        <p:txBody>
-          <a:bodyPr>
-            <a:normAutofit lnSpcReduction="10000"/>
-          </a:bodyPr>
-          <a:lstStyle/>
-          <a:p>
-            <a:pPr>
-              <a:buNone/>
-            </a:pPr>
-            <a:r>
-              <a:rPr lang="en-US" dirty="0" smtClean="0"/>
-              <a:t>&lt;video </a:t>
-            </a:r>
-            <a:r>
-              <a:rPr lang="en-US" dirty="0" err="1" smtClean="0"/>
-              <a:t>src</a:t>
-            </a:r>
-            <a:r>
-              <a:rPr lang="en-US" dirty="0" smtClean="0"/>
-              <a:t>="movie.ogg"  width="320" height="240" controls="controls"&gt;</a:t>
-            </a:r>
-          </a:p>
-          <a:p>
-            <a:pPr>
-              <a:buNone/>
-            </a:pPr>
-            <a:r>
-              <a:rPr lang="en-US" dirty="0" smtClean="0"/>
-              <a:t>	Your browser does not support the video tag.</a:t>
-            </a:r>
-          </a:p>
-          <a:p>
-            <a:pPr>
-              <a:buNone/>
-            </a:pPr>
-            <a:r>
-              <a:rPr lang="en-US" dirty="0" smtClean="0"/>
-              <a:t>&lt;/video&gt;</a:t>
-            </a:r>
-          </a:p>
-          <a:p>
-            <a:pPr>
-              <a:buNone/>
-            </a:pPr>
-            <a:endParaRPr lang="en-US" dirty="0"/>
-          </a:p>
-          <a:p>
-            <a:pPr>
-              <a:buNone/>
-            </a:pPr>
-            <a:r>
-              <a:rPr lang="en-US" dirty="0" smtClean="0"/>
-              <a:t>&lt;video width="320" height="240" controls="controls"&gt; </a:t>
-            </a:r>
-          </a:p>
-          <a:p>
-            <a:pPr>
-              <a:buNone/>
-            </a:pPr>
-            <a:r>
-              <a:rPr lang="en-US" dirty="0"/>
-              <a:t>	</a:t>
-            </a:r>
-            <a:r>
-              <a:rPr lang="en-US" dirty="0" smtClean="0"/>
-              <a:t>&lt;source </a:t>
-            </a:r>
-            <a:r>
-              <a:rPr lang="en-US" dirty="0" err="1" smtClean="0"/>
-              <a:t>src</a:t>
-            </a:r>
-            <a:r>
-              <a:rPr lang="en-US" dirty="0" smtClean="0"/>
-              <a:t>="movie.ogg" type="video/</a:t>
-            </a:r>
-            <a:r>
-              <a:rPr lang="en-US" dirty="0" err="1" smtClean="0"/>
-              <a:t>ogg</a:t>
-            </a:r>
-            <a:r>
-              <a:rPr lang="en-US" dirty="0" smtClean="0"/>
-              <a:t>"&gt; &lt;source </a:t>
-            </a:r>
-            <a:r>
-              <a:rPr lang="en-US" dirty="0" err="1" smtClean="0"/>
-              <a:t>src</a:t>
-            </a:r>
-            <a:r>
-              <a:rPr lang="en-US" dirty="0" smtClean="0"/>
-              <a:t>="movie.mp4" type="video/mp4"&gt; Your browser does not support the video tag.</a:t>
-            </a:r>
-          </a:p>
-          <a:p>
-            <a:pPr>
-              <a:buNone/>
-            </a:pPr>
-            <a:r>
-              <a:rPr lang="en-US" dirty="0" smtClean="0"/>
-              <a:t> &lt;/video&gt;</a:t>
-            </a:r>
+        <p:spPr/>
+        <p:txBody>
+          <a:bodyPr/>
+          <a:lstStyle/>
+          <a:p>
+            <a:r>
+              <a:rPr lang="zh-CN" altLang="en-US" dirty="0" smtClean="0"/>
+              <a:t>代码冗长并且丑陋</a:t>
+            </a:r>
+            <a:endParaRPr lang="en-US" altLang="zh-CN" dirty="0" smtClean="0"/>
+          </a:p>
+          <a:p>
+            <a:r>
+              <a:rPr lang="zh-CN" altLang="en-US" dirty="0"/>
+              <a:t>需</a:t>
+            </a:r>
+            <a:r>
+              <a:rPr lang="zh-CN" altLang="en-US" dirty="0" smtClean="0"/>
+              <a:t>要使用</a:t>
+            </a:r>
+            <a:r>
+              <a:rPr lang="en-US" altLang="zh-CN" dirty="0" smtClean="0"/>
+              <a:t>flash</a:t>
+            </a:r>
+            <a:r>
+              <a:rPr lang="zh-CN" altLang="en-US" dirty="0" smtClean="0"/>
+              <a:t>插件</a:t>
+            </a:r>
+            <a:endParaRPr lang="en-US" altLang="zh-CN" dirty="0" smtClean="0"/>
+          </a:p>
+          <a:p>
+            <a:r>
+              <a:rPr lang="zh-CN" altLang="en-US" dirty="0"/>
+              <a:t>需</a:t>
+            </a:r>
+            <a:r>
+              <a:rPr lang="zh-CN" altLang="en-US" dirty="0" smtClean="0"/>
+              <a:t>要结合使用比较复杂的</a:t>
+            </a:r>
+            <a:r>
+              <a:rPr lang="en-US" altLang="zh-CN" dirty="0" smtClean="0"/>
+              <a:t>object</a:t>
+            </a:r>
+            <a:r>
+              <a:rPr lang="zh-CN" altLang="en-US" dirty="0" smtClean="0"/>
+              <a:t>和</a:t>
+            </a:r>
+            <a:r>
+              <a:rPr lang="en-US" altLang="zh-CN" dirty="0" smtClean="0"/>
+              <a:t>embed</a:t>
+            </a:r>
+            <a:r>
+              <a:rPr lang="zh-CN" altLang="en-US" dirty="0" smtClean="0"/>
+              <a:t>元素，并且为</a:t>
+            </a:r>
+            <a:r>
+              <a:rPr lang="en-US" altLang="zh-CN" dirty="0" smtClean="0"/>
+              <a:t>object</a:t>
+            </a:r>
+            <a:r>
+              <a:rPr lang="zh-CN" altLang="en-US" dirty="0" smtClean="0"/>
+              <a:t>元素添加许多属性和参数</a:t>
+            </a:r>
+            <a:endParaRPr lang="en-US" altLang="zh-CN" dirty="0" smtClean="0"/>
+          </a:p>
+          <a:p>
             <a:endParaRPr lang="en-US" dirty="0"/>
           </a:p>
         </p:txBody>
@@ -4173,39 +4216,105 @@
           <a:lstStyle/>
           <a:p>
             <a:r>
-              <a:rPr lang="en-US" b="1" dirty="0"/>
-              <a:t>&lt;video&gt; </a:t>
-            </a:r>
-            <a:r>
-              <a:rPr lang="zh-CN" altLang="en-US" b="1" dirty="0"/>
-              <a:t>标签的属性</a:t>
-            </a:r>
-          </a:p>
-        </p:txBody>
-      </p:sp>
-      <p:pic>
-        <p:nvPicPr>
-          <p:cNvPr id="4" name="Content Placeholder 3" descr="QQ图片20130626105057.jpg"/>
-          <p:cNvPicPr>
-            <a:picLocks noGrp="1" noChangeAspect="1"/>
-          </p:cNvPicPr>
+              <a:rPr lang="zh-CN" altLang="en-US" b="1" dirty="0" smtClean="0"/>
+              <a:t>新的解决方案</a:t>
+            </a:r>
+            <a:endParaRPr lang="zh-CN" altLang="en-US" b="1" dirty="0"/>
+          </a:p>
+        </p:txBody>
+      </p:sp>
+      <p:sp>
+        <p:nvSpPr>
+          <p:cNvPr id="3" name="Content Placeholder 2"/>
+          <p:cNvSpPr>
+            <a:spLocks noGrp="1"/>
+          </p:cNvSpPr>
           <p:nvPr>
             <p:ph idx="1"/>
           </p:nvPr>
-        </p:nvPicPr>
-        <p:blipFill>
-          <a:blip r:embed="rId2"/>
-          <a:stretch>
-            <a:fillRect/>
-          </a:stretch>
-        </p:blipFill>
-        <p:spPr>
-          <a:xfrm>
-            <a:off x="457200" y="2352914"/>
-            <a:ext cx="8229600" cy="3020535"/>
-          </a:xfrm>
-        </p:spPr>
-      </p:pic>
+        </p:nvSpPr>
+        <p:spPr/>
+        <p:txBody>
+          <a:bodyPr/>
+          <a:lstStyle/>
+          <a:p>
+            <a:r>
+              <a:rPr lang="zh-CN" altLang="en-US" dirty="0"/>
+              <a:t>直到现在，仍然不存在一项旨在网页</a:t>
+            </a:r>
+            <a:r>
+              <a:rPr lang="zh-CN" altLang="en-US" dirty="0" smtClean="0"/>
+              <a:t>上播放多媒体的</a:t>
+            </a:r>
+            <a:r>
+              <a:rPr lang="zh-CN" altLang="en-US" dirty="0"/>
+              <a:t>标准。</a:t>
+            </a:r>
+          </a:p>
+          <a:p>
+            <a:r>
+              <a:rPr lang="zh-CN" altLang="en-US" dirty="0"/>
+              <a:t>今天，大多数视频是通过插件（比如 </a:t>
+            </a:r>
+            <a:r>
+              <a:rPr lang="en-US" altLang="zh-CN" dirty="0"/>
+              <a:t>Flash</a:t>
+            </a:r>
+            <a:r>
+              <a:rPr lang="zh-CN" altLang="en-US" dirty="0"/>
+              <a:t>）来显示的。然而，并非所有浏览器都拥有同样的插件。</a:t>
+            </a:r>
+          </a:p>
+          <a:p>
+            <a:r>
+              <a:rPr lang="en-US" altLang="zh-CN" dirty="0"/>
+              <a:t>HTML5 </a:t>
+            </a:r>
+            <a:r>
+              <a:rPr lang="zh-CN" altLang="en-US" dirty="0"/>
+              <a:t>规定了一种通过 </a:t>
+            </a:r>
+            <a:r>
+              <a:rPr lang="en-US" altLang="zh-CN" dirty="0"/>
+              <a:t>video </a:t>
+            </a:r>
+            <a:r>
+              <a:rPr lang="en-US" altLang="zh-CN" dirty="0" smtClean="0"/>
+              <a:t>/audio</a:t>
+            </a:r>
+            <a:r>
+              <a:rPr lang="zh-CN" altLang="en-US" dirty="0" smtClean="0"/>
+              <a:t>元</a:t>
+            </a:r>
+            <a:r>
+              <a:rPr lang="zh-CN" altLang="en-US" dirty="0"/>
+              <a:t>素来包含视</a:t>
+            </a:r>
+            <a:r>
+              <a:rPr lang="zh-CN" altLang="en-US" dirty="0" smtClean="0"/>
+              <a:t>频</a:t>
+            </a:r>
+            <a:r>
+              <a:rPr lang="en-US" altLang="zh-CN" dirty="0" smtClean="0"/>
+              <a:t>/</a:t>
+            </a:r>
+            <a:r>
+              <a:rPr lang="zh-CN" altLang="en-US" dirty="0" smtClean="0"/>
+              <a:t>音频的</a:t>
+            </a:r>
+            <a:r>
+              <a:rPr lang="zh-CN" altLang="en-US" dirty="0"/>
+              <a:t>标准方法。</a:t>
+            </a:r>
+          </a:p>
+          <a:p>
+            <a:pPr>
+              <a:buNone/>
+            </a:pPr>
+            <a:endParaRPr lang="en-US" dirty="0"/>
+          </a:p>
+        </p:txBody>
+      </p:sp>
     </p:spTree>
   </p:cSld>
   <p:clrMapOvr>
@@ -4254,16 +4363,20 @@
           <a:lstStyle/>
           <a:p>
             <a:r>
-              <a:rPr lang="zh-CN" altLang="en-US" dirty="0" smtClean="0"/>
-              <a:t>音频格式与浏览器支持</a:t>
-            </a:r>
-            <a:endParaRPr lang="en-US" dirty="0"/>
+              <a:rPr lang="zh-CN" altLang="en-US" b="1" dirty="0"/>
+              <a:t>视频格</a:t>
+            </a:r>
+            <a:r>
+              <a:rPr lang="zh-CN" altLang="en-US" b="1" dirty="0" smtClean="0"/>
+              <a:t>式与浏览器支持</a:t>
+            </a:r>
+            <a:endParaRPr lang="zh-CN" altLang="en-US" b="1" dirty="0"/>
           </a:p>
         </p:txBody>
       </p:sp>
       <p:pic>
         <p:nvPicPr>
-          <p:cNvPr id="4" name="Content Placeholder 3" descr="QQ图片20130626105057.jpg"/>
+          <p:cNvPr id="6" name="Content Placeholder 5" descr="QQ图片20130626105057.jpg"/>
           <p:cNvPicPr>
             <a:picLocks noGrp="1" noChangeAspect="1"/>
           </p:cNvPicPr>
@@ -4279,8 +4392,8 @@
         </p:blipFill>
         <p:spPr>
           <a:xfrm>
-            <a:off x="457200" y="3193225"/>
-            <a:ext cx="8229600" cy="1339913"/>
+            <a:off x="457200" y="3187955"/>
+            <a:ext cx="8229600" cy="1350452"/>
           </a:xfrm>
         </p:spPr>
       </p:pic>
@@ -4328,12 +4441,14 @@
         </p:nvSpPr>
         <p:spPr>
           <a:xfrm>
-            <a:off x="457200" y="457200"/>
-            <a:ext cx="8229600" cy="5668963"/>
+            <a:off x="457200" y="304800"/>
+            <a:ext cx="8229600" cy="5821363"/>
           </a:xfrm>
         </p:spPr>
         <p:txBody>
-          <a:bodyPr/>
+          <a:bodyPr>
+            <a:normAutofit lnSpcReduction="10000"/>
+          </a:bodyPr>
           <a:lstStyle/>
           <a:p>
             <a:pPr>
@@ -4341,7 +4456,7 @@
             </a:pPr>
             <a:r>
               <a:rPr lang="en-US" dirty="0" smtClean="0"/>
-              <a:t>&lt;audio </a:t>
+              <a:t>&lt;video </a:t>
             </a:r>
             <a:r>
               <a:rPr lang="en-US" dirty="0" err="1" smtClean="0"/>
@@ -4349,7 +4464,7 @@
             </a:r>
             <a:r>
               <a:rPr lang="en-US" dirty="0" smtClean="0"/>
-              <a:t>="song.ogg" controls="controls"&gt; Your browser does not support the audio tag.</a:t>
+              <a:t>="movie.ogg"  width="320" height="240" controls="controls"&gt;</a:t>
             </a:r>
           </a:p>
           <a:p>
@@ -4358,7 +4473,16 @@
             </a:pPr>
             <a:r>
               <a:rPr lang="en-US" dirty="0" smtClean="0"/>
-              <a:t>&lt;/audio&gt;</a:t>
+              <a:t>	Your browser does not support the video tag.</a:t>
+            </a:r>
+          </a:p>
+          <a:p>
+            <a:pPr>
+              <a:buNone/>
+            </a:pPr>
+            <a:r>
+              <a:rPr lang="en-US" dirty="0" smtClean="0"/>
+              <a:t>&lt;/video&gt;</a:t>
             </a:r>
           </a:p>
           <a:p>
@@ -4373,7 +4497,7 @@
             </a:pPr>
             <a:r>
               <a:rPr lang="en-US" dirty="0" smtClean="0"/>
-              <a:t>&lt;audio controls="controls"&gt; </a:t>
+              <a:t>&lt;video width="320" height="240" controls="controls"&gt; </a:t>
             </a:r>
           </a:p>
           <a:p>
@@ -4394,7 +4518,7 @@
             </a:r>
             <a:r>
               <a:rPr lang="en-US" dirty="0" smtClean="0"/>
-              <a:t>="song.ogg" type="audio/</a:t>
+              <a:t>="movie.ogg" type="video/</a:t>
             </a:r>
             <a:r>
               <a:rPr lang="en-US" dirty="0" err="1" smtClean="0"/>
@@ -4410,7 +4534,7 @@
             </a:r>
             <a:r>
               <a:rPr lang="en-US" dirty="0" smtClean="0"/>
-              <a:t>="song.mp3" type="audio/mpeg"&gt; Your browser does not support the audio tag.</a:t>
+              <a:t>="movie.mp4" type="video/mp4"&gt; Your browser does not support the video tag.</a:t>
             </a:r>
           </a:p>
           <a:p>
@@ -4419,7 +4543,7 @@
             </a:pPr>
             <a:r>
               <a:rPr lang="en-US" dirty="0" smtClean="0"/>
-              <a:t>&lt;/audio&gt;</a:t>
+              <a:t> &lt;/video&gt;</a:t>
             </a:r>
             <a:endParaRPr lang="en-US" dirty="0"/>
           </a:p>
@@ -4464,41 +4588,138 @@
             <a:spLocks noGrp="1"/>
           </p:cNvSpPr>
           <p:nvPr>
-            <p:ph type="ctrTitle"/>
-          </p:nvPr>
-        </p:nvSpPr>
-        <p:spPr>
-          <a:xfrm>
-            <a:off x="685800" y="381000"/>
-            <a:ext cx="7772400" cy="6172199"/>
-          </a:xfrm>
-        </p:spPr>
-        <p:txBody>
-          <a:bodyPr/>
-          <a:lstStyle/>
-          <a:p>
-            <a:r>
-              <a:rPr lang="zh-CN" altLang="en-US" dirty="0" smtClean="0"/>
-              <a:t>第一部分</a:t>
-            </a:r>
-            <a:r>
-              <a:rPr lang="en-US" altLang="zh-CN" dirty="0" smtClean="0"/>
-              <a:t/>
-            </a:r>
-            <a:br>
-              <a:rPr lang="en-US" altLang="zh-CN" dirty="0" smtClean="0"/>
-            </a:br>
-            <a:r>
-              <a:rPr lang="en-US" altLang="zh-CN" dirty="0"/>
-              <a:t/>
-            </a:r>
-            <a:br>
-              <a:rPr lang="en-US" altLang="zh-CN" dirty="0"/>
-            </a:br>
-            <a:r>
-              <a:rPr lang="zh-CN" altLang="en-US" dirty="0" smtClean="0"/>
-              <a:t>新的结构标签和属性</a:t>
-            </a:r>
+            <p:ph type="title"/>
+          </p:nvPr>
+        </p:nvSpPr>
+        <p:spPr/>
+        <p:txBody>
+          <a:bodyPr/>
+          <a:lstStyle/>
+          <a:p>
+            <a:r>
+              <a:rPr lang="zh-CN" altLang="en-US" dirty="0" smtClean="0"/>
+              <a:t>概述</a:t>
+            </a:r>
+            <a:endParaRPr lang="en-US" dirty="0"/>
+          </a:p>
+        </p:txBody>
+      </p:sp>
+      <p:sp>
+        <p:nvSpPr>
+          <p:cNvPr id="3" name="Content Placeholder 2"/>
+          <p:cNvSpPr>
+            <a:spLocks noGrp="1"/>
+          </p:cNvSpPr>
+          <p:nvPr>
+            <p:ph idx="1"/>
+          </p:nvPr>
+        </p:nvSpPr>
+        <p:spPr/>
+        <p:txBody>
+          <a:bodyPr/>
+          <a:lstStyle/>
+          <a:p>
+            <a:r>
+              <a:rPr lang="en-US" dirty="0" smtClean="0"/>
+              <a:t>HTML5 </a:t>
+            </a:r>
+            <a:r>
+              <a:rPr lang="zh-CN" altLang="en-US" dirty="0" smtClean="0"/>
+              <a:t>是下一代的 </a:t>
+            </a:r>
+            <a:r>
+              <a:rPr lang="en-US" dirty="0" smtClean="0"/>
+              <a:t>HTML</a:t>
+            </a:r>
+            <a:r>
+              <a:rPr lang="en-US" dirty="0" smtClean="0"/>
+              <a:t>。</a:t>
+            </a:r>
+          </a:p>
+          <a:p>
+            <a:r>
+              <a:rPr lang="en-US" altLang="zh-CN" dirty="0" smtClean="0"/>
+              <a:t>HTML5 </a:t>
+            </a:r>
+            <a:r>
+              <a:rPr lang="zh-CN" altLang="en-US" dirty="0" smtClean="0"/>
+              <a:t>将成为 </a:t>
+            </a:r>
+            <a:r>
+              <a:rPr lang="en-US" altLang="zh-CN" dirty="0" smtClean="0"/>
+              <a:t>HTML</a:t>
+            </a:r>
+            <a:r>
+              <a:rPr lang="zh-CN" altLang="en-US" dirty="0" smtClean="0"/>
+              <a:t>、</a:t>
+            </a:r>
+            <a:r>
+              <a:rPr lang="en-US" altLang="zh-CN" dirty="0" smtClean="0"/>
+              <a:t>XHTML </a:t>
+            </a:r>
+            <a:r>
+              <a:rPr lang="zh-CN" altLang="en-US" dirty="0" smtClean="0"/>
+              <a:t>以及 </a:t>
+            </a:r>
+            <a:r>
+              <a:rPr lang="en-US" altLang="zh-CN" dirty="0" smtClean="0"/>
+              <a:t>HTML DOM </a:t>
+            </a:r>
+            <a:r>
+              <a:rPr lang="zh-CN" altLang="en-US" dirty="0" smtClean="0"/>
+              <a:t>的新标准。</a:t>
+            </a:r>
+          </a:p>
+          <a:p>
+            <a:r>
+              <a:rPr lang="en-US" altLang="zh-CN" dirty="0" smtClean="0"/>
+              <a:t>HTML5 </a:t>
+            </a:r>
+            <a:r>
+              <a:rPr lang="zh-CN" altLang="en-US" dirty="0" smtClean="0"/>
+              <a:t>仍处于完善之中。然而，大部分现代浏览器已经具备了某些 </a:t>
+            </a:r>
+            <a:r>
+              <a:rPr lang="en-US" altLang="zh-CN" dirty="0" smtClean="0"/>
+              <a:t>HTML5 </a:t>
+            </a:r>
+            <a:r>
+              <a:rPr lang="zh-CN" altLang="en-US" dirty="0" smtClean="0"/>
+              <a:t>支持</a:t>
+            </a:r>
+            <a:r>
+              <a:rPr lang="zh-CN" altLang="en-US" dirty="0" smtClean="0"/>
+              <a:t>。</a:t>
+            </a:r>
+            <a:endParaRPr lang="en-US" altLang="zh-CN" dirty="0" smtClean="0"/>
+          </a:p>
+          <a:p>
+            <a:r>
+              <a:rPr lang="en-US" dirty="0" smtClean="0"/>
+              <a:t>HTML5 </a:t>
+            </a:r>
+            <a:r>
+              <a:rPr lang="zh-CN" altLang="en-US" dirty="0" smtClean="0"/>
+              <a:t>是 </a:t>
+            </a:r>
+            <a:r>
+              <a:rPr lang="en-US" dirty="0" smtClean="0"/>
+              <a:t>W3C </a:t>
+            </a:r>
+            <a:r>
+              <a:rPr lang="zh-CN" altLang="en-US" dirty="0" smtClean="0"/>
+              <a:t>与 </a:t>
+            </a:r>
+            <a:r>
+              <a:rPr lang="en-US" dirty="0" smtClean="0"/>
+              <a:t>WHATWG </a:t>
+            </a:r>
+            <a:r>
+              <a:rPr lang="zh-CN" altLang="en-US" dirty="0" smtClean="0"/>
+              <a:t>合作的结果。</a:t>
+            </a:r>
+          </a:p>
+          <a:p>
             <a:endParaRPr lang="en-US" dirty="0"/>
           </a:p>
         </p:txBody>
@@ -4508,13 +4729,6 @@
   <p:clrMapOvr>
     <a:masterClrMapping/>
   </p:clrMapOvr>
-  <p:timing>
-    <p:tnLst>
-      <p:par>
-        <p:cTn id="1" dur="indefinite" restart="never" nodeType="tmRoot"/>
-      </p:par>
-    </p:tnLst>
-  </p:timing>
 </p:sld>
 </file>
 
@@ -4547,23 +4761,17 @@
         </p:nvSpPr>
         <p:spPr/>
         <p:txBody>
-          <a:bodyPr>
-            <a:normAutofit fontScale="90000"/>
-          </a:bodyPr>
+          <a:bodyPr/>
           <a:lstStyle/>
           <a:p>
             <a:r>
               <a:rPr lang="en-US" b="1" dirty="0"/>
-              <a:t>&lt;audio&gt; </a:t>
+              <a:t>&lt;video&gt; </a:t>
             </a:r>
             <a:r>
               <a:rPr lang="zh-CN" altLang="en-US" b="1" dirty="0"/>
               <a:t>标签的属性</a:t>
             </a:r>
-            <a:br>
-              <a:rPr lang="zh-CN" altLang="en-US" b="1" dirty="0"/>
-            </a:br>
-            <a:endParaRPr lang="en-US" dirty="0"/>
           </a:p>
         </p:txBody>
       </p:sp>
@@ -4585,8 +4793,8 @@
         </p:blipFill>
         <p:spPr>
           <a:xfrm>
-            <a:off x="457200" y="2696568"/>
-            <a:ext cx="8229600" cy="2333227"/>
+            <a:off x="457200" y="2352914"/>
+            <a:ext cx="8229600" cy="3020535"/>
           </a:xfrm>
         </p:spPr>
       </p:pic>
@@ -4632,42 +4840,42 @@
             <p:ph type="title"/>
           </p:nvPr>
         </p:nvSpPr>
+        <p:spPr/>
+        <p:txBody>
+          <a:bodyPr/>
+          <a:lstStyle/>
+          <a:p>
+            <a:r>
+              <a:rPr lang="zh-CN" altLang="en-US" dirty="0" smtClean="0"/>
+              <a:t>音频格式与浏览器支持</a:t>
+            </a:r>
+            <a:endParaRPr lang="en-US" dirty="0"/>
+          </a:p>
+        </p:txBody>
+      </p:sp>
+      <p:pic>
+        <p:nvPicPr>
+          <p:cNvPr id="4" name="Content Placeholder 3" descr="QQ图片20130626105057.jpg"/>
+          <p:cNvPicPr>
+            <a:picLocks noGrp="1" noChangeAspect="1"/>
+          </p:cNvPicPr>
+          <p:nvPr>
+            <p:ph idx="1"/>
+          </p:nvPr>
+        </p:nvPicPr>
+        <p:blipFill>
+          <a:blip r:embed="rId2"/>
+          <a:stretch>
+            <a:fillRect/>
+          </a:stretch>
+        </p:blipFill>
         <p:spPr>
           <a:xfrm>
-            <a:off x="457200" y="274638"/>
-            <a:ext cx="8229600" cy="6049962"/>
+            <a:off x="457200" y="3193225"/>
+            <a:ext cx="8229600" cy="1339913"/>
           </a:xfrm>
         </p:spPr>
-        <p:txBody>
-          <a:bodyPr/>
-          <a:lstStyle/>
-          <a:p>
-            <a:r>
-              <a:rPr lang="zh-CN" altLang="en-US" dirty="0" smtClean="0"/>
-              <a:t>第四部分</a:t>
-            </a:r>
-            <a:r>
-              <a:rPr lang="en-US" altLang="zh-CN" dirty="0" smtClean="0"/>
-              <a:t/>
-            </a:r>
-            <a:br>
-              <a:rPr lang="en-US" altLang="zh-CN" dirty="0" smtClean="0"/>
-            </a:br>
-            <a:r>
-              <a:rPr lang="en-US" altLang="zh-CN" dirty="0"/>
-              <a:t/>
-            </a:r>
-            <a:br>
-              <a:rPr lang="en-US" altLang="zh-CN" dirty="0"/>
-            </a:br>
-            <a:r>
-              <a:rPr lang="en-US" altLang="zh-CN" dirty="0" smtClean="0"/>
-              <a:t>Canvas</a:t>
-            </a:r>
-            <a:endParaRPr lang="en-US" dirty="0"/>
-          </a:p>
-        </p:txBody>
-      </p:sp>
+      </p:pic>
     </p:spTree>
   </p:cSld>
   <p:clrMapOvr>
@@ -4702,173 +4910,108 @@
       </p:grpSpPr>
       <p:sp>
         <p:nvSpPr>
-          <p:cNvPr id="2" name="Title 1"/>
-          <p:cNvSpPr>
-            <a:spLocks noGrp="1"/>
-          </p:cNvSpPr>
-          <p:nvPr>
-            <p:ph type="title"/>
+          <p:cNvPr id="3" name="Content Placeholder 2"/>
+          <p:cNvSpPr>
+            <a:spLocks noGrp="1"/>
+          </p:cNvSpPr>
+          <p:nvPr>
+            <p:ph idx="1"/>
           </p:nvPr>
         </p:nvSpPr>
         <p:spPr>
           <a:xfrm>
-            <a:off x="457200" y="274638"/>
-            <a:ext cx="8229600" cy="944562"/>
+            <a:off x="457200" y="457200"/>
+            <a:ext cx="8229600" cy="5668963"/>
           </a:xfrm>
         </p:spPr>
         <p:txBody>
           <a:bodyPr/>
           <a:lstStyle/>
           <a:p>
-            <a:r>
-              <a:rPr lang="zh-CN" altLang="en-US" dirty="0"/>
-              <a:t>简述</a:t>
-            </a:r>
+            <a:pPr>
+              <a:buNone/>
+            </a:pPr>
+            <a:r>
+              <a:rPr lang="en-US" dirty="0" smtClean="0"/>
+              <a:t>&lt;audio </a:t>
+            </a:r>
+            <a:r>
+              <a:rPr lang="en-US" dirty="0" err="1" smtClean="0"/>
+              <a:t>src</a:t>
+            </a:r>
+            <a:r>
+              <a:rPr lang="en-US" dirty="0" smtClean="0"/>
+              <a:t>="song.ogg" controls="controls"&gt; Your browser does not support the audio tag.</a:t>
+            </a:r>
+          </a:p>
+          <a:p>
+            <a:pPr>
+              <a:buNone/>
+            </a:pPr>
+            <a:r>
+              <a:rPr lang="en-US" dirty="0" smtClean="0"/>
+              <a:t>&lt;/audio&gt;</a:t>
+            </a:r>
+          </a:p>
+          <a:p>
+            <a:pPr>
+              <a:buNone/>
+            </a:pPr>
             <a:endParaRPr lang="en-US" dirty="0"/>
           </a:p>
-        </p:txBody>
-      </p:sp>
-      <p:sp>
-        <p:nvSpPr>
-          <p:cNvPr id="3" name="Content Placeholder 2"/>
-          <p:cNvSpPr>
-            <a:spLocks noGrp="1"/>
-          </p:cNvSpPr>
-          <p:nvPr>
-            <p:ph idx="1"/>
-          </p:nvPr>
-        </p:nvSpPr>
-        <p:spPr>
-          <a:xfrm>
-            <a:off x="457200" y="1295400"/>
-            <a:ext cx="8229600" cy="4830763"/>
-          </a:xfrm>
-        </p:spPr>
-        <p:txBody>
-          <a:bodyPr>
-            <a:normAutofit/>
-          </a:bodyPr>
-          <a:lstStyle/>
-          <a:p>
+          <a:p>
+            <a:pPr>
+              <a:buNone/>
+            </a:pPr>
+            <a:r>
+              <a:rPr lang="en-US" dirty="0" smtClean="0"/>
+              <a:t>&lt;audio controls="controls"&gt; </a:t>
+            </a:r>
+          </a:p>
+          <a:p>
+            <a:pPr>
+              <a:buNone/>
+            </a:pPr>
             <a:r>
               <a:rPr lang="en-US" dirty="0"/>
-              <a:t>HTML 5 canvas </a:t>
-            </a:r>
-            <a:r>
-              <a:rPr lang="zh-CN" altLang="en-US" dirty="0"/>
-              <a:t>提供了通过 </a:t>
-            </a:r>
-            <a:r>
-              <a:rPr lang="en-US" dirty="0"/>
-              <a:t>JavaScript </a:t>
-            </a:r>
-            <a:r>
-              <a:rPr lang="zh-CN" altLang="en-US" dirty="0"/>
-              <a:t>绘制图形的方法，此方法使用简单但功能强大。每一个 </a:t>
-            </a:r>
-            <a:r>
-              <a:rPr lang="en-US" dirty="0"/>
-              <a:t>canvas </a:t>
-            </a:r>
-            <a:r>
-              <a:rPr lang="zh-CN" altLang="en-US" dirty="0"/>
-              <a:t>元素都有一</a:t>
-            </a:r>
-            <a:r>
-              <a:rPr lang="zh-CN" altLang="en-US" dirty="0" smtClean="0"/>
-              <a:t>个</a:t>
-            </a:r>
-            <a:r>
-              <a:rPr lang="en-US" altLang="zh-CN" dirty="0" smtClean="0"/>
-              <a:t>“</a:t>
-            </a:r>
-            <a:r>
-              <a:rPr lang="zh-CN" altLang="en-US" dirty="0" smtClean="0"/>
-              <a:t>上</a:t>
-            </a:r>
-            <a:r>
-              <a:rPr lang="zh-CN" altLang="en-US" dirty="0"/>
-              <a:t>下文</a:t>
-            </a:r>
-            <a:r>
-              <a:rPr lang="en-US" altLang="zh-CN" dirty="0"/>
-              <a:t>( </a:t>
-            </a:r>
-            <a:r>
-              <a:rPr lang="en-US" dirty="0"/>
-              <a:t>context </a:t>
+              <a:t>	</a:t>
             </a:r>
             <a:r>
               <a:rPr lang="en-US" dirty="0" smtClean="0"/>
-              <a:t>)” </a:t>
-            </a:r>
-            <a:r>
-              <a:rPr lang="zh-CN" altLang="en-US" dirty="0" smtClean="0"/>
-              <a:t>，</a:t>
-            </a:r>
-            <a:r>
-              <a:rPr lang="zh-CN" altLang="en-US" dirty="0"/>
-              <a:t>在其中可以绘制任意图形。浏览器支持多个 </a:t>
-            </a:r>
-            <a:r>
-              <a:rPr lang="en-US" dirty="0"/>
-              <a:t>canvas </a:t>
-            </a:r>
-            <a:r>
-              <a:rPr lang="zh-CN" altLang="en-US" dirty="0"/>
-              <a:t>上下文，并通过不同的 </a:t>
-            </a:r>
-            <a:r>
-              <a:rPr lang="en-US" dirty="0"/>
-              <a:t>API </a:t>
-            </a:r>
-            <a:r>
-              <a:rPr lang="zh-CN" altLang="en-US" dirty="0"/>
-              <a:t>提供图形绘制功能。大部分的浏览器都支持 </a:t>
-            </a:r>
-            <a:r>
-              <a:rPr lang="en-US" altLang="zh-CN" dirty="0"/>
-              <a:t>2</a:t>
-            </a:r>
-            <a:r>
-              <a:rPr lang="en-US" dirty="0"/>
-              <a:t>D canvas </a:t>
-            </a:r>
-            <a:r>
-              <a:rPr lang="zh-CN" altLang="en-US" dirty="0"/>
-              <a:t>上下文</a:t>
-            </a:r>
-            <a:r>
-              <a:rPr lang="en-US" altLang="zh-CN" dirty="0"/>
-              <a:t>——</a:t>
-            </a:r>
-            <a:r>
-              <a:rPr lang="zh-CN" altLang="en-US" dirty="0"/>
-              <a:t>包括 </a:t>
-            </a:r>
-            <a:r>
-              <a:rPr lang="en-US" dirty="0"/>
-              <a:t>Opera, </a:t>
+              <a:t>&lt;source </a:t>
             </a:r>
             <a:r>
               <a:rPr lang="en-US" dirty="0" err="1" smtClean="0"/>
-              <a:t>Firefox,Chrome</a:t>
+              <a:t>src</a:t>
             </a:r>
             <a:r>
               <a:rPr lang="en-US" dirty="0" smtClean="0"/>
-              <a:t> </a:t>
-            </a:r>
-            <a:r>
-              <a:rPr lang="zh-CN" altLang="en-US" dirty="0"/>
-              <a:t>和 </a:t>
-            </a:r>
-            <a:r>
-              <a:rPr lang="en-US" dirty="0"/>
-              <a:t>Safari</a:t>
+              <a:t>="song.ogg" type="audio/</a:t>
+            </a:r>
+            <a:r>
+              <a:rPr lang="en-US" dirty="0" err="1" smtClean="0"/>
+              <a:t>ogg</a:t>
             </a:r>
             <a:r>
               <a:rPr lang="en-US" dirty="0" smtClean="0"/>
-              <a:t>。</a:t>
+              <a:t>"&gt; &lt;source </a:t>
+            </a:r>
+            <a:r>
+              <a:rPr lang="en-US" dirty="0" err="1" smtClean="0"/>
+              <a:t>src</a:t>
+            </a:r>
+            <a:r>
+              <a:rPr lang="en-US" dirty="0" smtClean="0"/>
+              <a:t>="song.mp3" type="audio/mpeg"&gt; Your browser does not support the audio tag.</a:t>
+            </a:r>
+          </a:p>
+          <a:p>
+            <a:pPr>
+              <a:buNone/>
+            </a:pPr>
+            <a:r>
+              <a:rPr lang="en-US" dirty="0" smtClean="0"/>
+              <a:t>&lt;/audio&gt;</a:t>
             </a:r>
             <a:endParaRPr lang="en-US" dirty="0"/>
           </a:p>
@@ -4918,185 +5061,49 @@
         </p:nvSpPr>
         <p:spPr/>
         <p:txBody>
-          <a:bodyPr/>
-          <a:lstStyle/>
-          <a:p>
-            <a:r>
-              <a:rPr lang="zh-CN" altLang="en-US" dirty="0" smtClean="0"/>
-              <a:t>步骤</a:t>
-            </a:r>
+          <a:bodyPr>
+            <a:normAutofit fontScale="90000"/>
+          </a:bodyPr>
+          <a:lstStyle/>
+          <a:p>
+            <a:r>
+              <a:rPr lang="en-US" b="1" dirty="0"/>
+              <a:t>&lt;audio&gt; </a:t>
+            </a:r>
+            <a:r>
+              <a:rPr lang="zh-CN" altLang="en-US" b="1" dirty="0"/>
+              <a:t>标签的属性</a:t>
+            </a:r>
+            <a:br>
+              <a:rPr lang="zh-CN" altLang="en-US" b="1" dirty="0"/>
+            </a:br>
             <a:endParaRPr lang="en-US" dirty="0"/>
           </a:p>
         </p:txBody>
       </p:sp>
-      <p:sp>
-        <p:nvSpPr>
-          <p:cNvPr id="3" name="Content Placeholder 2"/>
-          <p:cNvSpPr>
-            <a:spLocks noGrp="1"/>
-          </p:cNvSpPr>
+      <p:pic>
+        <p:nvPicPr>
+          <p:cNvPr id="4" name="Content Placeholder 3" descr="QQ图片20130626105057.jpg"/>
+          <p:cNvPicPr>
+            <a:picLocks noGrp="1" noChangeAspect="1"/>
+          </p:cNvPicPr>
           <p:nvPr>
             <p:ph idx="1"/>
           </p:nvPr>
-        </p:nvSpPr>
-        <p:spPr/>
-        <p:txBody>
-          <a:bodyPr/>
-          <a:lstStyle/>
-          <a:p>
-            <a:r>
-              <a:rPr lang="en-US" dirty="0" smtClean="0"/>
-              <a:t>1.</a:t>
-            </a:r>
-            <a:r>
-              <a:rPr lang="zh-CN" altLang="en-US" dirty="0" smtClean="0"/>
-              <a:t>取得</a:t>
-            </a:r>
-            <a:r>
-              <a:rPr lang="en-US" altLang="zh-CN" dirty="0" smtClean="0"/>
-              <a:t>Canvas</a:t>
-            </a:r>
-            <a:r>
-              <a:rPr lang="zh-CN" altLang="en-US" dirty="0" smtClean="0"/>
-              <a:t>对象</a:t>
-            </a:r>
-            <a:r>
-              <a:rPr lang="en-US" altLang="zh-CN" dirty="0" smtClean="0"/>
-              <a:t>(</a:t>
-            </a:r>
-            <a:r>
-              <a:rPr lang="en-US" altLang="zh-CN" dirty="0" err="1" smtClean="0"/>
-              <a:t>document.getElementById</a:t>
-            </a:r>
-            <a:r>
-              <a:rPr lang="en-US" altLang="zh-CN" dirty="0" smtClean="0"/>
-              <a:t>)</a:t>
-            </a:r>
-          </a:p>
-          <a:p>
-            <a:r>
-              <a:rPr lang="en-US" dirty="0" smtClean="0"/>
-              <a:t>2.</a:t>
-            </a:r>
-            <a:r>
-              <a:rPr lang="zh-CN" altLang="en-US" dirty="0" smtClean="0"/>
-              <a:t>取得绘图上下文对象</a:t>
-            </a:r>
-            <a:r>
-              <a:rPr lang="en-US" altLang="zh-CN" dirty="0" smtClean="0"/>
-              <a:t>(</a:t>
-            </a:r>
-            <a:r>
-              <a:rPr lang="en-US" altLang="zh-CN" dirty="0" err="1" smtClean="0"/>
-              <a:t>getContext</a:t>
-            </a:r>
-            <a:r>
-              <a:rPr lang="en-US" altLang="zh-CN" dirty="0" smtClean="0"/>
-              <a:t>)</a:t>
-            </a:r>
-          </a:p>
-          <a:p>
-            <a:r>
-              <a:rPr lang="en-US" altLang="zh-CN" dirty="0" smtClean="0"/>
-              <a:t>3.</a:t>
-            </a:r>
-            <a:r>
-              <a:rPr lang="zh-CN" altLang="en-US" dirty="0" smtClean="0"/>
-              <a:t>创建图形路径</a:t>
-            </a:r>
-            <a:r>
-              <a:rPr lang="en-US" altLang="zh-CN" dirty="0" smtClean="0"/>
-              <a:t>(</a:t>
-            </a:r>
-            <a:r>
-              <a:rPr lang="en-US" altLang="zh-CN" dirty="0" err="1" smtClean="0"/>
-              <a:t>beginPath,moveTo,lineTo</a:t>
-            </a:r>
-            <a:r>
-              <a:rPr lang="en-US" altLang="zh-CN" dirty="0" smtClean="0"/>
-              <a:t>…)</a:t>
-            </a:r>
-          </a:p>
-          <a:p>
-            <a:r>
-              <a:rPr lang="en-US" altLang="zh-CN" dirty="0" smtClean="0"/>
-              <a:t>4.</a:t>
-            </a:r>
-            <a:r>
-              <a:rPr lang="zh-CN" altLang="en-US" dirty="0"/>
-              <a:t>路</a:t>
-            </a:r>
-            <a:r>
-              <a:rPr lang="zh-CN" altLang="en-US" dirty="0" smtClean="0"/>
-              <a:t>径创建完成后，关闭路径</a:t>
-            </a:r>
-            <a:r>
-              <a:rPr lang="en-US" altLang="zh-CN" dirty="0" smtClean="0"/>
-              <a:t>(</a:t>
-            </a:r>
-            <a:r>
-              <a:rPr lang="en-US" altLang="zh-CN" dirty="0" err="1" smtClean="0"/>
-              <a:t>closePath</a:t>
-            </a:r>
-            <a:r>
-              <a:rPr lang="en-US" altLang="zh-CN" dirty="0" smtClean="0"/>
-              <a:t>)</a:t>
-            </a:r>
-          </a:p>
-          <a:p>
-            <a:r>
-              <a:rPr lang="en-US" altLang="zh-CN" dirty="0" smtClean="0"/>
-              <a:t>5.</a:t>
-            </a:r>
-            <a:r>
-              <a:rPr lang="zh-CN" altLang="en-US" dirty="0" smtClean="0"/>
-              <a:t>设定绘制样式</a:t>
-            </a:r>
-            <a:r>
-              <a:rPr lang="en-US" altLang="zh-CN" dirty="0" smtClean="0"/>
-              <a:t>(</a:t>
-            </a:r>
-            <a:r>
-              <a:rPr lang="en-US" altLang="zh-CN" dirty="0" err="1" smtClean="0"/>
-              <a:t>fillStyle,strokeStyle</a:t>
-            </a:r>
-            <a:r>
-              <a:rPr lang="en-US" altLang="zh-CN" dirty="0" smtClean="0"/>
-              <a:t>)</a:t>
-            </a:r>
-          </a:p>
-          <a:p>
-            <a:r>
-              <a:rPr lang="en-US" altLang="zh-CN" dirty="0" smtClean="0"/>
-              <a:t>6.</a:t>
-            </a:r>
-            <a:r>
-              <a:rPr lang="zh-CN" altLang="en-US" dirty="0" smtClean="0"/>
-              <a:t>调用绘制方法</a:t>
-            </a:r>
-            <a:r>
-              <a:rPr lang="en-US" altLang="zh-CN" dirty="0" smtClean="0"/>
-              <a:t>(</a:t>
-            </a:r>
-            <a:r>
-              <a:rPr lang="en-US" altLang="zh-CN" dirty="0" err="1" smtClean="0"/>
-              <a:t>fill,stroke</a:t>
-            </a:r>
-            <a:r>
-              <a:rPr lang="en-US" altLang="zh-CN" dirty="0" smtClean="0"/>
-              <a:t>),</a:t>
-            </a:r>
-            <a:r>
-              <a:rPr lang="zh-CN" altLang="en-US" dirty="0" smtClean="0"/>
-              <a:t>按照路径绘制图形</a:t>
-            </a:r>
-            <a:endParaRPr lang="en-US" altLang="zh-CN" dirty="0" smtClean="0"/>
-          </a:p>
-          <a:p>
-            <a:endParaRPr lang="en-US" dirty="0"/>
-          </a:p>
-        </p:txBody>
-      </p:sp>
+        </p:nvPicPr>
+        <p:blipFill>
+          <a:blip r:embed="rId2"/>
+          <a:stretch>
+            <a:fillRect/>
+          </a:stretch>
+        </p:blipFill>
+        <p:spPr>
+          <a:xfrm>
+            <a:off x="457200" y="2696568"/>
+            <a:ext cx="8229600" cy="2333227"/>
+          </a:xfrm>
+        </p:spPr>
+      </p:pic>
     </p:spTree>
   </p:cSld>
   <p:clrMapOvr>
@@ -5139,148 +5146,38 @@
             <p:ph type="title"/>
           </p:nvPr>
         </p:nvSpPr>
-        <p:spPr/>
-        <p:txBody>
-          <a:bodyPr/>
-          <a:lstStyle/>
-          <a:p>
-            <a:r>
-              <a:rPr lang="zh-CN" altLang="en-US" dirty="0"/>
-              <a:t>创</a:t>
-            </a:r>
-            <a:r>
-              <a:rPr lang="zh-CN" altLang="en-US" dirty="0" smtClean="0"/>
-              <a:t>建路径</a:t>
-            </a:r>
-            <a:endParaRPr lang="en-US" dirty="0"/>
-          </a:p>
-        </p:txBody>
-      </p:sp>
-      <p:sp>
-        <p:nvSpPr>
-          <p:cNvPr id="3" name="Content Placeholder 2"/>
-          <p:cNvSpPr>
-            <a:spLocks noGrp="1"/>
-          </p:cNvSpPr>
-          <p:nvPr>
-            <p:ph idx="1"/>
-          </p:nvPr>
-        </p:nvSpPr>
-        <p:spPr/>
-        <p:txBody>
-          <a:bodyPr>
-            <a:normAutofit/>
-          </a:bodyPr>
-          <a:lstStyle/>
-          <a:p>
-            <a:r>
-              <a:rPr lang="zh-CN" altLang="en-US" dirty="0"/>
-              <a:t>矩</a:t>
-            </a:r>
-            <a:r>
-              <a:rPr lang="zh-CN" altLang="en-US" dirty="0" smtClean="0"/>
-              <a:t>形不需要自己创建路径，只需要设定绘制样式，再通过</a:t>
-            </a:r>
-            <a:r>
-              <a:rPr lang="en-US" altLang="zh-CN" dirty="0" err="1" smtClean="0"/>
-              <a:t>fillRect</a:t>
-            </a:r>
-            <a:r>
-              <a:rPr lang="zh-CN" altLang="en-US" dirty="0" smtClean="0"/>
-              <a:t>直接绘制矩形</a:t>
-            </a:r>
-            <a:endParaRPr lang="en-US" altLang="zh-CN" dirty="0" smtClean="0"/>
-          </a:p>
-          <a:p>
-            <a:r>
-              <a:rPr lang="zh-CN" altLang="en-US" dirty="0"/>
-              <a:t>开</a:t>
-            </a:r>
-            <a:r>
-              <a:rPr lang="zh-CN" altLang="en-US" dirty="0" smtClean="0"/>
-              <a:t>始创建路径</a:t>
-            </a:r>
-            <a:r>
-              <a:rPr lang="en-US" altLang="zh-CN" dirty="0" err="1" smtClean="0"/>
-              <a:t>beginPath</a:t>
-            </a:r>
-            <a:endParaRPr lang="en-US" altLang="zh-CN" dirty="0" smtClean="0"/>
-          </a:p>
-          <a:p>
-            <a:r>
-              <a:rPr lang="zh-CN" altLang="en-US" dirty="0"/>
-              <a:t>创</a:t>
-            </a:r>
-            <a:r>
-              <a:rPr lang="zh-CN" altLang="en-US" dirty="0" smtClean="0"/>
-              <a:t>建路径的常用方法</a:t>
-            </a:r>
-            <a:endParaRPr lang="en-US" altLang="zh-CN" dirty="0" smtClean="0"/>
-          </a:p>
-          <a:p>
-            <a:pPr>
-              <a:buNone/>
-            </a:pPr>
+        <p:spPr>
+          <a:xfrm>
+            <a:off x="457200" y="274638"/>
+            <a:ext cx="8229600" cy="6049962"/>
+          </a:xfrm>
+        </p:spPr>
+        <p:txBody>
+          <a:bodyPr/>
+          <a:lstStyle/>
+          <a:p>
+            <a:r>
+              <a:rPr lang="zh-CN" altLang="en-US" dirty="0" smtClean="0"/>
+              <a:t>第四部分</a:t>
+            </a:r>
+            <a:r>
+              <a:rPr lang="en-US" altLang="zh-CN" dirty="0" smtClean="0"/>
+              <a:t/>
+            </a:r>
+            <a:br>
+              <a:rPr lang="en-US" altLang="zh-CN" dirty="0" smtClean="0"/>
+            </a:br>
             <a:r>
               <a:rPr lang="en-US" altLang="zh-CN" dirty="0"/>
-              <a:t>	</a:t>
-            </a:r>
-            <a:r>
-              <a:rPr lang="en-US" dirty="0" err="1" smtClean="0"/>
-              <a:t>moveTo</a:t>
-            </a:r>
-            <a:r>
-              <a:rPr lang="en-US" dirty="0" smtClean="0"/>
-              <a:t> ,</a:t>
-            </a:r>
-            <a:r>
-              <a:rPr lang="en-US" dirty="0" err="1" smtClean="0"/>
-              <a:t>lineTo</a:t>
-            </a:r>
-            <a:r>
-              <a:rPr lang="en-US" dirty="0" smtClean="0"/>
-              <a:t> ,arc,</a:t>
-            </a:r>
-          </a:p>
-          <a:p>
-            <a:pPr>
-              <a:buNone/>
-            </a:pPr>
-            <a:r>
-              <a:rPr lang="en-US" dirty="0" smtClean="0"/>
-              <a:t>    </a:t>
-            </a:r>
-            <a:r>
-              <a:rPr lang="en-US" dirty="0" err="1" smtClean="0"/>
-              <a:t>bezierCurveTo,quadraticCurveTo</a:t>
-            </a:r>
-            <a:endParaRPr lang="en-US" altLang="zh-CN" dirty="0" smtClean="0"/>
-          </a:p>
-          <a:p>
-            <a:r>
-              <a:rPr lang="zh-CN" altLang="en-US" dirty="0"/>
-              <a:t>关</a:t>
-            </a:r>
-            <a:r>
-              <a:rPr lang="zh-CN" altLang="en-US" dirty="0" smtClean="0"/>
-              <a:t>闭路径</a:t>
-            </a:r>
-            <a:r>
-              <a:rPr lang="en-US" altLang="zh-CN" dirty="0" err="1" smtClean="0"/>
-              <a:t>closePath</a:t>
-            </a:r>
-            <a:endParaRPr lang="en-US" altLang="zh-CN" dirty="0" smtClean="0"/>
-          </a:p>
-          <a:p>
-            <a:pPr>
-              <a:buNone/>
-            </a:pPr>
-            <a:endParaRPr lang="en-US" dirty="0" smtClean="0"/>
-          </a:p>
-          <a:p>
-            <a:pPr>
-              <a:buNone/>
-            </a:pPr>
+              <a:t/>
+            </a:r>
+            <a:br>
+              <a:rPr lang="en-US" altLang="zh-CN" dirty="0"/>
+            </a:br>
+            <a:r>
+              <a:rPr lang="en-US" altLang="zh-CN" dirty="0" smtClean="0"/>
+              <a:t>Canvas</a:t>
+            </a:r>
             <a:endParaRPr lang="en-US" dirty="0"/>
           </a:p>
         </p:txBody>
@@ -5327,18 +5224,19 @@
             <p:ph type="title"/>
           </p:nvPr>
         </p:nvSpPr>
-        <p:spPr/>
+        <p:spPr>
+          <a:xfrm>
+            <a:off x="457200" y="274638"/>
+            <a:ext cx="8229600" cy="944562"/>
+          </a:xfrm>
+        </p:spPr>
         <p:txBody>
           <a:bodyPr/>
           <a:lstStyle/>
           <a:p>
             <a:r>
               <a:rPr lang="zh-CN" altLang="en-US" dirty="0"/>
-              <a:t>设</a:t>
-            </a:r>
-            <a:r>
-              <a:rPr lang="zh-CN" altLang="en-US" dirty="0" smtClean="0"/>
-              <a:t>置绘制样式</a:t>
+              <a:t>简述</a:t>
             </a:r>
             <a:endParaRPr lang="en-US" dirty="0"/>
           </a:p>
@@ -5354,195 +5252,139 @@
             <p:ph idx="1"/>
           </p:nvPr>
         </p:nvSpPr>
-        <p:spPr/>
+        <p:spPr>
+          <a:xfrm>
+            <a:off x="457200" y="1295400"/>
+            <a:ext cx="8229600" cy="4830763"/>
+          </a:xfrm>
+        </p:spPr>
         <p:txBody>
           <a:bodyPr>
-            <a:normAutofit fontScale="77500" lnSpcReduction="20000"/>
+            <a:normAutofit/>
           </a:bodyPr>
           <a:lstStyle/>
           <a:p>
             <a:r>
-              <a:rPr lang="zh-CN" altLang="en-US" dirty="0" smtClean="0"/>
-              <a:t>设置填充颜色</a:t>
-            </a:r>
-            <a:endParaRPr lang="en-US" altLang="zh-CN" dirty="0" smtClean="0"/>
-          </a:p>
-          <a:p>
-            <a:pPr lvl="1"/>
-            <a:r>
-              <a:rPr lang="en-US" altLang="zh-CN" dirty="0" err="1" smtClean="0"/>
-              <a:t>fillStyle</a:t>
-            </a:r>
-            <a:r>
-              <a:rPr lang="en-US" altLang="zh-CN" dirty="0" smtClean="0"/>
-              <a:t>=“</a:t>
-            </a:r>
-            <a:r>
-              <a:rPr lang="en-US" altLang="zh-CN" dirty="0" err="1" smtClean="0"/>
-              <a:t>rgb</a:t>
-            </a:r>
-            <a:r>
-              <a:rPr lang="en-US" altLang="zh-CN" dirty="0" smtClean="0"/>
-              <a:t>(255,255,255)”</a:t>
-            </a:r>
-          </a:p>
-          <a:p>
-            <a:r>
-              <a:rPr lang="zh-CN" altLang="en-US" dirty="0" smtClean="0"/>
-              <a:t>设</a:t>
-            </a:r>
-            <a:r>
-              <a:rPr lang="zh-CN" altLang="en-US" dirty="0" smtClean="0"/>
-              <a:t>置边框颜</a:t>
-            </a:r>
-            <a:r>
-              <a:rPr lang="zh-CN" altLang="en-US" dirty="0" smtClean="0"/>
-              <a:t>色</a:t>
-            </a:r>
-            <a:endParaRPr lang="en-US" altLang="zh-CN" dirty="0" smtClean="0"/>
-          </a:p>
-          <a:p>
-            <a:pPr lvl="1"/>
-            <a:r>
-              <a:rPr lang="en-US" altLang="zh-CN" dirty="0" err="1" smtClean="0"/>
-              <a:t>strokeStyle</a:t>
-            </a:r>
-            <a:endParaRPr lang="en-US" altLang="zh-CN" dirty="0" smtClean="0"/>
-          </a:p>
-          <a:p>
+              <a:rPr lang="en-US" dirty="0"/>
+              <a:t>HTML 5 canvas </a:t>
+            </a:r>
             <a:r>
               <a:rPr lang="zh-CN" altLang="en-US" dirty="0"/>
-              <a:t>设</a:t>
-            </a:r>
-            <a:r>
-              <a:rPr lang="zh-CN" altLang="en-US" dirty="0" smtClean="0"/>
-              <a:t>置渐变</a:t>
-            </a:r>
-            <a:r>
-              <a:rPr lang="zh-CN" altLang="en-US" dirty="0" smtClean="0"/>
-              <a:t>色</a:t>
-            </a:r>
-            <a:endParaRPr lang="en-US" altLang="zh-CN" dirty="0" smtClean="0"/>
-          </a:p>
-          <a:p>
-            <a:pPr lvl="1"/>
-            <a:r>
-              <a:rPr lang="zh-CN" altLang="en-US" dirty="0" smtClean="0"/>
-              <a:t>线</a:t>
-            </a:r>
-            <a:r>
-              <a:rPr lang="zh-CN" altLang="en-US" dirty="0" smtClean="0"/>
-              <a:t>性渐变</a:t>
-            </a:r>
-            <a:endParaRPr lang="en-US" altLang="zh-CN" dirty="0" smtClean="0"/>
-          </a:p>
-          <a:p>
-            <a:pPr lvl="1">
-              <a:buNone/>
-            </a:pPr>
+              <a:t>提供了通过 </a:t>
+            </a:r>
+            <a:r>
+              <a:rPr lang="en-US" dirty="0"/>
+              <a:t>JavaScript </a:t>
+            </a:r>
+            <a:r>
+              <a:rPr lang="zh-CN" altLang="en-US" dirty="0"/>
+              <a:t>绘制图形的方法，此方法使用简单但功能强大。每一个 </a:t>
+            </a:r>
+            <a:r>
+              <a:rPr lang="en-US" dirty="0"/>
+              <a:t>canvas </a:t>
+            </a:r>
+            <a:r>
+              <a:rPr lang="zh-CN" altLang="en-US" dirty="0"/>
+              <a:t>元素都有一</a:t>
+            </a:r>
+            <a:r>
+              <a:rPr lang="zh-CN" altLang="en-US" dirty="0" smtClean="0"/>
+              <a:t>个</a:t>
+            </a:r>
+            <a:r>
+              <a:rPr lang="en-US" altLang="zh-CN" dirty="0" smtClean="0"/>
+              <a:t>“</a:t>
+            </a:r>
+            <a:r>
+              <a:rPr lang="zh-CN" altLang="en-US" dirty="0" smtClean="0"/>
+              <a:t>上</a:t>
+            </a:r>
+            <a:r>
+              <a:rPr lang="zh-CN" altLang="en-US" dirty="0"/>
+              <a:t>下文</a:t>
+            </a:r>
+            <a:r>
+              <a:rPr lang="en-US" altLang="zh-CN" dirty="0"/>
+              <a:t>( </a:t>
+            </a:r>
+            <a:r>
+              <a:rPr lang="en-US" dirty="0"/>
+              <a:t>context </a:t>
+            </a:r>
             <a:r>
               <a:rPr lang="en-US" dirty="0" smtClean="0"/>
-              <a:t>	</a:t>
+              <a:t>)” </a:t>
+            </a:r>
+            <a:r>
+              <a:rPr lang="zh-CN" altLang="en-US" dirty="0" smtClean="0"/>
+              <a:t>，</a:t>
+            </a:r>
+            <a:r>
+              <a:rPr lang="zh-CN" altLang="en-US" dirty="0"/>
+              <a:t>在其中可以绘制任意图形。浏览器支持多个 </a:t>
+            </a:r>
+            <a:r>
+              <a:rPr lang="en-US" dirty="0"/>
+              <a:t>canvas </a:t>
+            </a:r>
+            <a:r>
+              <a:rPr lang="zh-CN" altLang="en-US" dirty="0"/>
+              <a:t>上下文，并通过不同的 </a:t>
+            </a:r>
+            <a:r>
+              <a:rPr lang="en-US" dirty="0"/>
+              <a:t>API </a:t>
+            </a:r>
+            <a:r>
+              <a:rPr lang="zh-CN" altLang="en-US" dirty="0"/>
+              <a:t>提供图形绘制功能。大部分的浏览器都支持 </a:t>
+            </a:r>
+            <a:r>
+              <a:rPr lang="en-US" altLang="zh-CN" dirty="0"/>
+              <a:t>2</a:t>
+            </a:r>
+            <a:r>
+              <a:rPr lang="en-US" dirty="0"/>
+              <a:t>D canvas </a:t>
+            </a:r>
+            <a:r>
+              <a:rPr lang="zh-CN" altLang="en-US" dirty="0"/>
+              <a:t>上下文</a:t>
+            </a:r>
+            <a:r>
+              <a:rPr lang="en-US" altLang="zh-CN" dirty="0"/>
+              <a:t>——</a:t>
+            </a:r>
+            <a:r>
+              <a:rPr lang="zh-CN" altLang="en-US" dirty="0"/>
+              <a:t>包括 </a:t>
+            </a:r>
+            <a:r>
+              <a:rPr lang="en-US" dirty="0"/>
+              <a:t>Opera, </a:t>
             </a:r>
             <a:r>
               <a:rPr lang="en-US" dirty="0" err="1" smtClean="0"/>
-              <a:t>var</a:t>
+              <a:t>Firefox,Chrome</a:t>
             </a:r>
             <a:r>
               <a:rPr lang="en-US" dirty="0" smtClean="0"/>
-              <a:t> g=</a:t>
-            </a:r>
-            <a:r>
-              <a:rPr lang="en-US" dirty="0" err="1" smtClean="0"/>
-              <a:t>context.createLinearGradient</a:t>
+              <a:t> </a:t>
+            </a:r>
+            <a:r>
+              <a:rPr lang="zh-CN" altLang="en-US" dirty="0"/>
+              <a:t>和 </a:t>
+            </a:r>
+            <a:r>
+              <a:rPr lang="en-US" dirty="0"/>
+              <a:t>Safari</a:t>
             </a:r>
             <a:r>
               <a:rPr lang="en-US" dirty="0" smtClean="0"/>
-              <a:t>(x1,y1,x2,y2)</a:t>
-            </a:r>
-          </a:p>
-          <a:p>
-            <a:pPr lvl="1">
-              <a:buNone/>
-            </a:pPr>
-            <a:r>
-              <a:rPr lang="en-US" dirty="0" smtClean="0"/>
-              <a:t>	</a:t>
-            </a:r>
-            <a:r>
-              <a:rPr lang="en-US" dirty="0" err="1" smtClean="0"/>
-              <a:t>g.addColorStop</a:t>
-            </a:r>
-            <a:r>
-              <a:rPr lang="en-US" dirty="0" smtClean="0"/>
-              <a:t>(0-1,’color’)</a:t>
-            </a:r>
-          </a:p>
-          <a:p>
-            <a:pPr lvl="1">
-              <a:buNone/>
-            </a:pPr>
-            <a:r>
-              <a:rPr lang="en-US" dirty="0" smtClean="0"/>
-              <a:t>	</a:t>
-            </a:r>
-            <a:r>
-              <a:rPr lang="en-US" dirty="0" err="1" smtClean="0"/>
-              <a:t>fillStyle</a:t>
-            </a:r>
-            <a:r>
-              <a:rPr lang="en-US" dirty="0" smtClean="0"/>
-              <a:t>=g;</a:t>
-            </a:r>
-          </a:p>
-          <a:p>
-            <a:pPr lvl="1">
-              <a:buNone/>
-            </a:pPr>
-            <a:r>
-              <a:rPr lang="en-US" dirty="0" smtClean="0"/>
-              <a:t>-</a:t>
-            </a:r>
-            <a:r>
-              <a:rPr lang="zh-CN" altLang="en-US" dirty="0" smtClean="0"/>
-              <a:t>径向渐变</a:t>
-            </a:r>
-            <a:endParaRPr lang="en-US" altLang="zh-CN" dirty="0" smtClean="0"/>
-          </a:p>
-          <a:p>
-            <a:pPr lvl="1">
-              <a:buNone/>
-            </a:pPr>
-            <a:r>
-              <a:rPr lang="en-US" dirty="0" smtClean="0"/>
-              <a:t>	</a:t>
-            </a:r>
-            <a:r>
-              <a:rPr lang="en-US" altLang="zh-CN" dirty="0" err="1" smtClean="0"/>
-              <a:t>var</a:t>
-            </a:r>
-            <a:r>
-              <a:rPr lang="en-US" altLang="zh-CN" dirty="0" smtClean="0"/>
-              <a:t> g=</a:t>
-            </a:r>
-          </a:p>
-          <a:p>
-            <a:pPr lvl="1">
-              <a:buNone/>
-            </a:pPr>
-            <a:r>
-              <a:rPr lang="en-US" altLang="zh-CN" dirty="0" smtClean="0"/>
-              <a:t>	</a:t>
-            </a:r>
-            <a:r>
-              <a:rPr lang="en-US" altLang="zh-CN" dirty="0" err="1" smtClean="0"/>
-              <a:t>context.createRadialGradient</a:t>
-            </a:r>
-            <a:r>
-              <a:rPr lang="en-US" altLang="zh-CN" dirty="0" smtClean="0"/>
-              <a:t>(x1,y1,r1,x2,y2,r2)</a:t>
-            </a:r>
-            <a:endParaRPr lang="en-US" altLang="zh-CN" dirty="0" smtClean="0"/>
+              <a:t>。</a:t>
+            </a:r>
+            <a:endParaRPr lang="en-US" dirty="0"/>
           </a:p>
         </p:txBody>
       </p:sp>
@@ -5595,7 +5437,7 @@
           <a:p>
             <a:r>
               <a:rPr lang="zh-CN" altLang="en-US" dirty="0" smtClean="0"/>
-              <a:t>绘制</a:t>
+              <a:t>步骤</a:t>
             </a:r>
             <a:endParaRPr lang="en-US" dirty="0"/>
           </a:p>
@@ -5618,76 +5460,151 @@
           <a:p>
             <a:r>
               <a:rPr lang="en-US" dirty="0" smtClean="0"/>
-              <a:t>Fill() </a:t>
-            </a:r>
-            <a:r>
-              <a:rPr lang="zh-CN" altLang="en-US" dirty="0" smtClean="0"/>
-              <a:t>填</a:t>
-            </a:r>
-            <a:r>
-              <a:rPr lang="zh-CN" altLang="en-US" dirty="0" smtClean="0"/>
-              <a:t>充路径内部</a:t>
-            </a:r>
-            <a:endParaRPr lang="en-US" dirty="0" smtClean="0"/>
+              <a:t>1.</a:t>
+            </a:r>
+            <a:r>
+              <a:rPr lang="zh-CN" altLang="en-US" dirty="0" smtClean="0"/>
+              <a:t>取得</a:t>
+            </a:r>
+            <a:r>
+              <a:rPr lang="en-US" altLang="zh-CN" dirty="0" smtClean="0"/>
+              <a:t>Canvas</a:t>
+            </a:r>
+            <a:r>
+              <a:rPr lang="zh-CN" altLang="en-US" dirty="0" smtClean="0"/>
+              <a:t>对象</a:t>
+            </a:r>
+            <a:r>
+              <a:rPr lang="en-US" altLang="zh-CN" dirty="0" smtClean="0"/>
+              <a:t>(</a:t>
+            </a:r>
+            <a:r>
+              <a:rPr lang="en-US" altLang="zh-CN" dirty="0" err="1" smtClean="0"/>
+              <a:t>document.getElementById</a:t>
+            </a:r>
+            <a:r>
+              <a:rPr lang="en-US" altLang="zh-CN" dirty="0" smtClean="0"/>
+              <a:t>)</a:t>
+            </a:r>
           </a:p>
           <a:p>
             <a:r>
               <a:rPr lang="en-US" dirty="0" smtClean="0"/>
-              <a:t>Stroke() </a:t>
-            </a:r>
-            <a:r>
-              <a:rPr lang="zh-CN" altLang="en-US" dirty="0" smtClean="0"/>
-              <a:t>绘制路径边框</a:t>
+              <a:t>2.</a:t>
+            </a:r>
+            <a:r>
+              <a:rPr lang="zh-CN" altLang="en-US" dirty="0" smtClean="0"/>
+              <a:t>取得绘图上下文对象</a:t>
+            </a:r>
+            <a:r>
+              <a:rPr lang="en-US" altLang="zh-CN" dirty="0" smtClean="0"/>
+              <a:t>(</a:t>
+            </a:r>
+            <a:r>
+              <a:rPr lang="en-US" altLang="zh-CN" dirty="0" err="1" smtClean="0"/>
+              <a:t>getContext</a:t>
+            </a:r>
+            <a:r>
+              <a:rPr lang="en-US" altLang="zh-CN" dirty="0" smtClean="0"/>
+              <a:t>)</a:t>
+            </a:r>
+          </a:p>
+          <a:p>
+            <a:r>
+              <a:rPr lang="en-US" altLang="zh-CN" dirty="0" smtClean="0"/>
+              <a:t>3.</a:t>
+            </a:r>
+            <a:r>
+              <a:rPr lang="zh-CN" altLang="en-US" dirty="0" smtClean="0"/>
+              <a:t>创建图形路径</a:t>
+            </a:r>
+            <a:r>
+              <a:rPr lang="en-US" altLang="zh-CN" dirty="0" smtClean="0"/>
+              <a:t>(</a:t>
+            </a:r>
+            <a:r>
+              <a:rPr lang="en-US" altLang="zh-CN" dirty="0" err="1" smtClean="0"/>
+              <a:t>beginPath,moveTo,lineTo</a:t>
+            </a:r>
+            <a:r>
+              <a:rPr lang="en-US" altLang="zh-CN" dirty="0" smtClean="0"/>
+              <a:t>…)</a:t>
+            </a:r>
+          </a:p>
+          <a:p>
+            <a:r>
+              <a:rPr lang="en-US" altLang="zh-CN" dirty="0" smtClean="0"/>
+              <a:t>4.</a:t>
+            </a:r>
+            <a:r>
+              <a:rPr lang="zh-CN" altLang="en-US" dirty="0"/>
+              <a:t>路</a:t>
+            </a:r>
+            <a:r>
+              <a:rPr lang="zh-CN" altLang="en-US" dirty="0" smtClean="0"/>
+              <a:t>径创建完成后，关闭路径</a:t>
+            </a:r>
+            <a:r>
+              <a:rPr lang="en-US" altLang="zh-CN" dirty="0" smtClean="0"/>
+              <a:t>(</a:t>
+            </a:r>
+            <a:r>
+              <a:rPr lang="en-US" altLang="zh-CN" dirty="0" err="1" smtClean="0"/>
+              <a:t>closePath</a:t>
+            </a:r>
+            <a:r>
+              <a:rPr lang="en-US" altLang="zh-CN" dirty="0" smtClean="0"/>
+              <a:t>)</a:t>
+            </a:r>
+          </a:p>
+          <a:p>
+            <a:r>
+              <a:rPr lang="en-US" altLang="zh-CN" dirty="0" smtClean="0"/>
+              <a:t>5.</a:t>
+            </a:r>
+            <a:r>
+              <a:rPr lang="zh-CN" altLang="en-US" dirty="0" smtClean="0"/>
+              <a:t>设定绘制样式</a:t>
+            </a:r>
+            <a:r>
+              <a:rPr lang="en-US" altLang="zh-CN" dirty="0" smtClean="0"/>
+              <a:t>(</a:t>
+            </a:r>
+            <a:r>
+              <a:rPr lang="en-US" altLang="zh-CN" dirty="0" err="1" smtClean="0"/>
+              <a:t>fillStyle,strokeStyle</a:t>
+            </a:r>
+            <a:r>
+              <a:rPr lang="en-US" altLang="zh-CN" dirty="0" smtClean="0"/>
+              <a:t>)</a:t>
+            </a:r>
+          </a:p>
+          <a:p>
+            <a:r>
+              <a:rPr lang="en-US" altLang="zh-CN" dirty="0" smtClean="0"/>
+              <a:t>6.</a:t>
+            </a:r>
+            <a:r>
+              <a:rPr lang="zh-CN" altLang="en-US" dirty="0" smtClean="0"/>
+              <a:t>调用绘制方法</a:t>
+            </a:r>
+            <a:r>
+              <a:rPr lang="en-US" altLang="zh-CN" dirty="0" smtClean="0"/>
+              <a:t>(</a:t>
+            </a:r>
+            <a:r>
+              <a:rPr lang="en-US" altLang="zh-CN" dirty="0" err="1" smtClean="0"/>
+              <a:t>fill,stroke</a:t>
+            </a:r>
+            <a:r>
+              <a:rPr lang="en-US" altLang="zh-CN" dirty="0" smtClean="0"/>
+              <a:t>),</a:t>
+            </a:r>
+            <a:r>
+              <a:rPr lang="zh-CN" altLang="en-US" dirty="0" smtClean="0"/>
+              <a:t>按照路径绘制图形</a:t>
             </a:r>
             <a:endParaRPr lang="en-US" altLang="zh-CN" dirty="0" smtClean="0"/>
-          </a:p>
-          <a:p>
-            <a:r>
-              <a:rPr lang="en-US" dirty="0" err="1" smtClean="0"/>
-              <a:t>fillRect</a:t>
-            </a:r>
-            <a:r>
-              <a:rPr lang="en-US" dirty="0" smtClean="0"/>
-              <a:t>() </a:t>
-            </a:r>
-            <a:r>
-              <a:rPr lang="zh-CN" altLang="en-US" dirty="0" smtClean="0"/>
-              <a:t>绘制矩形</a:t>
-            </a:r>
-            <a:endParaRPr lang="en-US" altLang="zh-CN" dirty="0" smtClean="0"/>
-          </a:p>
-          <a:p>
-            <a:r>
-              <a:rPr lang="en-US" dirty="0" err="1" smtClean="0"/>
-              <a:t>fillText</a:t>
-            </a:r>
-            <a:r>
-              <a:rPr lang="en-US" dirty="0" smtClean="0"/>
-              <a:t>() </a:t>
-            </a:r>
-            <a:r>
-              <a:rPr lang="zh-CN" altLang="en-US" dirty="0" smtClean="0"/>
-              <a:t>绘制文字（以填充方式）</a:t>
-            </a:r>
-            <a:endParaRPr lang="en-US" altLang="zh-CN" dirty="0" smtClean="0"/>
-          </a:p>
-          <a:p>
-            <a:r>
-              <a:rPr lang="en-US" dirty="0" err="1" smtClean="0"/>
-              <a:t>strokeText</a:t>
-            </a:r>
-            <a:r>
-              <a:rPr lang="en-US" dirty="0" smtClean="0"/>
-              <a:t>()</a:t>
-            </a:r>
-            <a:r>
-              <a:rPr lang="zh-CN" altLang="en-US" dirty="0" smtClean="0"/>
-              <a:t>绘制文字（以描边方式）</a:t>
-            </a:r>
-            <a:endParaRPr lang="en-US" dirty="0" smtClean="0"/>
-          </a:p>
-          <a:p>
-            <a:endParaRPr lang="en-US" dirty="0" smtClean="0"/>
           </a:p>
           <a:p>
             <a:endParaRPr lang="en-US" dirty="0"/>
@@ -5741,6 +5658,14 @@
           <a:bodyPr/>
           <a:lstStyle/>
           <a:p>
+            <a:r>
+              <a:rPr lang="zh-CN" altLang="en-US" dirty="0"/>
+              <a:t>创</a:t>
+            </a:r>
+            <a:r>
+              <a:rPr lang="zh-CN" altLang="en-US" dirty="0" smtClean="0"/>
+              <a:t>建路径</a:t>
+            </a:r>
             <a:endParaRPr lang="en-US" dirty="0"/>
           </a:p>
         </p:txBody>
@@ -5757,9 +5682,119 @@
         </p:nvSpPr>
         <p:spPr/>
         <p:txBody>
-          <a:bodyPr/>
-          <a:lstStyle/>
-          <a:p>
+          <a:bodyPr>
+            <a:normAutofit/>
+          </a:bodyPr>
+          <a:lstStyle/>
+          <a:p>
+            <a:r>
+              <a:rPr lang="zh-CN" altLang="en-US" dirty="0"/>
+              <a:t>矩</a:t>
+            </a:r>
+            <a:r>
+              <a:rPr lang="zh-CN" altLang="en-US" dirty="0" smtClean="0"/>
+              <a:t>形不需要自己创建路径，只需要设定绘制样式，再通过</a:t>
+            </a:r>
+            <a:r>
+              <a:rPr lang="en-US" altLang="zh-CN" dirty="0" err="1" smtClean="0"/>
+              <a:t>fillRect</a:t>
+            </a:r>
+            <a:r>
+              <a:rPr lang="zh-CN" altLang="en-US" dirty="0" smtClean="0"/>
+              <a:t>直接绘制矩形</a:t>
+            </a:r>
+            <a:endParaRPr lang="en-US" altLang="zh-CN" dirty="0" smtClean="0"/>
+          </a:p>
+          <a:p>
+            <a:r>
+              <a:rPr lang="zh-CN" altLang="en-US" dirty="0"/>
+              <a:t>开</a:t>
+            </a:r>
+            <a:r>
+              <a:rPr lang="zh-CN" altLang="en-US" dirty="0" smtClean="0"/>
+              <a:t>始创建路径</a:t>
+            </a:r>
+            <a:r>
+              <a:rPr lang="en-US" altLang="zh-CN" dirty="0" err="1" smtClean="0"/>
+              <a:t>beginPath</a:t>
+            </a:r>
+            <a:endParaRPr lang="en-US" altLang="zh-CN" dirty="0" smtClean="0"/>
+          </a:p>
+          <a:p>
+            <a:r>
+              <a:rPr lang="zh-CN" altLang="en-US" dirty="0"/>
+              <a:t>创</a:t>
+            </a:r>
+            <a:r>
+              <a:rPr lang="zh-CN" altLang="en-US" dirty="0" smtClean="0"/>
+              <a:t>建路径的常用方法</a:t>
+            </a:r>
+            <a:endParaRPr lang="en-US" altLang="zh-CN" dirty="0" smtClean="0"/>
+          </a:p>
+          <a:p>
+            <a:pPr>
+              <a:buNone/>
+            </a:pPr>
+            <a:r>
+              <a:rPr lang="en-US" altLang="zh-CN" dirty="0"/>
+              <a:t>	</a:t>
+            </a:r>
+            <a:r>
+              <a:rPr lang="en-US" dirty="0" err="1" smtClean="0"/>
+              <a:t>moveTo</a:t>
+            </a:r>
+            <a:r>
+              <a:rPr lang="en-US" dirty="0" smtClean="0"/>
+              <a:t> ,</a:t>
+            </a:r>
+            <a:r>
+              <a:rPr lang="en-US" dirty="0" err="1" smtClean="0"/>
+              <a:t>lineTo</a:t>
+            </a:r>
+            <a:r>
+              <a:rPr lang="en-US" dirty="0" smtClean="0"/>
+              <a:t> ,arc,</a:t>
+            </a:r>
+          </a:p>
+          <a:p>
+            <a:pPr>
+              <a:buNone/>
+            </a:pPr>
+            <a:r>
+              <a:rPr lang="en-US" dirty="0" smtClean="0"/>
+              <a:t>    </a:t>
+            </a:r>
+            <a:r>
+              <a:rPr lang="en-US" dirty="0" err="1" smtClean="0"/>
+              <a:t>bezierCurveTo,quadraticCurveTo</a:t>
+            </a:r>
+            <a:endParaRPr lang="en-US" altLang="zh-CN" dirty="0" smtClean="0"/>
+          </a:p>
+          <a:p>
+            <a:r>
+              <a:rPr lang="zh-CN" altLang="en-US" dirty="0"/>
+              <a:t>关</a:t>
+            </a:r>
+            <a:r>
+              <a:rPr lang="zh-CN" altLang="en-US" dirty="0" smtClean="0"/>
+              <a:t>闭路径</a:t>
+            </a:r>
+            <a:r>
+              <a:rPr lang="en-US" altLang="zh-CN" dirty="0" err="1" smtClean="0"/>
+              <a:t>closePath</a:t>
+            </a:r>
+            <a:endParaRPr lang="en-US" altLang="zh-CN" dirty="0" smtClean="0"/>
+          </a:p>
+          <a:p>
+            <a:pPr>
+              <a:buNone/>
+            </a:pPr>
+            <a:endParaRPr lang="en-US" dirty="0" smtClean="0"/>
+          </a:p>
+          <a:p>
+            <a:pPr>
+              <a:buNone/>
+            </a:pPr>
             <a:endParaRPr lang="en-US" dirty="0"/>
           </a:p>
         </p:txBody>
@@ -5806,39 +5841,205 @@
             <p:ph type="title"/>
           </p:nvPr>
         </p:nvSpPr>
-        <p:spPr>
-          <a:xfrm>
-            <a:off x="457200" y="274638"/>
-            <a:ext cx="8229600" cy="6278562"/>
-          </a:xfrm>
-        </p:spPr>
-        <p:txBody>
-          <a:bodyPr/>
-          <a:lstStyle/>
-          <a:p>
-            <a:r>
-              <a:rPr lang="zh-CN" altLang="en-US" dirty="0" smtClean="0"/>
-              <a:t>第五部分</a:t>
-            </a:r>
-            <a:r>
-              <a:rPr lang="en-US" altLang="zh-CN" dirty="0" smtClean="0"/>
-              <a:t/>
-            </a:r>
-            <a:br>
-              <a:rPr lang="en-US" altLang="zh-CN" dirty="0" smtClean="0"/>
-            </a:br>
-            <a:r>
-              <a:rPr lang="en-US" altLang="zh-CN" dirty="0" smtClean="0"/>
-              <a:t/>
-            </a:r>
-            <a:br>
-              <a:rPr lang="en-US" altLang="zh-CN" dirty="0" smtClean="0"/>
-            </a:br>
-            <a:r>
-              <a:rPr lang="zh-CN" altLang="en-US" dirty="0" smtClean="0"/>
-              <a:t>本地存储</a:t>
+        <p:spPr/>
+        <p:txBody>
+          <a:bodyPr/>
+          <a:lstStyle/>
+          <a:p>
+            <a:r>
+              <a:rPr lang="zh-CN" altLang="en-US" dirty="0"/>
+              <a:t>设</a:t>
+            </a:r>
+            <a:r>
+              <a:rPr lang="zh-CN" altLang="en-US" dirty="0" smtClean="0"/>
+              <a:t>置绘制样式</a:t>
             </a:r>
             <a:endParaRPr lang="en-US" dirty="0"/>
+          </a:p>
+        </p:txBody>
+      </p:sp>
+      <p:sp>
+        <p:nvSpPr>
+          <p:cNvPr id="3" name="Content Placeholder 2"/>
+          <p:cNvSpPr>
+            <a:spLocks noGrp="1"/>
+          </p:cNvSpPr>
+          <p:nvPr>
+            <p:ph idx="1"/>
+          </p:nvPr>
+        </p:nvSpPr>
+        <p:spPr/>
+        <p:txBody>
+          <a:bodyPr>
+            <a:normAutofit fontScale="77500" lnSpcReduction="20000"/>
+          </a:bodyPr>
+          <a:lstStyle/>
+          <a:p>
+            <a:r>
+              <a:rPr lang="zh-CN" altLang="en-US" dirty="0" smtClean="0"/>
+              <a:t>设置填充颜色</a:t>
+            </a:r>
+            <a:endParaRPr lang="en-US" altLang="zh-CN" dirty="0" smtClean="0"/>
+          </a:p>
+          <a:p>
+            <a:pPr lvl="1"/>
+            <a:r>
+              <a:rPr lang="en-US" altLang="zh-CN" dirty="0" err="1" smtClean="0"/>
+              <a:t>fillStyle</a:t>
+            </a:r>
+            <a:r>
+              <a:rPr lang="en-US" altLang="zh-CN" dirty="0" smtClean="0"/>
+              <a:t>=“</a:t>
+            </a:r>
+            <a:r>
+              <a:rPr lang="en-US" altLang="zh-CN" dirty="0" err="1" smtClean="0"/>
+              <a:t>rgb</a:t>
+            </a:r>
+            <a:r>
+              <a:rPr lang="en-US" altLang="zh-CN" dirty="0" smtClean="0"/>
+              <a:t>(255,255,255)”</a:t>
+            </a:r>
+          </a:p>
+          <a:p>
+            <a:r>
+              <a:rPr lang="zh-CN" altLang="en-US" dirty="0" smtClean="0"/>
+              <a:t>设置边框颜色</a:t>
+            </a:r>
+            <a:endParaRPr lang="en-US" altLang="zh-CN" dirty="0" smtClean="0"/>
+          </a:p>
+          <a:p>
+            <a:pPr lvl="1"/>
+            <a:r>
+              <a:rPr lang="en-US" altLang="zh-CN" dirty="0" err="1" smtClean="0"/>
+              <a:t>strokeStyle</a:t>
+            </a:r>
+            <a:endParaRPr lang="en-US" altLang="zh-CN" dirty="0" smtClean="0"/>
+          </a:p>
+          <a:p>
+            <a:r>
+              <a:rPr lang="zh-CN" altLang="en-US" dirty="0"/>
+              <a:t>设</a:t>
+            </a:r>
+            <a:r>
+              <a:rPr lang="zh-CN" altLang="en-US" dirty="0" smtClean="0"/>
+              <a:t>置渐变色</a:t>
+            </a:r>
+            <a:endParaRPr lang="en-US" altLang="zh-CN" dirty="0" smtClean="0"/>
+          </a:p>
+          <a:p>
+            <a:pPr lvl="1"/>
+            <a:r>
+              <a:rPr lang="zh-CN" altLang="en-US" dirty="0" smtClean="0"/>
+              <a:t>线性渐变</a:t>
+            </a:r>
+            <a:endParaRPr lang="en-US" altLang="zh-CN" dirty="0" smtClean="0"/>
+          </a:p>
+          <a:p>
+            <a:pPr lvl="1">
+              <a:buNone/>
+            </a:pPr>
+            <a:r>
+              <a:rPr lang="en-US" dirty="0" smtClean="0"/>
+              <a:t>	</a:t>
+            </a:r>
+            <a:r>
+              <a:rPr lang="en-US" dirty="0" err="1" smtClean="0"/>
+              <a:t>var</a:t>
+            </a:r>
+            <a:r>
+              <a:rPr lang="en-US" dirty="0" smtClean="0"/>
+              <a:t> g=</a:t>
+            </a:r>
+            <a:r>
+              <a:rPr lang="en-US" dirty="0" err="1" smtClean="0"/>
+              <a:t>context.createLinearGradient</a:t>
+            </a:r>
+            <a:r>
+              <a:rPr lang="en-US" dirty="0" smtClean="0"/>
+              <a:t>(x1,y1,x2,y2)</a:t>
+            </a:r>
+          </a:p>
+          <a:p>
+            <a:pPr lvl="1">
+              <a:buNone/>
+            </a:pPr>
+            <a:r>
+              <a:rPr lang="en-US" dirty="0" smtClean="0"/>
+              <a:t>	</a:t>
+            </a:r>
+            <a:r>
+              <a:rPr lang="en-US" dirty="0" err="1" smtClean="0"/>
+              <a:t>g.addColorStop</a:t>
+            </a:r>
+            <a:r>
+              <a:rPr lang="en-US" dirty="0" smtClean="0"/>
+              <a:t>(0-1,’color’)</a:t>
+            </a:r>
+          </a:p>
+          <a:p>
+            <a:pPr lvl="1">
+              <a:buNone/>
+            </a:pPr>
+            <a:r>
+              <a:rPr lang="en-US" dirty="0" smtClean="0"/>
+              <a:t>	</a:t>
+            </a:r>
+            <a:r>
+              <a:rPr lang="en-US" dirty="0" err="1" smtClean="0"/>
+              <a:t>fillStyle</a:t>
+            </a:r>
+            <a:r>
+              <a:rPr lang="en-US" dirty="0" smtClean="0"/>
+              <a:t>=g;</a:t>
+            </a:r>
+          </a:p>
+          <a:p>
+            <a:pPr lvl="1">
+              <a:buNone/>
+            </a:pPr>
+            <a:r>
+              <a:rPr lang="en-US" dirty="0" smtClean="0"/>
+              <a:t>-</a:t>
+            </a:r>
+            <a:r>
+              <a:rPr lang="zh-CN" altLang="en-US" dirty="0" smtClean="0"/>
+              <a:t>径向渐变</a:t>
+            </a:r>
+            <a:endParaRPr lang="en-US" altLang="zh-CN" dirty="0" smtClean="0"/>
+          </a:p>
+          <a:p>
+            <a:pPr lvl="1">
+              <a:buNone/>
+            </a:pPr>
+            <a:r>
+              <a:rPr lang="en-US" dirty="0" smtClean="0"/>
+              <a:t>	</a:t>
+            </a:r>
+            <a:r>
+              <a:rPr lang="en-US" altLang="zh-CN" dirty="0" err="1" smtClean="0"/>
+              <a:t>var</a:t>
+            </a:r>
+            <a:r>
+              <a:rPr lang="en-US" altLang="zh-CN" dirty="0" smtClean="0"/>
+              <a:t> g=</a:t>
+            </a:r>
+          </a:p>
+          <a:p>
+            <a:pPr lvl="1">
+              <a:buNone/>
+            </a:pPr>
+            <a:r>
+              <a:rPr lang="en-US" altLang="zh-CN" dirty="0" smtClean="0"/>
+              <a:t>	</a:t>
+            </a:r>
+            <a:r>
+              <a:rPr lang="en-US" altLang="zh-CN" dirty="0" err="1" smtClean="0"/>
+              <a:t>context.createRadialGradient</a:t>
+            </a:r>
+            <a:r>
+              <a:rPr lang="en-US" altLang="zh-CN" dirty="0" smtClean="0"/>
+              <a:t>(x1,y1,r1,x2,y2,r2)</a:t>
+            </a:r>
           </a:p>
         </p:txBody>
       </p:sp>
@@ -5876,6 +6077,29 @@
       </p:grpSpPr>
       <p:sp>
         <p:nvSpPr>
+          <p:cNvPr id="2" name="Title 1"/>
+          <p:cNvSpPr>
+            <a:spLocks noGrp="1"/>
+          </p:cNvSpPr>
+          <p:nvPr>
+            <p:ph type="title"/>
+          </p:nvPr>
+        </p:nvSpPr>
+        <p:spPr/>
+        <p:txBody>
+          <a:bodyPr/>
+          <a:lstStyle/>
+          <a:p>
+            <a:r>
+              <a:rPr lang="zh-CN" altLang="en-US" dirty="0" smtClean="0"/>
+              <a:t>绘制</a:t>
+            </a:r>
+            <a:endParaRPr lang="en-US" dirty="0"/>
+          </a:p>
+        </p:txBody>
+      </p:sp>
+      <p:sp>
+        <p:nvSpPr>
           <p:cNvPr id="3" name="Content Placeholder 2"/>
           <p:cNvSpPr>
             <a:spLocks noGrp="1"/>
@@ -5884,71 +6108,82 @@
             <p:ph idx="1"/>
           </p:nvPr>
         </p:nvSpPr>
-        <p:spPr>
-          <a:xfrm>
-            <a:off x="457200" y="304800"/>
-            <a:ext cx="8229600" cy="5821363"/>
-          </a:xfrm>
-        </p:spPr>
-        <p:txBody>
-          <a:bodyPr/>
-          <a:lstStyle/>
+        <p:spPr/>
+        <p:txBody>
+          <a:bodyPr/>
+          <a:lstStyle/>
+          <a:p>
+            <a:r>
+              <a:rPr lang="en-US" dirty="0" smtClean="0"/>
+              <a:t>Fill() </a:t>
+            </a:r>
+            <a:r>
+              <a:rPr lang="zh-CN" altLang="en-US" dirty="0" smtClean="0"/>
+              <a:t>填充路径内部</a:t>
+            </a:r>
+            <a:endParaRPr lang="en-US" dirty="0" smtClean="0"/>
+          </a:p>
+          <a:p>
+            <a:r>
+              <a:rPr lang="en-US" dirty="0" smtClean="0"/>
+              <a:t>Stroke() </a:t>
+            </a:r>
+            <a:r>
+              <a:rPr lang="zh-CN" altLang="en-US" dirty="0" smtClean="0"/>
+              <a:t>绘制路径边框</a:t>
+            </a:r>
+            <a:endParaRPr lang="en-US" altLang="zh-CN" dirty="0" smtClean="0"/>
+          </a:p>
           <a:p>
             <a:r>
               <a:rPr lang="en-US" dirty="0" err="1" smtClean="0"/>
-              <a:t>localStorage</a:t>
+              <a:t>fillRect</a:t>
+            </a:r>
+            <a:r>
+              <a:rPr lang="en-US" dirty="0" smtClean="0"/>
+              <a:t>() </a:t>
+            </a:r>
+            <a:r>
+              <a:rPr lang="zh-CN" altLang="en-US" dirty="0" smtClean="0"/>
+              <a:t>绘制矩形</a:t>
+            </a:r>
+            <a:endParaRPr lang="en-US" altLang="zh-CN" dirty="0" smtClean="0"/>
+          </a:p>
+          <a:p>
+            <a:r>
+              <a:rPr lang="en-US" dirty="0" err="1" smtClean="0"/>
+              <a:t>fillText</a:t>
+            </a:r>
+            <a:r>
+              <a:rPr lang="en-US" dirty="0" smtClean="0"/>
+              <a:t>() </a:t>
+            </a:r>
+            <a:r>
+              <a:rPr lang="zh-CN" altLang="en-US" dirty="0" smtClean="0"/>
+              <a:t>绘制文字（以填充方式）</a:t>
+            </a:r>
+            <a:endParaRPr lang="en-US" altLang="zh-CN" dirty="0" smtClean="0"/>
+          </a:p>
+          <a:p>
+            <a:r>
+              <a:rPr lang="en-US" dirty="0" err="1" smtClean="0"/>
+              <a:t>strokeText</a:t>
+            </a:r>
+            <a:r>
+              <a:rPr lang="en-US" dirty="0" smtClean="0"/>
+              <a:t>()</a:t>
+            </a:r>
+            <a:r>
+              <a:rPr lang="zh-CN" altLang="en-US" dirty="0" smtClean="0"/>
+              <a:t>绘制文字（以描边方式）</a:t>
             </a:r>
             <a:endParaRPr lang="en-US" dirty="0" smtClean="0"/>
           </a:p>
           <a:p>
-            <a:pPr lvl="1"/>
-            <a:r>
-              <a:rPr lang="zh-CN" altLang="en-US" dirty="0" smtClean="0"/>
-              <a:t>本地存储</a:t>
-            </a:r>
             <a:endParaRPr lang="en-US" dirty="0" smtClean="0"/>
           </a:p>
           <a:p>
-            <a:r>
-              <a:rPr lang="en-US" dirty="0" err="1" smtClean="0"/>
-              <a:t>sessionStorage</a:t>
-            </a:r>
-            <a:endParaRPr lang="en-US" dirty="0" smtClean="0"/>
-          </a:p>
-          <a:p>
-            <a:pPr lvl="1"/>
-            <a:r>
-              <a:rPr lang="zh-CN" altLang="en-US" dirty="0" smtClean="0"/>
-              <a:t>会</a:t>
-            </a:r>
-            <a:r>
-              <a:rPr lang="zh-CN" altLang="en-US" dirty="0" smtClean="0"/>
-              <a:t>话存储</a:t>
-            </a:r>
-            <a:endParaRPr lang="en-US" dirty="0" smtClean="0"/>
-          </a:p>
-          <a:p>
-            <a:r>
-              <a:rPr lang="en-US" dirty="0" smtClean="0"/>
-              <a:t>Web SQL </a:t>
-            </a:r>
-            <a:r>
-              <a:rPr lang="en-US" dirty="0" err="1" smtClean="0"/>
-              <a:t>DataBase</a:t>
-            </a:r>
-            <a:endParaRPr lang="en-US" dirty="0" smtClean="0"/>
-          </a:p>
-          <a:p>
-            <a:pPr lvl="1"/>
-            <a:r>
-              <a:rPr lang="zh-CN" altLang="en-US" dirty="0" smtClean="0"/>
-              <a:t>客户</a:t>
-            </a:r>
-            <a:r>
-              <a:rPr lang="zh-CN" altLang="en-US" dirty="0" smtClean="0"/>
-              <a:t>端数据库存储</a:t>
-            </a:r>
-            <a:endParaRPr lang="en-US" dirty="0" smtClean="0"/>
+            <a:endParaRPr lang="en-US" dirty="0"/>
           </a:p>
         </p:txBody>
       </p:sp>
@@ -5994,14 +6229,21 @@
             <p:ph type="title"/>
           </p:nvPr>
         </p:nvSpPr>
-        <p:spPr/>
-        <p:txBody>
-          <a:bodyPr/>
-          <a:lstStyle/>
-          <a:p>
-            <a:r>
-              <a:rPr lang="zh-CN" altLang="en-US" dirty="0" smtClean="0"/>
-              <a:t>为什么要有新的结构标签？</a:t>
+        <p:spPr>
+          <a:xfrm>
+            <a:off x="457200" y="274638"/>
+            <a:ext cx="8229600" cy="639762"/>
+          </a:xfrm>
+        </p:spPr>
+        <p:txBody>
+          <a:bodyPr>
+            <a:normAutofit fontScale="90000"/>
+          </a:bodyPr>
+          <a:lstStyle/>
+          <a:p>
+            <a:r>
+              <a:rPr lang="zh-CN" altLang="en-US" dirty="0" smtClean="0"/>
+              <a:t>特点</a:t>
             </a:r>
             <a:endParaRPr lang="en-US" dirty="0"/>
           </a:p>
@@ -6017,81 +6259,129 @@
             <p:ph idx="1"/>
           </p:nvPr>
         </p:nvSpPr>
-        <p:spPr/>
-        <p:txBody>
-          <a:bodyPr/>
-          <a:lstStyle/>
-          <a:p>
-            <a:r>
-              <a:rPr lang="zh-CN" altLang="en-US" dirty="0" smtClean="0"/>
-              <a:t>滥用</a:t>
-            </a:r>
-            <a:r>
-              <a:rPr lang="en-US" altLang="zh-CN" dirty="0" smtClean="0"/>
-              <a:t>div</a:t>
-            </a:r>
-          </a:p>
-          <a:p>
-            <a:r>
-              <a:rPr lang="zh-CN" altLang="en-US" dirty="0" smtClean="0"/>
-              <a:t>搜索引擎和开发人员理解内容含义有难度</a:t>
+        <p:spPr>
+          <a:xfrm>
+            <a:off x="457200" y="1066800"/>
+            <a:ext cx="8229600" cy="5059363"/>
+          </a:xfrm>
+        </p:spPr>
+        <p:txBody>
+          <a:bodyPr>
+            <a:normAutofit lnSpcReduction="10000"/>
+          </a:bodyPr>
+          <a:lstStyle/>
+          <a:p>
+            <a:r>
+              <a:rPr lang="zh-CN" altLang="en-US" dirty="0" smtClean="0"/>
+              <a:t>用于绘画的 </a:t>
+            </a:r>
+            <a:r>
+              <a:rPr lang="en-US" dirty="0" smtClean="0"/>
+              <a:t>canvas </a:t>
+            </a:r>
+            <a:r>
+              <a:rPr lang="zh-CN" altLang="en-US" dirty="0" smtClean="0"/>
+              <a:t>元素</a:t>
+            </a:r>
+          </a:p>
+          <a:p>
+            <a:r>
+              <a:rPr lang="zh-CN" altLang="en-US" dirty="0" smtClean="0"/>
+              <a:t>用于媒介回放的 </a:t>
+            </a:r>
+            <a:r>
+              <a:rPr lang="en-US" dirty="0" smtClean="0"/>
+              <a:t>video </a:t>
+            </a:r>
+            <a:r>
+              <a:rPr lang="zh-CN" altLang="en-US" dirty="0" smtClean="0"/>
+              <a:t>和 </a:t>
+            </a:r>
+            <a:r>
+              <a:rPr lang="en-US" dirty="0" smtClean="0"/>
+              <a:t>audio </a:t>
+            </a:r>
+            <a:r>
+              <a:rPr lang="zh-CN" altLang="en-US" dirty="0" smtClean="0"/>
+              <a:t>元</a:t>
+            </a:r>
+            <a:r>
+              <a:rPr lang="zh-CN" altLang="en-US" dirty="0" smtClean="0"/>
+              <a:t>素</a:t>
             </a:r>
             <a:endParaRPr lang="en-US" altLang="zh-CN" dirty="0" smtClean="0"/>
           </a:p>
           <a:p>
             <a:r>
-              <a:rPr lang="en-US" altLang="zh-CN" dirty="0" smtClean="0"/>
-              <a:t>HTML5</a:t>
-            </a:r>
-            <a:r>
-              <a:rPr lang="zh-CN" altLang="en-US" dirty="0" smtClean="0"/>
-              <a:t>提供了一组全新的语义化标签</a:t>
+              <a:rPr lang="zh-CN" altLang="en-US" dirty="0" smtClean="0"/>
+              <a:t>客户</a:t>
+            </a:r>
+            <a:r>
+              <a:rPr lang="zh-CN" altLang="en-US" dirty="0" smtClean="0"/>
+              <a:t>端存储</a:t>
             </a:r>
             <a:endParaRPr lang="en-US" altLang="zh-CN" dirty="0" smtClean="0"/>
           </a:p>
           <a:p>
-            <a:pPr lvl="1"/>
-            <a:r>
-              <a:rPr lang="zh-CN" altLang="en-US" dirty="0"/>
-              <a:t>可用</a:t>
-            </a:r>
-            <a:r>
-              <a:rPr lang="zh-CN" altLang="en-US" dirty="0" smtClean="0"/>
-              <a:t>于描述自身所包含的内容</a:t>
+            <a:r>
+              <a:rPr lang="zh-CN" altLang="en-US" dirty="0" smtClean="0"/>
+              <a:t>更多的描述性标记</a:t>
             </a:r>
             <a:endParaRPr lang="en-US" altLang="zh-CN" dirty="0" smtClean="0"/>
           </a:p>
           <a:p>
-            <a:pPr lvl="1"/>
-            <a:r>
-              <a:rPr lang="zh-CN" altLang="en-US" dirty="0"/>
-              <a:t>根</a:t>
-            </a:r>
-            <a:r>
-              <a:rPr lang="zh-CN" altLang="en-US" dirty="0" smtClean="0"/>
-              <a:t>除滥用</a:t>
-            </a:r>
-            <a:r>
-              <a:rPr lang="en-US" altLang="zh-CN" dirty="0" smtClean="0"/>
-              <a:t>div</a:t>
-            </a:r>
-            <a:r>
-              <a:rPr lang="zh-CN" altLang="en-US" dirty="0" smtClean="0"/>
-              <a:t>现象</a:t>
+            <a:r>
+              <a:rPr lang="zh-CN" altLang="en-US" dirty="0" smtClean="0"/>
+              <a:t>更强大的</a:t>
+            </a:r>
+            <a:r>
+              <a:rPr lang="en-US" altLang="zh-CN" dirty="0" smtClean="0"/>
+              <a:t>web</a:t>
+            </a:r>
+            <a:r>
+              <a:rPr lang="zh-CN" altLang="en-US" dirty="0" smtClean="0"/>
+              <a:t>表单</a:t>
+            </a:r>
+            <a:endParaRPr lang="zh-CN" altLang="en-US" dirty="0" smtClean="0"/>
+          </a:p>
+          <a:p>
+            <a:r>
+              <a:rPr lang="zh-CN" altLang="en-US" dirty="0" smtClean="0"/>
+              <a:t>减</a:t>
+            </a:r>
+            <a:r>
+              <a:rPr lang="zh-CN" altLang="en-US" dirty="0" smtClean="0"/>
+              <a:t>少对外部插件的需求（比如 </a:t>
+            </a:r>
+            <a:r>
+              <a:rPr lang="en-US" altLang="zh-CN" dirty="0" smtClean="0"/>
+              <a:t>Flash</a:t>
+            </a:r>
+            <a:r>
+              <a:rPr lang="zh-CN" altLang="en-US" dirty="0" smtClean="0"/>
+              <a:t>）</a:t>
+            </a:r>
+            <a:endParaRPr lang="zh-CN" altLang="en-US" dirty="0" smtClean="0"/>
+          </a:p>
+          <a:p>
+            <a:r>
+              <a:rPr lang="zh-CN" altLang="en-US" dirty="0" smtClean="0"/>
+              <a:t>跨文档消息通信</a:t>
             </a:r>
             <a:endParaRPr lang="en-US" altLang="zh-CN" dirty="0" smtClean="0"/>
           </a:p>
           <a:p>
-            <a:pPr lvl="1"/>
-            <a:r>
-              <a:rPr lang="zh-CN" altLang="en-US" dirty="0"/>
-              <a:t>降</a:t>
-            </a:r>
-            <a:r>
-              <a:rPr lang="zh-CN" altLang="en-US" dirty="0" smtClean="0"/>
-              <a:t>低机器和开发人员理解内容和语境的难度</a:t>
-            </a:r>
-            <a:endParaRPr lang="en-US" altLang="zh-CN" dirty="0" smtClean="0"/>
+            <a:r>
+              <a:rPr lang="en-US" altLang="zh-CN" dirty="0" smtClean="0"/>
+              <a:t>Web Sockets</a:t>
+            </a:r>
+          </a:p>
+          <a:p>
+            <a:r>
+              <a:rPr lang="zh-CN" altLang="en-US" dirty="0" smtClean="0"/>
+              <a:t>向后兼容</a:t>
+            </a:r>
+            <a:endParaRPr lang="en-US" dirty="0" smtClean="0"/>
           </a:p>
           <a:p>
             <a:endParaRPr lang="en-US" dirty="0"/>
@@ -6103,13 +6393,6 @@
   <p:clrMapOvr>
     <a:masterClrMapping/>
   </p:clrMapOvr>
-  <p:timing>
-    <p:tnLst>
-      <p:par>
-        <p:cTn id="1" dur="indefinite" restart="never" nodeType="tmRoot"/>
-      </p:par>
-    </p:tnLst>
-  </p:timing>
 </p:sld>
 </file>
 
@@ -6146,12 +6429,12 @@
           <a:lstStyle/>
           <a:p>
             <a:r>
-              <a:rPr lang="en-US" dirty="0" smtClean="0"/>
-              <a:t>Cookies</a:t>
-            </a:r>
-            <a:r>
-              <a:rPr lang="zh-CN" altLang="en-US" dirty="0" smtClean="0"/>
-              <a:t>的缺点</a:t>
+              <a:rPr lang="en-US" altLang="zh-CN" dirty="0" smtClean="0"/>
+              <a:t>Canvas </a:t>
+            </a:r>
+            <a:r>
+              <a:rPr lang="zh-CN" altLang="en-US" dirty="0" smtClean="0"/>
+              <a:t>实例</a:t>
             </a:r>
             <a:endParaRPr lang="en-US" dirty="0"/>
           </a:p>
@@ -6173,106 +6456,48 @@
           <a:lstStyle/>
           <a:p>
             <a:r>
-              <a:rPr lang="zh-CN" altLang="en-US" dirty="0" smtClean="0"/>
-              <a:t>大小：</a:t>
-            </a:r>
-            <a:r>
-              <a:rPr lang="en-US" altLang="zh-CN" dirty="0" smtClean="0"/>
-              <a:t>cookies</a:t>
-            </a:r>
-            <a:r>
-              <a:rPr lang="zh-CN" altLang="en-US" dirty="0" smtClean="0"/>
-              <a:t>的大小被限制在</a:t>
-            </a:r>
-            <a:r>
-              <a:rPr lang="en-US" altLang="zh-CN" dirty="0" smtClean="0"/>
-              <a:t>4kb</a:t>
-            </a:r>
-          </a:p>
-          <a:p>
-            <a:r>
-              <a:rPr lang="zh-CN" altLang="en-US" dirty="0" smtClean="0"/>
-              <a:t>数</a:t>
-            </a:r>
-            <a:r>
-              <a:rPr lang="zh-CN" altLang="en-US" dirty="0" smtClean="0"/>
-              <a:t>量：</a:t>
-            </a:r>
-            <a:r>
-              <a:rPr lang="zh-CN" altLang="en-US" dirty="0" smtClean="0"/>
-              <a:t>大多数浏览器只允许每个站点存储 </a:t>
-            </a:r>
-            <a:r>
-              <a:rPr lang="en-US" altLang="zh-CN" dirty="0" smtClean="0"/>
-              <a:t>20 </a:t>
-            </a:r>
-            <a:r>
-              <a:rPr lang="zh-CN" altLang="en-US" dirty="0" smtClean="0"/>
-              <a:t>个 </a:t>
-            </a:r>
-            <a:r>
-              <a:rPr lang="en-US" altLang="zh-CN" dirty="0" smtClean="0"/>
-              <a:t>Cookie</a:t>
-            </a:r>
-            <a:endParaRPr lang="en-US" altLang="zh-CN" dirty="0" smtClean="0"/>
-          </a:p>
-          <a:p>
-            <a:r>
-              <a:rPr lang="zh-CN" altLang="en-US" dirty="0" smtClean="0"/>
-              <a:t>带</a:t>
-            </a:r>
-            <a:r>
-              <a:rPr lang="zh-CN" altLang="en-US" dirty="0" smtClean="0"/>
-              <a:t>宽：</a:t>
-            </a:r>
-            <a:r>
-              <a:rPr lang="en-US" altLang="zh-CN" dirty="0" smtClean="0"/>
-              <a:t>cookies</a:t>
-            </a:r>
-            <a:r>
-              <a:rPr lang="zh-CN" altLang="en-US" dirty="0" smtClean="0"/>
-              <a:t>是随</a:t>
-            </a:r>
-            <a:r>
-              <a:rPr lang="en-US" altLang="zh-CN" dirty="0" smtClean="0"/>
-              <a:t>HTTP</a:t>
-            </a:r>
-            <a:r>
-              <a:rPr lang="zh-CN" altLang="en-US" dirty="0" smtClean="0"/>
-              <a:t>事</a:t>
-            </a:r>
-            <a:r>
-              <a:rPr lang="zh-CN" altLang="en-US" dirty="0" smtClean="0"/>
-              <a:t>务一起发送的，因此会浪费一部分发送</a:t>
-            </a:r>
-            <a:r>
-              <a:rPr lang="en-US" altLang="zh-CN" dirty="0" smtClean="0"/>
-              <a:t>cookies</a:t>
-            </a:r>
-            <a:r>
-              <a:rPr lang="zh-CN" altLang="en-US" dirty="0" smtClean="0"/>
-              <a:t>时使用的带宽</a:t>
-            </a:r>
-            <a:endParaRPr lang="en-US" altLang="zh-CN" dirty="0" smtClean="0"/>
-          </a:p>
-          <a:p>
-            <a:r>
-              <a:rPr lang="zh-CN" altLang="en-US" dirty="0" smtClean="0"/>
-              <a:t>复杂</a:t>
-            </a:r>
-            <a:r>
-              <a:rPr lang="zh-CN" altLang="en-US" dirty="0" smtClean="0"/>
-              <a:t>性：要正确操纵</a:t>
-            </a:r>
-            <a:r>
-              <a:rPr lang="en-US" altLang="zh-CN" dirty="0" smtClean="0"/>
-              <a:t>cookies</a:t>
-            </a:r>
-            <a:r>
-              <a:rPr lang="zh-CN" altLang="en-US" dirty="0" smtClean="0"/>
-              <a:t>是很困难的</a:t>
-            </a:r>
-            <a:endParaRPr lang="en-US" altLang="zh-CN" dirty="0" smtClean="0"/>
+              <a:rPr lang="en-US" dirty="0" smtClean="0">
+                <a:hlinkClick r:id="rId2"/>
+              </a:rPr>
+              <a:t>http://www.html5china.com/html5demo/planetarium</a:t>
+            </a:r>
+            <a:r>
+              <a:rPr lang="en-US" dirty="0" smtClean="0">
+                <a:hlinkClick r:id="rId2"/>
+              </a:rPr>
+              <a:t>/</a:t>
+            </a:r>
+            <a:endParaRPr lang="en-US" dirty="0" smtClean="0"/>
+          </a:p>
+          <a:p>
+            <a:r>
+              <a:rPr lang="en-US" dirty="0" smtClean="0">
+                <a:hlinkClick r:id="rId3"/>
+              </a:rPr>
+              <a:t>http://www.hyundai-veloster.eu</a:t>
+            </a:r>
+            <a:r>
+              <a:rPr lang="en-US" dirty="0" smtClean="0">
+                <a:hlinkClick r:id="rId3"/>
+              </a:rPr>
+              <a:t>/</a:t>
+            </a:r>
+            <a:endParaRPr lang="en-US" dirty="0" smtClean="0"/>
+          </a:p>
+          <a:p>
+            <a:r>
+              <a:rPr lang="en-US" dirty="0" smtClean="0">
+                <a:hlinkClick r:id="rId4"/>
+              </a:rPr>
+              <a:t>http://www.nakshart.com</a:t>
+            </a:r>
+            <a:r>
+              <a:rPr lang="en-US" dirty="0" smtClean="0">
+                <a:hlinkClick r:id="rId4"/>
+              </a:rPr>
+              <a:t>/#</a:t>
+            </a:r>
+            <a:endParaRPr lang="en-US" dirty="0" smtClean="0"/>
           </a:p>
           <a:p>
             <a:endParaRPr lang="en-US" dirty="0"/>
@@ -6321,92 +6546,37 @@
             <p:ph type="title"/>
           </p:nvPr>
         </p:nvSpPr>
-        <p:spPr/>
-        <p:txBody>
-          <a:bodyPr/>
-          <a:lstStyle/>
-          <a:p>
-            <a:r>
-              <a:rPr lang="en-US" dirty="0" err="1" smtClean="0"/>
-              <a:t>localStorage</a:t>
-            </a:r>
-            <a:r>
-              <a:rPr lang="en-US" dirty="0" smtClean="0"/>
-              <a:t> </a:t>
-            </a:r>
-            <a:r>
-              <a:rPr lang="en-US" dirty="0" smtClean="0"/>
-              <a:t>,</a:t>
-            </a:r>
-            <a:r>
-              <a:rPr lang="en-US" dirty="0" smtClean="0"/>
-              <a:t> </a:t>
-            </a:r>
-            <a:r>
-              <a:rPr lang="en-US" dirty="0" err="1" smtClean="0"/>
-              <a:t>sessionStorage</a:t>
-            </a:r>
-            <a:endParaRPr lang="en-US" dirty="0"/>
-          </a:p>
-        </p:txBody>
-      </p:sp>
-      <p:sp>
-        <p:nvSpPr>
-          <p:cNvPr id="3" name="Content Placeholder 2"/>
-          <p:cNvSpPr>
-            <a:spLocks noGrp="1"/>
-          </p:cNvSpPr>
-          <p:nvPr>
-            <p:ph idx="1"/>
-          </p:nvPr>
-        </p:nvSpPr>
-        <p:spPr/>
-        <p:txBody>
-          <a:bodyPr/>
-          <a:lstStyle/>
-          <a:p>
-            <a:r>
-              <a:rPr lang="en-US" dirty="0" err="1" smtClean="0"/>
-              <a:t>sessionStorage</a:t>
-            </a:r>
-            <a:endParaRPr lang="en-US" dirty="0" smtClean="0"/>
-          </a:p>
-          <a:p>
-            <a:pPr lvl="1"/>
-            <a:r>
-              <a:rPr lang="zh-CN" altLang="en-US" dirty="0" smtClean="0"/>
-              <a:t>所谓</a:t>
-            </a:r>
-            <a:r>
-              <a:rPr lang="en-US" altLang="zh-CN" dirty="0" smtClean="0"/>
-              <a:t>session</a:t>
-            </a:r>
-            <a:r>
-              <a:rPr lang="zh-CN" altLang="en-US" dirty="0" smtClean="0"/>
-              <a:t>，是指用户浏览某个网站时，从进入网站到浏览器关闭所经过的这段时间。</a:t>
-            </a:r>
-            <a:r>
-              <a:rPr lang="en-US" altLang="zh-CN" dirty="0" err="1" smtClean="0"/>
-              <a:t>sessionStorage</a:t>
-            </a:r>
-            <a:r>
-              <a:rPr lang="zh-CN" altLang="en-US" dirty="0" smtClean="0"/>
-              <a:t>可以用来保存在这段时间内所要保存的任何数据。</a:t>
-            </a:r>
-            <a:endParaRPr lang="en-US" dirty="0" smtClean="0"/>
-          </a:p>
-          <a:p>
-            <a:r>
-              <a:rPr lang="en-US" dirty="0" err="1" smtClean="0"/>
-              <a:t>localStorage</a:t>
-            </a:r>
-            <a:endParaRPr lang="en-US" dirty="0" smtClean="0"/>
-          </a:p>
-          <a:p>
-            <a:pPr lvl="1"/>
-            <a:r>
-              <a:rPr lang="zh-CN" altLang="en-US" dirty="0" smtClean="0"/>
-              <a:t>将数据保存在客户端的硬件设备中，即使浏览器关闭，该数据仍然存在。</a:t>
+        <p:spPr>
+          <a:xfrm>
+            <a:off x="457200" y="274638"/>
+            <a:ext cx="8229600" cy="6278562"/>
+          </a:xfrm>
+        </p:spPr>
+        <p:txBody>
+          <a:bodyPr/>
+          <a:lstStyle/>
+          <a:p>
+            <a:r>
+              <a:rPr lang="zh-CN" altLang="en-US" dirty="0" smtClean="0"/>
+              <a:t>第五部分</a:t>
+            </a:r>
+            <a:r>
+              <a:rPr lang="en-US" altLang="zh-CN" dirty="0" smtClean="0"/>
+              <a:t/>
+            </a:r>
+            <a:br>
+              <a:rPr lang="en-US" altLang="zh-CN" dirty="0" smtClean="0"/>
+            </a:br>
+            <a:r>
+              <a:rPr lang="en-US" altLang="zh-CN" dirty="0" smtClean="0"/>
+              <a:t/>
+            </a:r>
+            <a:br>
+              <a:rPr lang="en-US" altLang="zh-CN" dirty="0" smtClean="0"/>
+            </a:br>
+            <a:r>
+              <a:rPr lang="zh-CN" altLang="en-US" dirty="0" smtClean="0"/>
+              <a:t>本地存储</a:t>
             </a:r>
             <a:endParaRPr lang="en-US" dirty="0"/>
           </a:p>
@@ -6446,230 +6616,71 @@
       </p:grpSpPr>
       <p:sp>
         <p:nvSpPr>
-          <p:cNvPr id="2" name="Title 1"/>
-          <p:cNvSpPr>
-            <a:spLocks noGrp="1"/>
-          </p:cNvSpPr>
-          <p:nvPr>
-            <p:ph type="title"/>
-          </p:nvPr>
-        </p:nvSpPr>
-        <p:spPr/>
-        <p:txBody>
-          <a:bodyPr/>
-          <a:lstStyle/>
-          <a:p>
-            <a:r>
-              <a:rPr lang="en-US" altLang="zh-CN" dirty="0" smtClean="0"/>
+          <p:cNvPr id="3" name="Content Placeholder 2"/>
+          <p:cNvSpPr>
+            <a:spLocks noGrp="1"/>
+          </p:cNvSpPr>
+          <p:nvPr>
+            <p:ph idx="1"/>
+          </p:nvPr>
+        </p:nvSpPr>
+        <p:spPr>
+          <a:xfrm>
+            <a:off x="457200" y="304800"/>
+            <a:ext cx="8229600" cy="5821363"/>
+          </a:xfrm>
+        </p:spPr>
+        <p:txBody>
+          <a:bodyPr/>
+          <a:lstStyle/>
+          <a:p>
+            <a:r>
+              <a:rPr lang="en-US" dirty="0" err="1" smtClean="0"/>
+              <a:t>localStorage</a:t>
+            </a:r>
+            <a:endParaRPr lang="en-US" dirty="0" smtClean="0"/>
+          </a:p>
+          <a:p>
+            <a:pPr lvl="1"/>
+            <a:r>
+              <a:rPr lang="zh-CN" altLang="en-US" dirty="0" smtClean="0"/>
+              <a:t>本地存储</a:t>
+            </a:r>
+            <a:endParaRPr lang="en-US" dirty="0" smtClean="0"/>
+          </a:p>
+          <a:p>
+            <a:r>
+              <a:rPr lang="en-US" dirty="0" err="1" smtClean="0"/>
+              <a:t>sessionStorage</a:t>
+            </a:r>
+            <a:endParaRPr lang="en-US" dirty="0" smtClean="0"/>
+          </a:p>
+          <a:p>
+            <a:pPr lvl="1"/>
+            <a:r>
+              <a:rPr lang="zh-CN" altLang="en-US" dirty="0" smtClean="0"/>
+              <a:t>会话存储</a:t>
+            </a:r>
+            <a:endParaRPr lang="en-US" dirty="0" smtClean="0"/>
+          </a:p>
+          <a:p>
+            <a:r>
+              <a:rPr lang="en-US" dirty="0" smtClean="0"/>
               <a:t>Web SQL </a:t>
             </a:r>
             <a:r>
-              <a:rPr lang="en-US" altLang="zh-CN" dirty="0" err="1" smtClean="0"/>
+              <a:rPr lang="en-US" dirty="0" err="1" smtClean="0"/>
               <a:t>DataBase</a:t>
             </a:r>
-            <a:endParaRPr lang="en-US" dirty="0"/>
-          </a:p>
-        </p:txBody>
-      </p:sp>
-      <p:sp>
-        <p:nvSpPr>
-          <p:cNvPr id="3" name="Content Placeholder 2"/>
-          <p:cNvSpPr>
-            <a:spLocks noGrp="1"/>
-          </p:cNvSpPr>
-          <p:nvPr>
-            <p:ph idx="1"/>
-          </p:nvPr>
-        </p:nvSpPr>
-        <p:spPr/>
-        <p:txBody>
-          <a:bodyPr>
-            <a:normAutofit fontScale="92500" lnSpcReduction="20000"/>
-          </a:bodyPr>
-          <a:lstStyle/>
-          <a:p>
-            <a:r>
-              <a:rPr lang="zh-CN" altLang="en-US" dirty="0" smtClean="0"/>
-              <a:t>实现</a:t>
-            </a:r>
-            <a:r>
-              <a:rPr lang="en-US" altLang="zh-CN" dirty="0" smtClean="0"/>
-              <a:t>HTML5</a:t>
-            </a:r>
-            <a:r>
-              <a:rPr lang="zh-CN" altLang="en-US" dirty="0" smtClean="0"/>
-              <a:t>的浏览器内置了一个可以通过</a:t>
-            </a:r>
-            <a:r>
-              <a:rPr lang="en-US" altLang="zh-CN" dirty="0" err="1" smtClean="0"/>
-              <a:t>sql</a:t>
-            </a:r>
-            <a:r>
-              <a:rPr lang="zh-CN" altLang="en-US" dirty="0" smtClean="0"/>
-              <a:t>语言来访问的数据库，“</a:t>
-            </a:r>
-            <a:r>
-              <a:rPr lang="en-US" altLang="zh-CN" dirty="0" err="1" smtClean="0"/>
-              <a:t>SQLLite</a:t>
-            </a:r>
-            <a:r>
-              <a:rPr lang="zh-CN" altLang="en-US" dirty="0" smtClean="0"/>
-              <a:t>”</a:t>
-            </a:r>
-            <a:endParaRPr lang="en-US" altLang="zh-CN" dirty="0" smtClean="0"/>
-          </a:p>
-          <a:p>
-            <a:r>
-              <a:rPr lang="zh-CN" altLang="en-US" dirty="0" smtClean="0"/>
-              <a:t>使</a:t>
-            </a:r>
-            <a:r>
-              <a:rPr lang="zh-CN" altLang="en-US" dirty="0" smtClean="0"/>
-              <a:t>用</a:t>
-            </a:r>
-            <a:endParaRPr lang="en-US" altLang="zh-CN" dirty="0" smtClean="0"/>
+            <a:endParaRPr lang="en-US" dirty="0" smtClean="0"/>
           </a:p>
           <a:p>
             <a:pPr lvl="1"/>
             <a:r>
               <a:rPr lang="zh-CN" altLang="en-US" dirty="0" smtClean="0"/>
-              <a:t>创</a:t>
-            </a:r>
-            <a:r>
-              <a:rPr lang="zh-CN" altLang="en-US" dirty="0" smtClean="0"/>
-              <a:t>建访问数据库的对象</a:t>
-            </a:r>
-            <a:endParaRPr lang="en-US" altLang="zh-CN" dirty="0" smtClean="0"/>
-          </a:p>
-          <a:p>
-            <a:pPr lvl="1">
-              <a:buNone/>
-            </a:pPr>
-            <a:r>
-              <a:rPr lang="en-US" altLang="zh-CN" dirty="0" smtClean="0"/>
-              <a:t>	</a:t>
-            </a:r>
-            <a:r>
-              <a:rPr lang="en-US" altLang="zh-CN" dirty="0" err="1" smtClean="0"/>
-              <a:t>var</a:t>
-            </a:r>
-            <a:r>
-              <a:rPr lang="en-US" altLang="zh-CN" dirty="0" smtClean="0"/>
-              <a:t> db=</a:t>
-            </a:r>
-          </a:p>
-          <a:p>
-            <a:pPr lvl="1">
-              <a:buNone/>
-            </a:pPr>
-            <a:r>
-              <a:rPr lang="en-US" altLang="zh-CN" dirty="0" err="1" smtClean="0"/>
-              <a:t>openDatabase</a:t>
-            </a:r>
-            <a:r>
-              <a:rPr lang="en-US" altLang="zh-CN" dirty="0" smtClean="0"/>
-              <a:t>(‘</a:t>
-            </a:r>
-            <a:r>
-              <a:rPr lang="en-US" altLang="zh-CN" dirty="0" err="1" smtClean="0"/>
-              <a:t>dbName’,’version’,’description’,size</a:t>
-            </a:r>
-            <a:r>
-              <a:rPr lang="en-US" altLang="zh-CN" dirty="0" smtClean="0"/>
-              <a:t>)</a:t>
-            </a:r>
-          </a:p>
-          <a:p>
-            <a:pPr lvl="1"/>
-            <a:r>
-              <a:rPr lang="zh-CN" altLang="en-US" dirty="0" smtClean="0"/>
-              <a:t>使</a:t>
-            </a:r>
-            <a:r>
-              <a:rPr lang="zh-CN" altLang="en-US" dirty="0" smtClean="0"/>
-              <a:t>用事务处理</a:t>
-            </a:r>
-            <a:endParaRPr lang="en-US" altLang="zh-CN" dirty="0" smtClean="0"/>
-          </a:p>
-          <a:p>
-            <a:pPr lvl="1">
-              <a:buNone/>
-            </a:pPr>
-            <a:r>
-              <a:rPr lang="en-US" altLang="zh-CN" dirty="0" smtClean="0"/>
-              <a:t>		</a:t>
-            </a:r>
-            <a:r>
-              <a:rPr lang="en-US" altLang="zh-CN" dirty="0" err="1" smtClean="0"/>
-              <a:t>db.transaction</a:t>
-            </a:r>
-            <a:r>
-              <a:rPr lang="en-US" altLang="zh-CN" dirty="0" smtClean="0"/>
-              <a:t>(fun(</a:t>
-            </a:r>
-            <a:r>
-              <a:rPr lang="en-US" altLang="zh-CN" dirty="0" err="1" smtClean="0"/>
-              <a:t>tx</a:t>
-            </a:r>
-            <a:r>
-              <a:rPr lang="en-US" altLang="zh-CN" dirty="0" smtClean="0"/>
-              <a:t>));</a:t>
-            </a:r>
-          </a:p>
-          <a:p>
-            <a:pPr lvl="2">
-              <a:buNone/>
-            </a:pPr>
-            <a:r>
-              <a:rPr lang="en-US" altLang="zh-CN" dirty="0" err="1" smtClean="0"/>
-              <a:t>tx.executeSql</a:t>
-            </a:r>
-            <a:r>
-              <a:rPr lang="en-US" altLang="zh-CN" dirty="0" smtClean="0"/>
-              <a:t>(</a:t>
-            </a:r>
-            <a:r>
-              <a:rPr lang="en-US" altLang="zh-CN" dirty="0" err="1" smtClean="0"/>
-              <a:t>sqlStr</a:t>
-            </a:r>
-            <a:r>
-              <a:rPr lang="en-US" altLang="zh-CN" dirty="0" smtClean="0"/>
-              <a:t>,[],fun1,fun2)</a:t>
-            </a:r>
-          </a:p>
-          <a:p>
-            <a:pPr lvl="2">
-              <a:buNone/>
-            </a:pPr>
-            <a:r>
-              <a:rPr lang="en-US" altLang="zh-CN" dirty="0" smtClean="0"/>
-              <a:t>fun1(</a:t>
-            </a:r>
-            <a:r>
-              <a:rPr lang="en-US" altLang="zh-CN" dirty="0" err="1" smtClean="0"/>
-              <a:t>tx,results</a:t>
-            </a:r>
-            <a:r>
-              <a:rPr lang="en-US" altLang="zh-CN" dirty="0" smtClean="0"/>
-              <a:t>)</a:t>
-            </a:r>
-          </a:p>
-          <a:p>
-            <a:pPr lvl="2">
-              <a:buNone/>
-            </a:pPr>
-            <a:r>
-              <a:rPr lang="en-US" altLang="zh-CN" dirty="0" smtClean="0"/>
-              <a:t>fun2(</a:t>
-            </a:r>
-            <a:r>
-              <a:rPr lang="en-US" altLang="zh-CN" dirty="0" err="1" smtClean="0"/>
-              <a:t>tx,error</a:t>
-            </a:r>
-            <a:r>
-              <a:rPr lang="en-US" altLang="zh-CN" dirty="0" smtClean="0"/>
-              <a:t>)</a:t>
-            </a:r>
+              <a:t>客户端数据库存储</a:t>
+            </a:r>
+            <a:endParaRPr lang="en-US" dirty="0" smtClean="0"/>
           </a:p>
         </p:txBody>
       </p:sp>
@@ -6715,42 +6726,120 @@
             <p:ph type="title"/>
           </p:nvPr>
         </p:nvSpPr>
-        <p:spPr>
-          <a:xfrm>
-            <a:off x="457200" y="274638"/>
-            <a:ext cx="8229600" cy="6202362"/>
-          </a:xfrm>
-        </p:spPr>
-        <p:txBody>
-          <a:bodyPr/>
-          <a:lstStyle/>
-          <a:p>
-            <a:r>
-              <a:rPr lang="zh-CN" altLang="en-US" dirty="0" smtClean="0"/>
-              <a:t>第六部分</a:t>
-            </a:r>
-            <a:r>
-              <a:rPr lang="en-US" altLang="zh-CN" dirty="0" smtClean="0"/>
-              <a:t/>
-            </a:r>
-            <a:br>
-              <a:rPr lang="en-US" altLang="zh-CN" dirty="0" smtClean="0"/>
-            </a:br>
-            <a:r>
-              <a:rPr lang="en-US" altLang="zh-CN" dirty="0" smtClean="0"/>
-              <a:t/>
-            </a:r>
-            <a:br>
-              <a:rPr lang="en-US" altLang="zh-CN" dirty="0" smtClean="0"/>
-            </a:br>
-            <a:r>
-              <a:rPr lang="zh-CN" altLang="en-US" dirty="0" smtClean="0"/>
-              <a:t>通信</a:t>
-            </a:r>
-            <a:r>
-              <a:rPr lang="en-US" altLang="zh-CN" dirty="0" smtClean="0"/>
-              <a:t>API</a:t>
-            </a:r>
+        <p:spPr/>
+        <p:txBody>
+          <a:bodyPr/>
+          <a:lstStyle/>
+          <a:p>
+            <a:r>
+              <a:rPr lang="en-US" dirty="0" smtClean="0"/>
+              <a:t>Cookies</a:t>
+            </a:r>
+            <a:r>
+              <a:rPr lang="zh-CN" altLang="en-US" dirty="0" smtClean="0"/>
+              <a:t>的缺点</a:t>
+            </a:r>
+            <a:endParaRPr lang="en-US" dirty="0"/>
+          </a:p>
+        </p:txBody>
+      </p:sp>
+      <p:sp>
+        <p:nvSpPr>
+          <p:cNvPr id="3" name="Content Placeholder 2"/>
+          <p:cNvSpPr>
+            <a:spLocks noGrp="1"/>
+          </p:cNvSpPr>
+          <p:nvPr>
+            <p:ph idx="1"/>
+          </p:nvPr>
+        </p:nvSpPr>
+        <p:spPr/>
+        <p:txBody>
+          <a:bodyPr/>
+          <a:lstStyle/>
+          <a:p>
+            <a:r>
+              <a:rPr lang="zh-CN" altLang="en-US" dirty="0" smtClean="0"/>
+              <a:t>大小：</a:t>
+            </a:r>
+            <a:r>
+              <a:rPr lang="en-US" altLang="zh-CN" dirty="0" smtClean="0"/>
+              <a:t>cookies</a:t>
+            </a:r>
+            <a:r>
+              <a:rPr lang="zh-CN" altLang="en-US" dirty="0" smtClean="0"/>
+              <a:t>的大小被限制在</a:t>
+            </a:r>
+            <a:r>
+              <a:rPr lang="en-US" altLang="zh-CN" dirty="0" smtClean="0"/>
+              <a:t>4kb</a:t>
+            </a:r>
+          </a:p>
+          <a:p>
+            <a:r>
+              <a:rPr lang="zh-CN" altLang="en-US" dirty="0" smtClean="0"/>
+              <a:t>数量：大多数浏览器只允许每个站点存储 </a:t>
+            </a:r>
+            <a:r>
+              <a:rPr lang="en-US" altLang="zh-CN" dirty="0" smtClean="0"/>
+              <a:t>20 </a:t>
+            </a:r>
+            <a:r>
+              <a:rPr lang="zh-CN" altLang="en-US" dirty="0" smtClean="0"/>
+              <a:t>个 </a:t>
+            </a:r>
+            <a:r>
+              <a:rPr lang="en-US" altLang="zh-CN" dirty="0" smtClean="0"/>
+              <a:t>Cookie</a:t>
+            </a:r>
+          </a:p>
+          <a:p>
+            <a:r>
+              <a:rPr lang="zh-CN" altLang="en-US" dirty="0" smtClean="0"/>
+              <a:t>带宽：</a:t>
+            </a:r>
+            <a:r>
+              <a:rPr lang="en-US" altLang="zh-CN" dirty="0" smtClean="0"/>
+              <a:t>cookies</a:t>
+            </a:r>
+            <a:r>
+              <a:rPr lang="zh-CN" altLang="en-US" dirty="0" smtClean="0"/>
+              <a:t>是随</a:t>
+            </a:r>
+            <a:r>
+              <a:rPr lang="en-US" altLang="zh-CN" dirty="0" smtClean="0"/>
+              <a:t>HTTP</a:t>
+            </a:r>
+            <a:r>
+              <a:rPr lang="zh-CN" altLang="en-US" dirty="0" smtClean="0"/>
+              <a:t>事务一起发送的，因此会浪费一部分发送</a:t>
+            </a:r>
+            <a:r>
+              <a:rPr lang="en-US" altLang="zh-CN" dirty="0" smtClean="0"/>
+              <a:t>cookies</a:t>
+            </a:r>
+            <a:r>
+              <a:rPr lang="zh-CN" altLang="en-US" dirty="0" smtClean="0"/>
+              <a:t>时使用的带宽</a:t>
+            </a:r>
+            <a:endParaRPr lang="en-US" altLang="zh-CN" dirty="0" smtClean="0"/>
+          </a:p>
+          <a:p>
+            <a:r>
+              <a:rPr lang="zh-CN" altLang="en-US" dirty="0" smtClean="0"/>
+              <a:t>复杂性：要正确操纵</a:t>
+            </a:r>
+            <a:r>
+              <a:rPr lang="en-US" altLang="zh-CN" dirty="0" smtClean="0"/>
+              <a:t>cookies</a:t>
+            </a:r>
+            <a:r>
+              <a:rPr lang="zh-CN" altLang="en-US" dirty="0" smtClean="0"/>
+              <a:t>是很困难的</a:t>
+            </a:r>
+            <a:endParaRPr lang="en-US" altLang="zh-CN" dirty="0" smtClean="0"/>
+          </a:p>
+          <a:p>
             <a:endParaRPr lang="en-US" dirty="0"/>
           </a:p>
         </p:txBody>
@@ -6803,8 +6892,16 @@
           <a:lstStyle/>
           <a:p>
             <a:r>
-              <a:rPr lang="zh-CN" altLang="en-US" dirty="0" smtClean="0"/>
-              <a:t>跨文档消息传输</a:t>
+              <a:rPr lang="en-US" dirty="0" err="1" smtClean="0"/>
+              <a:t>localStorage</a:t>
+            </a:r>
+            <a:r>
+              <a:rPr lang="en-US" dirty="0" smtClean="0"/>
+              <a:t> , </a:t>
+            </a:r>
+            <a:r>
+              <a:rPr lang="en-US" dirty="0" err="1" smtClean="0"/>
+              <a:t>sessionStorage</a:t>
             </a:r>
             <a:endParaRPr lang="en-US" dirty="0"/>
           </a:p>
@@ -6826,20 +6923,47 @@
           <a:lstStyle/>
           <a:p>
             <a:r>
-              <a:rPr lang="en-US" dirty="0" smtClean="0"/>
-              <a:t>HTML5</a:t>
-            </a:r>
-            <a:r>
-              <a:rPr lang="zh-CN" altLang="en-US" dirty="0" smtClean="0"/>
-              <a:t>提供了在网页文档之间互相接受与发送信息的功能。使用这个功能，只要获取到网页所在窗口对象的实例，不仅同源的</a:t>
-            </a:r>
-            <a:r>
-              <a:rPr lang="en-US" altLang="zh-CN" dirty="0" smtClean="0"/>
-              <a:t>Web</a:t>
-            </a:r>
-            <a:r>
-              <a:rPr lang="zh-CN" altLang="en-US" dirty="0" smtClean="0"/>
-              <a:t>网页之间可以互相通信，甚至可以实现跨域通信。</a:t>
+              <a:rPr lang="en-US" dirty="0" err="1" smtClean="0"/>
+              <a:t>sessionStorage</a:t>
+            </a:r>
+            <a:endParaRPr lang="en-US" dirty="0" smtClean="0"/>
+          </a:p>
+          <a:p>
+            <a:pPr lvl="1"/>
+            <a:r>
+              <a:rPr lang="zh-CN" altLang="en-US" dirty="0" smtClean="0"/>
+              <a:t>所谓</a:t>
+            </a:r>
+            <a:r>
+              <a:rPr lang="en-US" altLang="zh-CN" dirty="0" smtClean="0"/>
+              <a:t>session</a:t>
+            </a:r>
+            <a:r>
+              <a:rPr lang="zh-CN" altLang="en-US" dirty="0" smtClean="0"/>
+              <a:t>，是指用户浏览某个网站时，从进入网站到浏览器关闭所经过的这段时间。</a:t>
+            </a:r>
+            <a:r>
+              <a:rPr lang="en-US" altLang="zh-CN" dirty="0" err="1" smtClean="0"/>
+              <a:t>sessionStorage</a:t>
+            </a:r>
+            <a:r>
+              <a:rPr lang="zh-CN" altLang="en-US" dirty="0" smtClean="0"/>
+              <a:t>可以用来保存在这段时间内所要保存的任何数据。</a:t>
+            </a:r>
+            <a:endParaRPr lang="en-US" dirty="0" smtClean="0"/>
+          </a:p>
+          <a:p>
+            <a:r>
+              <a:rPr lang="en-US" dirty="0" err="1" smtClean="0"/>
+              <a:t>localStorage</a:t>
+            </a:r>
+            <a:endParaRPr lang="en-US" dirty="0" smtClean="0"/>
+          </a:p>
+          <a:p>
+            <a:pPr lvl="1"/>
+            <a:r>
+              <a:rPr lang="zh-CN" altLang="en-US" dirty="0" smtClean="0"/>
+              <a:t>将数据保存在客户端的硬件设备中，即使浏览器关闭，该数据仍然存在。</a:t>
             </a:r>
             <a:endParaRPr lang="en-US" dirty="0"/>
           </a:p>
@@ -6893,8 +7017,12 @@
           <a:lstStyle/>
           <a:p>
             <a:r>
-              <a:rPr lang="zh-CN" altLang="en-US" dirty="0" smtClean="0"/>
-              <a:t>主要方法</a:t>
+              <a:rPr lang="en-US" altLang="zh-CN" dirty="0" smtClean="0"/>
+              <a:t>Web SQL </a:t>
+            </a:r>
+            <a:r>
+              <a:rPr lang="en-US" altLang="zh-CN" dirty="0" err="1" smtClean="0"/>
+              <a:t>DataBase</a:t>
             </a:r>
             <a:endParaRPr lang="en-US" dirty="0"/>
           </a:p>
@@ -6912,28 +7040,80 @@
         </p:nvSpPr>
         <p:spPr/>
         <p:txBody>
-          <a:bodyPr/>
-          <a:lstStyle/>
-          <a:p>
-            <a:r>
-              <a:rPr lang="zh-CN" altLang="en-US" dirty="0" smtClean="0"/>
-              <a:t>接受从其他窗口发过来的消息，需要对窗口对象的</a:t>
-            </a:r>
-            <a:r>
-              <a:rPr lang="en-US" altLang="zh-CN" dirty="0" smtClean="0"/>
-              <a:t>message</a:t>
-            </a:r>
-            <a:r>
-              <a:rPr lang="zh-CN" altLang="en-US" dirty="0" smtClean="0"/>
-              <a:t>事件进行监听</a:t>
+          <a:bodyPr>
+            <a:normAutofit fontScale="92500" lnSpcReduction="20000"/>
+          </a:bodyPr>
+          <a:lstStyle/>
+          <a:p>
+            <a:r>
+              <a:rPr lang="zh-CN" altLang="en-US" dirty="0" smtClean="0"/>
+              <a:t>实现</a:t>
+            </a:r>
+            <a:r>
+              <a:rPr lang="en-US" altLang="zh-CN" dirty="0" smtClean="0"/>
+              <a:t>HTML5</a:t>
+            </a:r>
+            <a:r>
+              <a:rPr lang="zh-CN" altLang="en-US" dirty="0" smtClean="0"/>
+              <a:t>的浏览器内置了一个可以通过</a:t>
+            </a:r>
+            <a:r>
+              <a:rPr lang="en-US" altLang="zh-CN" dirty="0" err="1" smtClean="0"/>
+              <a:t>sql</a:t>
+            </a:r>
+            <a:r>
+              <a:rPr lang="zh-CN" altLang="en-US" dirty="0" smtClean="0"/>
+              <a:t>语言来访问的数据库，“</a:t>
+            </a:r>
+            <a:r>
+              <a:rPr lang="en-US" altLang="zh-CN" dirty="0" err="1" smtClean="0"/>
+              <a:t>SQLLite</a:t>
+            </a:r>
+            <a:r>
+              <a:rPr lang="zh-CN" altLang="en-US" dirty="0" smtClean="0"/>
+              <a:t>”</a:t>
             </a:r>
             <a:endParaRPr lang="en-US" altLang="zh-CN" dirty="0" smtClean="0"/>
           </a:p>
           <a:p>
+            <a:r>
+              <a:rPr lang="zh-CN" altLang="en-US" dirty="0" smtClean="0"/>
+              <a:t>使用</a:t>
+            </a:r>
+            <a:endParaRPr lang="en-US" altLang="zh-CN" dirty="0" smtClean="0"/>
+          </a:p>
+          <a:p>
             <a:pPr lvl="1"/>
             <a:r>
+              <a:rPr lang="zh-CN" altLang="en-US" dirty="0" smtClean="0"/>
+              <a:t>创建访问数据库的对象</a:t>
+            </a:r>
+            <a:endParaRPr lang="en-US" altLang="zh-CN" dirty="0" smtClean="0"/>
+          </a:p>
+          <a:p>
+            <a:pPr lvl="1">
+              <a:buNone/>
+            </a:pPr>
+            <a:r>
+              <a:rPr lang="en-US" altLang="zh-CN" dirty="0" smtClean="0"/>
+              <a:t>	</a:t>
+            </a:r>
+            <a:r>
               <a:rPr lang="en-US" altLang="zh-CN" dirty="0" err="1" smtClean="0"/>
-              <a:t>Window.addEventListener</a:t>
+              <a:t>var</a:t>
+            </a:r>
+            <a:r>
+              <a:rPr lang="en-US" altLang="zh-CN" dirty="0" smtClean="0"/>
+              <a:t> db=</a:t>
+            </a:r>
+          </a:p>
+          <a:p>
+            <a:pPr lvl="1">
+              <a:buNone/>
+            </a:pPr>
+            <a:r>
+              <a:rPr lang="en-US" altLang="zh-CN" dirty="0" err="1" smtClean="0"/>
+              <a:t>openDatabase</a:t>
             </a:r>
             <a:r>
               <a:rPr lang="en-US" altLang="zh-CN" dirty="0" smtClean="0"/>
@@ -6941,7 +7121,7 @@
             </a:r>
             <a:r>
               <a:rPr lang="en-US" altLang="zh-CN" dirty="0" err="1" smtClean="0"/>
-              <a:t>message’,fun,bool</a:t>
+              <a:t>dbName’,’version’,’description’,size</a:t>
             </a:r>
             <a:r>
               <a:rPr lang="en-US" altLang="zh-CN" dirty="0" smtClean="0"/>
@@ -6949,51 +7129,92 @@
             </a:r>
           </a:p>
           <a:p>
-            <a:r>
-              <a:rPr lang="zh-CN" altLang="en-US" dirty="0" smtClean="0"/>
-              <a:t>使</a:t>
-            </a:r>
-            <a:r>
-              <a:rPr lang="zh-CN" altLang="en-US" dirty="0" smtClean="0"/>
-              <a:t>用</a:t>
-            </a:r>
-            <a:r>
-              <a:rPr lang="en-US" altLang="zh-CN" dirty="0" smtClean="0"/>
-              <a:t>window</a:t>
-            </a:r>
-            <a:r>
-              <a:rPr lang="zh-CN" altLang="en-US" dirty="0" smtClean="0"/>
-              <a:t>对象的</a:t>
+            <a:pPr lvl="1"/>
+            <a:r>
+              <a:rPr lang="zh-CN" altLang="en-US" dirty="0" smtClean="0"/>
+              <a:t>使用事务处理</a:t>
+            </a:r>
+            <a:endParaRPr lang="en-US" altLang="zh-CN" dirty="0" smtClean="0"/>
+          </a:p>
+          <a:p>
+            <a:pPr lvl="1">
+              <a:buNone/>
+            </a:pPr>
+            <a:r>
+              <a:rPr lang="en-US" altLang="zh-CN" dirty="0" smtClean="0"/>
+              <a:t>		</a:t>
             </a:r>
             <a:r>
               <a:rPr lang="en-US" altLang="zh-CN" dirty="0" err="1" smtClean="0"/>
-              <a:t>postMessage</a:t>
-            </a:r>
-            <a:r>
-              <a:rPr lang="zh-CN" altLang="en-US" dirty="0" smtClean="0"/>
-              <a:t>方法向其他窗口发送消息</a:t>
-            </a:r>
-            <a:endParaRPr lang="en-US" altLang="zh-CN" dirty="0" smtClean="0"/>
-          </a:p>
-          <a:p>
-            <a:pPr lvl="1"/>
-            <a:r>
-              <a:rPr lang="en-US" dirty="0" err="1" smtClean="0"/>
-              <a:t>targetWindow.postMessage</a:t>
-            </a:r>
-            <a:r>
-              <a:rPr lang="en-US" dirty="0" smtClean="0"/>
+              <a:t>db.transaction</a:t>
+            </a:r>
+            <a:r>
+              <a:rPr lang="en-US" altLang="zh-CN" dirty="0" smtClean="0"/>
+              <a:t>(fun(</a:t>
+            </a:r>
+            <a:r>
+              <a:rPr lang="en-US" altLang="zh-CN" dirty="0" err="1" smtClean="0"/>
+              <a:t>tx</a:t>
+            </a:r>
+            <a:r>
+              <a:rPr lang="en-US" altLang="zh-CN" dirty="0" smtClean="0"/>
+              <a:t>));</a:t>
+            </a:r>
+          </a:p>
+          <a:p>
+            <a:pPr lvl="2">
+              <a:buNone/>
+            </a:pPr>
+            <a:r>
+              <a:rPr lang="en-US" altLang="zh-CN" dirty="0" err="1" smtClean="0"/>
+              <a:t>tx.executeSql</a:t>
+            </a:r>
+            <a:r>
+              <a:rPr lang="en-US" altLang="zh-CN" dirty="0" smtClean="0"/>
               <a:t>(</a:t>
             </a:r>
             <a:r>
-              <a:rPr lang="en-US" dirty="0" err="1" smtClean="0"/>
-              <a:t>message,url</a:t>
-            </a:r>
-            <a:r>
-              <a:rPr lang="en-US" dirty="0" smtClean="0"/>
+              <a:rPr lang="en-US" altLang="zh-CN" dirty="0" err="1" smtClean="0"/>
+              <a:t>sqlStr</a:t>
+            </a:r>
+            <a:r>
+              <a:rPr lang="en-US" altLang="zh-CN" dirty="0" smtClean="0"/>
+              <a:t>,[],fun1,fun2)</a:t>
+            </a:r>
+          </a:p>
+          <a:p>
+            <a:pPr lvl="2">
+              <a:buNone/>
+            </a:pPr>
+            <a:r>
+              <a:rPr lang="en-US" altLang="zh-CN" dirty="0" smtClean="0"/>
+              <a:t>fun1(</a:t>
+            </a:r>
+            <a:r>
+              <a:rPr lang="en-US" altLang="zh-CN" dirty="0" err="1" smtClean="0"/>
+              <a:t>tx,results</a:t>
+            </a:r>
+            <a:r>
+              <a:rPr lang="en-US" altLang="zh-CN" dirty="0" smtClean="0"/>
               <a:t>)</a:t>
             </a:r>
-            <a:endParaRPr lang="en-US" dirty="0"/>
+          </a:p>
+          <a:p>
+            <a:pPr lvl="2">
+              <a:buNone/>
+            </a:pPr>
+            <a:r>
+              <a:rPr lang="en-US" altLang="zh-CN" dirty="0" smtClean="0"/>
+              <a:t>fun2(</a:t>
+            </a:r>
+            <a:r>
+              <a:rPr lang="en-US" altLang="zh-CN" dirty="0" err="1" smtClean="0"/>
+              <a:t>tx,error</a:t>
+            </a:r>
+            <a:r>
+              <a:rPr lang="en-US" altLang="zh-CN" dirty="0" smtClean="0"/>
+              <a:t>)</a:t>
+            </a:r>
           </a:p>
         </p:txBody>
       </p:sp>
@@ -7039,82 +7260,41 @@
             <p:ph type="title"/>
           </p:nvPr>
         </p:nvSpPr>
-        <p:spPr/>
-        <p:txBody>
-          <a:bodyPr/>
-          <a:lstStyle/>
-          <a:p>
-            <a:r>
-              <a:rPr lang="en-US" dirty="0" smtClean="0"/>
-              <a:t>Web Sockets API</a:t>
-            </a:r>
-            <a:endParaRPr lang="en-US" dirty="0"/>
-          </a:p>
-        </p:txBody>
-      </p:sp>
-      <p:sp>
-        <p:nvSpPr>
-          <p:cNvPr id="3" name="Content Placeholder 2"/>
-          <p:cNvSpPr>
-            <a:spLocks noGrp="1"/>
-          </p:cNvSpPr>
-          <p:nvPr>
-            <p:ph idx="1"/>
-          </p:nvPr>
-        </p:nvSpPr>
-        <p:spPr/>
-        <p:txBody>
-          <a:bodyPr/>
-          <a:lstStyle/>
-          <a:p>
-            <a:r>
-              <a:rPr lang="en-US" dirty="0" smtClean="0"/>
-              <a:t>Web Sockets</a:t>
-            </a:r>
-            <a:r>
-              <a:rPr lang="zh-CN" altLang="en-US" dirty="0" smtClean="0"/>
-              <a:t>是</a:t>
-            </a:r>
-            <a:r>
-              <a:rPr lang="en-US" altLang="zh-CN" dirty="0" smtClean="0"/>
-              <a:t>HTML5</a:t>
-            </a:r>
-            <a:r>
-              <a:rPr lang="zh-CN" altLang="en-US" dirty="0" smtClean="0"/>
-              <a:t>提供的在</a:t>
-            </a:r>
-            <a:r>
-              <a:rPr lang="en-US" altLang="zh-CN" dirty="0" smtClean="0"/>
-              <a:t>web</a:t>
-            </a:r>
-            <a:r>
-              <a:rPr lang="zh-CN" altLang="en-US" dirty="0" smtClean="0"/>
-              <a:t>应用程序中客户端与服务端之间进行的非</a:t>
-            </a:r>
-            <a:r>
-              <a:rPr lang="en-US" altLang="zh-CN" dirty="0" smtClean="0"/>
-              <a:t>HTTP</a:t>
-            </a:r>
-            <a:r>
-              <a:rPr lang="zh-CN" altLang="en-US" dirty="0" smtClean="0"/>
-              <a:t>的通信机制。它实现了用</a:t>
-            </a:r>
-            <a:r>
-              <a:rPr lang="en-US" altLang="zh-CN" dirty="0" smtClean="0"/>
-              <a:t>HTTP</a:t>
-            </a:r>
-            <a:r>
-              <a:rPr lang="zh-CN" altLang="en-US" dirty="0" smtClean="0"/>
-              <a:t>不容易实现的服务器端的数据推送等智能通信技术。</a:t>
-            </a:r>
-            <a:endParaRPr lang="en-US" altLang="zh-CN" dirty="0" smtClean="0"/>
-          </a:p>
-          <a:p>
-            <a:r>
-              <a:rPr lang="en-US" dirty="0" smtClean="0">
-                <a:hlinkClick r:id="rId2"/>
-              </a:rPr>
-              <a:t>http://en.wikipedia.org/wiki/WebSocket</a:t>
+        <p:spPr>
+          <a:xfrm>
+            <a:off x="457200" y="274638"/>
+            <a:ext cx="8229600" cy="6202362"/>
+          </a:xfrm>
+        </p:spPr>
+        <p:txBody>
+          <a:bodyPr/>
+          <a:lstStyle/>
+          <a:p>
+            <a:r>
+              <a:rPr lang="zh-CN" altLang="en-US" dirty="0" smtClean="0"/>
+              <a:t>第六部分</a:t>
+            </a:r>
+            <a:r>
+              <a:rPr lang="en-US" altLang="zh-CN" dirty="0" smtClean="0"/>
+              <a:t/>
+            </a:r>
+            <a:br>
+              <a:rPr lang="en-US" altLang="zh-CN" dirty="0" smtClean="0"/>
+            </a:br>
+            <a:r>
+              <a:rPr lang="en-US" altLang="zh-CN" dirty="0" smtClean="0"/>
+              <a:t/>
+            </a:r>
+            <a:br>
+              <a:rPr lang="en-US" altLang="zh-CN" dirty="0" smtClean="0"/>
+            </a:br>
+            <a:r>
+              <a:rPr lang="zh-CN" altLang="en-US" dirty="0" smtClean="0"/>
+              <a:t>通信</a:t>
+            </a:r>
+            <a:r>
+              <a:rPr lang="en-US" altLang="zh-CN" dirty="0" smtClean="0"/>
+              <a:t>API</a:t>
             </a:r>
             <a:endParaRPr lang="en-US" dirty="0"/>
           </a:p>
@@ -7154,6 +7334,29 @@
       </p:grpSpPr>
       <p:sp>
         <p:nvSpPr>
+          <p:cNvPr id="2" name="Title 1"/>
+          <p:cNvSpPr>
+            <a:spLocks noGrp="1"/>
+          </p:cNvSpPr>
+          <p:nvPr>
+            <p:ph type="title"/>
+          </p:nvPr>
+        </p:nvSpPr>
+        <p:spPr/>
+        <p:txBody>
+          <a:bodyPr/>
+          <a:lstStyle/>
+          <a:p>
+            <a:r>
+              <a:rPr lang="zh-CN" altLang="en-US" dirty="0" smtClean="0"/>
+              <a:t>跨文档消息传输</a:t>
+            </a:r>
+            <a:endParaRPr lang="en-US" dirty="0"/>
+          </a:p>
+        </p:txBody>
+      </p:sp>
+      <p:sp>
+        <p:nvSpPr>
           <p:cNvPr id="3" name="Content Placeholder 2"/>
           <p:cNvSpPr>
             <a:spLocks noGrp="1"/>
@@ -7162,135 +7365,26 @@
             <p:ph idx="1"/>
           </p:nvPr>
         </p:nvSpPr>
-        <p:spPr>
-          <a:xfrm>
-            <a:off x="457200" y="304800"/>
-            <a:ext cx="8229600" cy="5821363"/>
-          </a:xfrm>
-        </p:spPr>
-        <p:txBody>
-          <a:bodyPr/>
-          <a:lstStyle/>
-          <a:p>
-            <a:r>
-              <a:rPr lang="zh-CN" altLang="en-US" dirty="0" smtClean="0"/>
-              <a:t>发起请求与服务器建立连接</a:t>
-            </a:r>
-            <a:endParaRPr lang="en-US" altLang="zh-CN" dirty="0" smtClean="0"/>
-          </a:p>
-          <a:p>
-            <a:pPr lvl="1">
-              <a:buNone/>
-            </a:pPr>
-            <a:r>
-              <a:rPr lang="en-US" altLang="zh-CN" dirty="0" err="1" smtClean="0"/>
-              <a:t>var</a:t>
-            </a:r>
-            <a:r>
-              <a:rPr lang="en-US" altLang="zh-CN" dirty="0" smtClean="0"/>
-              <a:t> </a:t>
-            </a:r>
-            <a:r>
-              <a:rPr lang="en-US" altLang="zh-CN" dirty="0" err="1" smtClean="0"/>
-              <a:t>webSocket</a:t>
-            </a:r>
-            <a:r>
-              <a:rPr lang="en-US" altLang="zh-CN" dirty="0" smtClean="0"/>
-              <a:t>=new </a:t>
-            </a:r>
-            <a:r>
-              <a:rPr lang="en-US" altLang="zh-CN" dirty="0" err="1" smtClean="0"/>
-              <a:t>WebSocket</a:t>
-            </a:r>
-            <a:r>
-              <a:rPr lang="en-US" altLang="zh-CN" dirty="0" smtClean="0"/>
-              <a:t>(“</a:t>
-            </a:r>
-            <a:r>
-              <a:rPr lang="en-US" altLang="zh-CN" dirty="0" err="1" smtClean="0"/>
-              <a:t>ws</a:t>
-            </a:r>
-            <a:r>
-              <a:rPr lang="en-US" altLang="zh-CN" dirty="0" smtClean="0"/>
-              <a:t>://…”);</a:t>
-            </a:r>
-          </a:p>
-          <a:p>
-            <a:r>
-              <a:rPr lang="zh-CN" altLang="en-US" dirty="0" smtClean="0"/>
-              <a:t>与服务器握手</a:t>
-            </a:r>
-            <a:endParaRPr lang="en-US" altLang="zh-CN" dirty="0" smtClean="0"/>
-          </a:p>
-          <a:p>
-            <a:pPr lvl="1">
-              <a:buNone/>
-            </a:pPr>
-            <a:r>
-              <a:rPr lang="zh-CN" altLang="en-US" dirty="0" smtClean="0"/>
-              <a:t>服务器解析</a:t>
-            </a:r>
-            <a:r>
-              <a:rPr lang="zh-CN" altLang="en-US" dirty="0" smtClean="0"/>
-              <a:t>并建立连接，通知客户端</a:t>
-            </a:r>
-            <a:endParaRPr lang="en-US" altLang="zh-CN" dirty="0" smtClean="0"/>
-          </a:p>
-          <a:p>
-            <a:pPr lvl="1">
-              <a:buNone/>
-            </a:pPr>
-            <a:r>
-              <a:rPr lang="en-US" altLang="zh-CN" dirty="0" err="1" smtClean="0"/>
-              <a:t>webSocket.onopen</a:t>
-            </a:r>
-            <a:r>
-              <a:rPr lang="en-US" altLang="zh-CN" dirty="0" smtClean="0"/>
-              <a:t>()</a:t>
-            </a:r>
-          </a:p>
-          <a:p>
-            <a:r>
-              <a:rPr lang="zh-CN" altLang="en-US" dirty="0" smtClean="0"/>
-              <a:t>互</a:t>
-            </a:r>
-            <a:r>
-              <a:rPr lang="zh-CN" altLang="en-US" dirty="0" smtClean="0"/>
-              <a:t>相通信</a:t>
-            </a:r>
-            <a:endParaRPr lang="en-US" altLang="zh-CN" dirty="0" smtClean="0"/>
-          </a:p>
-          <a:p>
-            <a:pPr lvl="1">
-              <a:buNone/>
-            </a:pPr>
-            <a:r>
-              <a:rPr lang="en-US" altLang="zh-CN" dirty="0" err="1" smtClean="0"/>
-              <a:t>webSocket.send</a:t>
-            </a:r>
-            <a:r>
-              <a:rPr lang="en-US" altLang="zh-CN" dirty="0" smtClean="0"/>
-              <a:t>()</a:t>
-            </a:r>
-          </a:p>
-          <a:p>
-            <a:r>
-              <a:rPr lang="zh-CN" altLang="en-US" dirty="0" smtClean="0"/>
-              <a:t>任何一方关闭连接，切断通信</a:t>
-            </a:r>
-            <a:endParaRPr lang="en-US" altLang="zh-CN" dirty="0" smtClean="0"/>
-          </a:p>
-          <a:p>
-            <a:pPr lvl="1">
-              <a:buNone/>
-            </a:pPr>
-            <a:r>
-              <a:rPr lang="en-US" dirty="0" err="1" smtClean="0"/>
-              <a:t>webSocket.close</a:t>
-            </a:r>
+        <p:spPr/>
+        <p:txBody>
+          <a:bodyPr/>
+          <a:lstStyle/>
+          <a:p>
             <a:r>
               <a:rPr lang="en-US" dirty="0" smtClean="0"/>
-              <a:t>()</a:t>
+              <a:t>HTML5</a:t>
+            </a:r>
+            <a:r>
+              <a:rPr lang="zh-CN" altLang="en-US" dirty="0" smtClean="0"/>
+              <a:t>提供了在网页文档之间互相接受与发送信息的功能。使用这个功能，只要获取到网页所在窗口对象的实例，不仅同源的</a:t>
+            </a:r>
+            <a:r>
+              <a:rPr lang="en-US" altLang="zh-CN" dirty="0" smtClean="0"/>
+              <a:t>Web</a:t>
+            </a:r>
+            <a:r>
+              <a:rPr lang="zh-CN" altLang="en-US" dirty="0" smtClean="0"/>
+              <a:t>网页之间可以互相通信，甚至可以实现跨域通信。</a:t>
             </a:r>
             <a:endParaRPr lang="en-US" dirty="0"/>
           </a:p>
@@ -7338,37 +7432,107 @@
             <p:ph type="title"/>
           </p:nvPr>
         </p:nvSpPr>
-        <p:spPr>
-          <a:xfrm>
-            <a:off x="457200" y="274638"/>
-            <a:ext cx="8229600" cy="6126162"/>
-          </a:xfrm>
-        </p:spPr>
-        <p:txBody>
-          <a:bodyPr/>
-          <a:lstStyle/>
-          <a:p>
-            <a:r>
-              <a:rPr lang="zh-CN" altLang="en-US" dirty="0" smtClean="0"/>
-              <a:t>第七部分</a:t>
-            </a:r>
-            <a:r>
-              <a:rPr lang="en-US" altLang="zh-CN" dirty="0" smtClean="0"/>
-              <a:t/>
-            </a:r>
-            <a:br>
-              <a:rPr lang="en-US" altLang="zh-CN" dirty="0" smtClean="0"/>
-            </a:br>
-            <a:r>
-              <a:rPr lang="en-US" altLang="zh-CN" dirty="0" smtClean="0"/>
-              <a:t/>
-            </a:r>
-            <a:br>
-              <a:rPr lang="en-US" altLang="zh-CN" dirty="0" smtClean="0"/>
-            </a:br>
-            <a:r>
-              <a:rPr lang="en-US" altLang="zh-CN" dirty="0" smtClean="0"/>
-              <a:t>Web Workers</a:t>
+        <p:spPr/>
+        <p:txBody>
+          <a:bodyPr/>
+          <a:lstStyle/>
+          <a:p>
+            <a:r>
+              <a:rPr lang="zh-CN" altLang="en-US" dirty="0" smtClean="0"/>
+              <a:t>主要方法</a:t>
+            </a:r>
+            <a:endParaRPr lang="en-US" dirty="0"/>
+          </a:p>
+        </p:txBody>
+      </p:sp>
+      <p:sp>
+        <p:nvSpPr>
+          <p:cNvPr id="3" name="Content Placeholder 2"/>
+          <p:cNvSpPr>
+            <a:spLocks noGrp="1"/>
+          </p:cNvSpPr>
+          <p:nvPr>
+            <p:ph idx="1"/>
+          </p:nvPr>
+        </p:nvSpPr>
+        <p:spPr/>
+        <p:txBody>
+          <a:bodyPr/>
+          <a:lstStyle/>
+          <a:p>
+            <a:r>
+              <a:rPr lang="zh-CN" altLang="en-US" dirty="0" smtClean="0"/>
+              <a:t>接受从其他窗口发过来的消息，需要对窗口对象的</a:t>
+            </a:r>
+            <a:r>
+              <a:rPr lang="en-US" altLang="zh-CN" dirty="0" smtClean="0"/>
+              <a:t>message</a:t>
+            </a:r>
+            <a:r>
+              <a:rPr lang="zh-CN" altLang="en-US" dirty="0" smtClean="0"/>
+              <a:t>事件进行监听</a:t>
+            </a:r>
+            <a:endParaRPr lang="en-US" altLang="zh-CN" dirty="0" smtClean="0"/>
+          </a:p>
+          <a:p>
+            <a:pPr lvl="1"/>
+            <a:r>
+              <a:rPr lang="en-US" altLang="zh-CN" dirty="0" err="1" smtClean="0"/>
+              <a:t>Window.addEventListener</a:t>
+            </a:r>
+            <a:r>
+              <a:rPr lang="en-US" altLang="zh-CN" dirty="0" smtClean="0"/>
+              <a:t>(‘</a:t>
+            </a:r>
+            <a:r>
+              <a:rPr lang="en-US" altLang="zh-CN" dirty="0" err="1" smtClean="0"/>
+              <a:t>message’,fun,bool</a:t>
+            </a:r>
+            <a:r>
+              <a:rPr lang="en-US" altLang="zh-CN" dirty="0" smtClean="0"/>
+              <a:t>)</a:t>
+            </a:r>
+          </a:p>
+          <a:p>
+            <a:r>
+              <a:rPr lang="zh-CN" altLang="en-US" dirty="0" smtClean="0"/>
+              <a:t>使用</a:t>
+            </a:r>
+            <a:r>
+              <a:rPr lang="en-US" altLang="zh-CN" dirty="0" smtClean="0"/>
+              <a:t>window</a:t>
+            </a:r>
+            <a:r>
+              <a:rPr lang="zh-CN" altLang="en-US" dirty="0" smtClean="0"/>
+              <a:t>对象的</a:t>
+            </a:r>
+            <a:r>
+              <a:rPr lang="en-US" altLang="zh-CN" dirty="0" err="1" smtClean="0"/>
+              <a:t>postMessage</a:t>
+            </a:r>
+            <a:r>
+              <a:rPr lang="zh-CN" altLang="en-US" dirty="0" smtClean="0"/>
+              <a:t>方法向其他窗口发送消息</a:t>
+            </a:r>
+            <a:endParaRPr lang="en-US" altLang="zh-CN" dirty="0" smtClean="0"/>
+          </a:p>
+          <a:p>
+            <a:pPr lvl="1"/>
+            <a:r>
+              <a:rPr lang="en-US" dirty="0" err="1" smtClean="0"/>
+              <a:t>targetWindow.postMessage</a:t>
+            </a:r>
+            <a:r>
+              <a:rPr lang="en-US" dirty="0" smtClean="0"/>
+              <a:t>(</a:t>
+            </a:r>
+            <a:r>
+              <a:rPr lang="en-US" dirty="0" err="1" smtClean="0"/>
+              <a:t>message,url</a:t>
+            </a:r>
+            <a:r>
+              <a:rPr lang="en-US" dirty="0" smtClean="0"/>
+              <a:t>)</a:t>
             </a:r>
             <a:endParaRPr lang="en-US" dirty="0"/>
           </a:p>
@@ -7408,6 +7572,29 @@
       </p:grpSpPr>
       <p:sp>
         <p:nvSpPr>
+          <p:cNvPr id="2" name="Title 1"/>
+          <p:cNvSpPr>
+            <a:spLocks noGrp="1"/>
+          </p:cNvSpPr>
+          <p:nvPr>
+            <p:ph type="title"/>
+          </p:nvPr>
+        </p:nvSpPr>
+        <p:spPr/>
+        <p:txBody>
+          <a:bodyPr/>
+          <a:lstStyle/>
+          <a:p>
+            <a:r>
+              <a:rPr lang="en-US" dirty="0" smtClean="0"/>
+              <a:t>Web Sockets API</a:t>
+            </a:r>
+            <a:endParaRPr lang="en-US" dirty="0"/>
+          </a:p>
+        </p:txBody>
+      </p:sp>
+      <p:sp>
+        <p:nvSpPr>
           <p:cNvPr id="3" name="Content Placeholder 2"/>
           <p:cNvSpPr>
             <a:spLocks noGrp="1"/>
@@ -7416,123 +7603,59 @@
             <p:ph idx="1"/>
           </p:nvPr>
         </p:nvSpPr>
-        <p:spPr>
-          <a:xfrm>
-            <a:off x="457200" y="304800"/>
-            <a:ext cx="8229600" cy="5821363"/>
-          </a:xfrm>
-        </p:spPr>
-        <p:txBody>
-          <a:bodyPr>
-            <a:normAutofit fontScale="92500" lnSpcReduction="10000"/>
-          </a:bodyPr>
-          <a:lstStyle/>
-          <a:p>
-            <a:r>
-              <a:rPr lang="zh-CN" altLang="en-US" dirty="0" smtClean="0"/>
-              <a:t>通</a:t>
-            </a:r>
-            <a:r>
-              <a:rPr lang="zh-CN" altLang="en-US" dirty="0" smtClean="0"/>
-              <a:t>过</a:t>
-            </a:r>
-            <a:r>
-              <a:rPr lang="en-US" altLang="zh-CN" dirty="0" smtClean="0"/>
-              <a:t>Web Workers</a:t>
-            </a:r>
-            <a:r>
-              <a:rPr lang="zh-CN" altLang="en-US" dirty="0" smtClean="0"/>
-              <a:t>，你将可以创建一个不会影响前台处理的后台线程，并且在这个后台线程中创建多个子线程</a:t>
+        <p:spPr/>
+        <p:txBody>
+          <a:bodyPr/>
+          <a:lstStyle/>
+          <a:p>
+            <a:r>
+              <a:rPr lang="en-US" dirty="0" smtClean="0"/>
+              <a:t>Web Sockets</a:t>
+            </a:r>
+            <a:r>
+              <a:rPr lang="zh-CN" altLang="en-US" dirty="0" smtClean="0"/>
+              <a:t>是</a:t>
+            </a:r>
+            <a:r>
+              <a:rPr lang="en-US" altLang="zh-CN" dirty="0" smtClean="0"/>
+              <a:t>HTML5</a:t>
+            </a:r>
+            <a:r>
+              <a:rPr lang="zh-CN" altLang="en-US" dirty="0" smtClean="0"/>
+              <a:t>提供的在</a:t>
+            </a:r>
+            <a:r>
+              <a:rPr lang="en-US" altLang="zh-CN" dirty="0" smtClean="0"/>
+              <a:t>web</a:t>
+            </a:r>
+            <a:r>
+              <a:rPr lang="zh-CN" altLang="en-US" dirty="0" smtClean="0"/>
+              <a:t>应用程序中客户端与服务端之间进行的非</a:t>
+            </a:r>
+            <a:r>
+              <a:rPr lang="en-US" altLang="zh-CN" dirty="0" smtClean="0"/>
+              <a:t>HTTP</a:t>
+            </a:r>
+            <a:r>
+              <a:rPr lang="zh-CN" altLang="en-US" dirty="0" smtClean="0"/>
+              <a:t>的通信机制。它实现了用</a:t>
+            </a:r>
+            <a:r>
+              <a:rPr lang="en-US" altLang="zh-CN" dirty="0" smtClean="0"/>
+              <a:t>HTTP</a:t>
+            </a:r>
+            <a:r>
+              <a:rPr lang="zh-CN" altLang="en-US" dirty="0" smtClean="0"/>
+              <a:t>不容易实现的服务器端的数据推送等智能通信技术。</a:t>
             </a:r>
             <a:endParaRPr lang="en-US" altLang="zh-CN" dirty="0" smtClean="0"/>
           </a:p>
           <a:p>
             <a:r>
-              <a:rPr lang="zh-CN" altLang="en-US" dirty="0" smtClean="0"/>
-              <a:t>将复杂的耗时较长的计算处理交给后台线程去运行</a:t>
-            </a:r>
-            <a:endParaRPr lang="en-US" altLang="zh-CN" dirty="0" smtClean="0"/>
-          </a:p>
-          <a:p>
-            <a:r>
-              <a:rPr lang="zh-CN" altLang="en-US" dirty="0" smtClean="0"/>
-              <a:t>创建线程</a:t>
-            </a:r>
-            <a:endParaRPr lang="en-US" altLang="zh-CN" dirty="0" smtClean="0"/>
-          </a:p>
-          <a:p>
-            <a:pPr lvl="1"/>
-            <a:r>
-              <a:rPr lang="en-US" altLang="zh-CN" dirty="0" err="1" smtClean="0"/>
-              <a:t>var</a:t>
-            </a:r>
-            <a:r>
-              <a:rPr lang="en-US" altLang="zh-CN" dirty="0" smtClean="0"/>
-              <a:t> worker=new Worker(“xxx.js”);</a:t>
-            </a:r>
-          </a:p>
-          <a:p>
-            <a:r>
-              <a:rPr lang="zh-CN" altLang="en-US" dirty="0" smtClean="0"/>
-              <a:t>接</a:t>
-            </a:r>
-            <a:r>
-              <a:rPr lang="zh-CN" altLang="en-US" dirty="0" smtClean="0"/>
-              <a:t>受数据</a:t>
-            </a:r>
-            <a:endParaRPr lang="en-US" altLang="zh-CN" dirty="0" smtClean="0"/>
-          </a:p>
-          <a:p>
-            <a:pPr lvl="1"/>
-            <a:r>
-              <a:rPr lang="en-US" altLang="zh-CN" dirty="0" err="1" smtClean="0"/>
-              <a:t>w</a:t>
-            </a:r>
-            <a:r>
-              <a:rPr lang="en-US" altLang="zh-CN" dirty="0" err="1" smtClean="0"/>
-              <a:t>orker.onmessage</a:t>
-            </a:r>
-            <a:r>
-              <a:rPr lang="en-US" altLang="zh-CN" dirty="0" smtClean="0"/>
-              <a:t>=fun(event);</a:t>
-            </a:r>
-          </a:p>
-          <a:p>
-            <a:pPr lvl="1"/>
-            <a:r>
-              <a:rPr lang="en-US" altLang="zh-CN" dirty="0" err="1" smtClean="0"/>
-              <a:t>e</a:t>
-            </a:r>
-            <a:r>
-              <a:rPr lang="en-US" altLang="zh-CN" dirty="0" err="1" smtClean="0"/>
-              <a:t>vent.data</a:t>
-            </a:r>
-            <a:endParaRPr lang="en-US" altLang="zh-CN" dirty="0" smtClean="0"/>
-          </a:p>
-          <a:p>
-            <a:r>
-              <a:rPr lang="zh-CN" altLang="en-US" dirty="0" smtClean="0"/>
-              <a:t>发</a:t>
-            </a:r>
-            <a:r>
-              <a:rPr lang="zh-CN" altLang="en-US" dirty="0" smtClean="0"/>
-              <a:t>送数据</a:t>
-            </a:r>
-            <a:endParaRPr lang="en-US" altLang="zh-CN" dirty="0" smtClean="0"/>
-          </a:p>
-          <a:p>
-            <a:pPr lvl="1"/>
-            <a:r>
-              <a:rPr lang="en-US" dirty="0" err="1" smtClean="0"/>
-              <a:t>w</a:t>
-            </a:r>
-            <a:r>
-              <a:rPr lang="en-US" dirty="0" err="1" smtClean="0"/>
-              <a:t>order.postMessage</a:t>
-            </a:r>
-            <a:r>
-              <a:rPr lang="en-US" dirty="0" smtClean="0"/>
-              <a:t>(data)</a:t>
+              <a:rPr lang="en-US" dirty="0" smtClean="0">
+                <a:hlinkClick r:id="rId2"/>
+              </a:rPr>
+              <a:t>http://en.wikipedia.org/wiki/WebSocket</a:t>
             </a:r>
             <a:endParaRPr lang="en-US" dirty="0"/>
           </a:p>
@@ -7587,7 +7710,7 @@
           <a:p>
             <a:r>
               <a:rPr lang="zh-CN" altLang="en-US" dirty="0" smtClean="0"/>
-              <a:t>探讨以下新元素及其特性</a:t>
+              <a:t>各种浏览器支持情况</a:t>
             </a:r>
             <a:endParaRPr lang="en-US" dirty="0"/>
           </a:p>
@@ -7605,122 +7728,14 @@
         </p:nvSpPr>
         <p:spPr/>
         <p:txBody>
-          <a:bodyPr>
-            <a:normAutofit fontScale="92500" lnSpcReduction="20000"/>
-          </a:bodyPr>
-          <a:lstStyle/>
-          <a:p>
-            <a:r>
-              <a:rPr lang="en-US" dirty="0" smtClean="0"/>
-              <a:t>&lt;header&gt;</a:t>
-            </a:r>
-            <a:r>
-              <a:rPr lang="zh-CN" altLang="en-US" dirty="0"/>
-              <a:t>定</a:t>
-            </a:r>
-            <a:r>
-              <a:rPr lang="zh-CN" altLang="en-US" dirty="0" smtClean="0"/>
-              <a:t>义页面或区段的头部</a:t>
-            </a:r>
-            <a:endParaRPr lang="en-US" altLang="zh-CN" dirty="0" smtClean="0"/>
-          </a:p>
-          <a:p>
-            <a:r>
-              <a:rPr lang="en-US" dirty="0" smtClean="0"/>
-              <a:t>&lt;footer&gt;</a:t>
-            </a:r>
-            <a:r>
-              <a:rPr lang="zh-CN" altLang="en-US" dirty="0" smtClean="0"/>
-              <a:t>定义页面或区段的尾部</a:t>
-            </a:r>
-            <a:endParaRPr lang="en-US" altLang="zh-CN" dirty="0" smtClean="0"/>
-          </a:p>
-          <a:p>
-            <a:r>
-              <a:rPr lang="en-US" dirty="0" smtClean="0"/>
-              <a:t>&lt;</a:t>
-            </a:r>
-            <a:r>
-              <a:rPr lang="en-US" dirty="0" err="1" smtClean="0"/>
-              <a:t>nav</a:t>
-            </a:r>
-            <a:r>
-              <a:rPr lang="en-US" dirty="0" smtClean="0"/>
-              <a:t>&gt;</a:t>
-            </a:r>
-            <a:r>
-              <a:rPr lang="zh-CN" altLang="en-US" dirty="0" smtClean="0"/>
-              <a:t>定义页面或区段的导航区域</a:t>
-            </a:r>
-            <a:endParaRPr lang="en-US" altLang="zh-CN" dirty="0" smtClean="0"/>
-          </a:p>
-          <a:p>
-            <a:r>
-              <a:rPr lang="en-US" dirty="0" smtClean="0"/>
-              <a:t>&lt;section&gt;</a:t>
-            </a:r>
-            <a:r>
-              <a:rPr lang="zh-CN" altLang="en-US" dirty="0" smtClean="0"/>
-              <a:t>定义页面的逻辑区域或内容组合</a:t>
-            </a:r>
-            <a:endParaRPr lang="en-US" altLang="zh-CN" dirty="0" smtClean="0"/>
-          </a:p>
-          <a:p>
-            <a:r>
-              <a:rPr lang="en-US" dirty="0" smtClean="0"/>
-              <a:t>&lt;article&gt;</a:t>
-            </a:r>
-            <a:r>
-              <a:rPr lang="zh-CN" altLang="en-US" dirty="0" smtClean="0"/>
-              <a:t>定义正文或一篇完整的内容</a:t>
-            </a:r>
-            <a:endParaRPr lang="en-US" altLang="zh-CN" dirty="0" smtClean="0"/>
-          </a:p>
-          <a:p>
-            <a:r>
-              <a:rPr lang="en-US" dirty="0" smtClean="0"/>
-              <a:t>&lt;aside&gt;</a:t>
-            </a:r>
-            <a:r>
-              <a:rPr lang="zh-CN" altLang="en-US" dirty="0" smtClean="0"/>
-              <a:t>定义补充或相关内容</a:t>
-            </a:r>
-            <a:endParaRPr lang="en-US" altLang="zh-CN" dirty="0" smtClean="0"/>
-          </a:p>
-          <a:p>
-            <a:r>
-              <a:rPr lang="zh-CN" altLang="en-US" dirty="0"/>
-              <a:t>自定</a:t>
-            </a:r>
-            <a:r>
-              <a:rPr lang="zh-CN" altLang="en-US" dirty="0" smtClean="0"/>
-              <a:t>义数据属性</a:t>
-            </a:r>
-            <a:endParaRPr lang="en-US" altLang="zh-CN" dirty="0" smtClean="0"/>
-          </a:p>
-          <a:p>
-            <a:r>
-              <a:rPr lang="en-US" dirty="0" smtClean="0"/>
-              <a:t>&lt;meter&gt;</a:t>
-            </a:r>
-            <a:r>
-              <a:rPr lang="zh-CN" altLang="en-US" dirty="0" smtClean="0"/>
-              <a:t>描述指定范围内的数值</a:t>
-            </a:r>
-            <a:endParaRPr lang="en-US" altLang="zh-CN" dirty="0" smtClean="0"/>
-          </a:p>
-          <a:p>
-            <a:r>
-              <a:rPr lang="en-US" dirty="0" smtClean="0"/>
-              <a:t>&lt;progress&gt;</a:t>
-            </a:r>
-            <a:r>
-              <a:rPr lang="zh-CN" altLang="en-US" dirty="0" smtClean="0"/>
-              <a:t>用于显示实时进度的控件</a:t>
-            </a:r>
-            <a:r>
-              <a:rPr lang="en-US" altLang="zh-CN" dirty="0" smtClean="0"/>
-              <a:t>	</a:t>
+          <a:bodyPr/>
+          <a:lstStyle/>
+          <a:p>
+            <a:r>
+              <a:rPr lang="en-US" dirty="0" smtClean="0">
+                <a:hlinkClick r:id="rId2"/>
+              </a:rPr>
+              <a:t>http://html5readiness.com/</a:t>
             </a:r>
             <a:endParaRPr lang="en-US" dirty="0"/>
           </a:p>
@@ -7731,13 +7746,6 @@
   <p:clrMapOvr>
     <a:masterClrMapping/>
   </p:clrMapOvr>
-  <p:timing>
-    <p:tnLst>
-      <p:par>
-        <p:cTn id="1" dur="indefinite" restart="never" nodeType="tmRoot"/>
-      </p:par>
-    </p:tnLst>
-  </p:timing>
 </p:sld>
 </file>
 
@@ -7770,143 +7778,127 @@
         </p:nvSpPr>
         <p:spPr>
           <a:xfrm>
-            <a:off x="457200" y="228600"/>
-            <a:ext cx="8229600" cy="5897563"/>
+            <a:off x="457200" y="304800"/>
+            <a:ext cx="8229600" cy="5821363"/>
           </a:xfrm>
         </p:spPr>
         <p:txBody>
-          <a:bodyPr>
-            <a:normAutofit lnSpcReduction="10000"/>
-          </a:bodyPr>
-          <a:lstStyle/>
-          <a:p>
-            <a:r>
-              <a:rPr lang="zh-CN" altLang="en-US" dirty="0" smtClean="0"/>
-              <a:t>线</a:t>
-            </a:r>
-            <a:r>
-              <a:rPr lang="zh-CN" altLang="en-US" dirty="0" smtClean="0"/>
-              <a:t>程可以嵌套使用</a:t>
+          <a:bodyPr/>
+          <a:lstStyle/>
+          <a:p>
+            <a:r>
+              <a:rPr lang="zh-CN" altLang="en-US" dirty="0" smtClean="0"/>
+              <a:t>发起请求与服务器建立连接</a:t>
             </a:r>
             <a:endParaRPr lang="en-US" altLang="zh-CN" dirty="0" smtClean="0"/>
           </a:p>
           <a:p>
-            <a:r>
-              <a:rPr lang="zh-CN" altLang="en-US" dirty="0" smtClean="0"/>
-              <a:t>后</a:t>
-            </a:r>
-            <a:r>
-              <a:rPr lang="zh-CN" altLang="en-US" dirty="0" smtClean="0"/>
-              <a:t>台线程不能访问页面或窗口对象</a:t>
+            <a:pPr lvl="1">
+              <a:buNone/>
+            </a:pPr>
+            <a:r>
+              <a:rPr lang="en-US" altLang="zh-CN" dirty="0" err="1" smtClean="0"/>
+              <a:t>var</a:t>
+            </a:r>
+            <a:r>
+              <a:rPr lang="en-US" altLang="zh-CN" dirty="0" smtClean="0"/>
+              <a:t> </a:t>
+            </a:r>
+            <a:r>
+              <a:rPr lang="en-US" altLang="zh-CN" dirty="0" err="1" smtClean="0"/>
+              <a:t>webSocket</a:t>
+            </a:r>
+            <a:r>
+              <a:rPr lang="en-US" altLang="zh-CN" dirty="0" smtClean="0"/>
+              <a:t>=new </a:t>
+            </a:r>
+            <a:r>
+              <a:rPr lang="en-US" altLang="zh-CN" dirty="0" err="1" smtClean="0"/>
+              <a:t>WebSocket</a:t>
+            </a:r>
+            <a:r>
+              <a:rPr lang="en-US" altLang="zh-CN" dirty="0" smtClean="0"/>
+              <a:t>(“</a:t>
+            </a:r>
+            <a:r>
+              <a:rPr lang="en-US" altLang="zh-CN" dirty="0" err="1" smtClean="0"/>
+              <a:t>ws</a:t>
+            </a:r>
+            <a:r>
+              <a:rPr lang="en-US" altLang="zh-CN" dirty="0" smtClean="0"/>
+              <a:t>://…”);</a:t>
+            </a:r>
+          </a:p>
+          <a:p>
+            <a:r>
+              <a:rPr lang="zh-CN" altLang="en-US" dirty="0" smtClean="0"/>
+              <a:t>与服务器握手</a:t>
             </a:r>
             <a:endParaRPr lang="en-US" altLang="zh-CN" dirty="0" smtClean="0"/>
           </a:p>
           <a:p>
-            <a:pPr lvl="1"/>
+            <a:pPr lvl="1">
+              <a:buNone/>
+            </a:pPr>
+            <a:r>
+              <a:rPr lang="zh-CN" altLang="en-US" dirty="0" smtClean="0"/>
+              <a:t>服务器解析并建立连接，通知客户端</a:t>
+            </a:r>
+            <a:endParaRPr lang="en-US" altLang="zh-CN" dirty="0" smtClean="0"/>
+          </a:p>
+          <a:p>
+            <a:pPr lvl="1">
+              <a:buNone/>
+            </a:pPr>
             <a:r>
               <a:rPr lang="en-US" altLang="zh-CN" dirty="0" err="1" smtClean="0"/>
-              <a:t>Window,document</a:t>
-            </a:r>
-            <a:r>
-              <a:rPr lang="en-US" altLang="zh-CN" dirty="0" smtClean="0"/>
-              <a:t>…</a:t>
-            </a:r>
-          </a:p>
-          <a:p>
-            <a:r>
-              <a:rPr lang="zh-CN" altLang="en-US" dirty="0" smtClean="0"/>
-              <a:t>后</a:t>
-            </a:r>
-            <a:r>
-              <a:rPr lang="zh-CN" altLang="en-US" dirty="0" smtClean="0"/>
-              <a:t>台线程导入</a:t>
-            </a:r>
+              <a:t>webSocket.onopen</a:t>
+            </a:r>
+            <a:r>
+              <a:rPr lang="en-US" altLang="zh-CN" dirty="0" smtClean="0"/>
+              <a:t>()</a:t>
+            </a:r>
+          </a:p>
+          <a:p>
+            <a:r>
+              <a:rPr lang="zh-CN" altLang="en-US" dirty="0" smtClean="0"/>
+              <a:t>互相通信</a:t>
+            </a:r>
+            <a:endParaRPr lang="en-US" altLang="zh-CN" dirty="0" smtClean="0"/>
+          </a:p>
+          <a:p>
+            <a:pPr lvl="1">
+              <a:buNone/>
+            </a:pPr>
             <a:r>
               <a:rPr lang="en-US" altLang="zh-CN" dirty="0" err="1" smtClean="0"/>
-              <a:t>js</a:t>
+              <a:t>webSocket.send</a:t>
+            </a:r>
+            <a:r>
+              <a:rPr lang="en-US" altLang="zh-CN" dirty="0" smtClean="0"/>
+              <a:t>()</a:t>
+            </a:r>
+          </a:p>
+          <a:p>
+            <a:r>
+              <a:rPr lang="zh-CN" altLang="en-US" dirty="0" smtClean="0"/>
+              <a:t>任何一方关闭连接，切断通信</a:t>
             </a:r>
             <a:endParaRPr lang="en-US" altLang="zh-CN" dirty="0" smtClean="0"/>
           </a:p>
           <a:p>
-            <a:pPr lvl="1"/>
-            <a:r>
-              <a:rPr lang="en-US" altLang="zh-CN" dirty="0" err="1" smtClean="0"/>
-              <a:t>importScripts</a:t>
-            </a:r>
-            <a:r>
-              <a:rPr lang="en-US" altLang="zh-CN" dirty="0" smtClean="0"/>
-              <a:t>(</a:t>
-            </a:r>
-            <a:r>
-              <a:rPr lang="en-US" altLang="zh-CN" dirty="0" err="1" smtClean="0"/>
-              <a:t>js_url</a:t>
-            </a:r>
-            <a:r>
-              <a:rPr lang="en-US" altLang="zh-CN" dirty="0" smtClean="0"/>
-              <a:t>)</a:t>
-            </a:r>
-          </a:p>
-          <a:p>
-            <a:r>
-              <a:rPr lang="zh-CN" altLang="en-US" dirty="0" smtClean="0"/>
-              <a:t>线</a:t>
-            </a:r>
-            <a:r>
-              <a:rPr lang="zh-CN" altLang="en-US" dirty="0" smtClean="0"/>
-              <a:t>程中可用的对象</a:t>
-            </a:r>
-            <a:endParaRPr lang="en-US" altLang="zh-CN" dirty="0" smtClean="0"/>
-          </a:p>
-          <a:p>
-            <a:pPr lvl="1"/>
-            <a:r>
-              <a:rPr lang="en-US" altLang="zh-CN" dirty="0" err="1" smtClean="0"/>
-              <a:t>sessionStorage</a:t>
-            </a:r>
-            <a:endParaRPr lang="en-US" altLang="zh-CN" dirty="0" smtClean="0"/>
-          </a:p>
-          <a:p>
-            <a:pPr lvl="1"/>
-            <a:r>
-              <a:rPr lang="en-US" altLang="zh-CN" dirty="0" err="1" smtClean="0"/>
-              <a:t>localStorage</a:t>
-            </a:r>
-            <a:endParaRPr lang="en-US" altLang="zh-CN" dirty="0" smtClean="0"/>
-          </a:p>
-          <a:p>
-            <a:pPr lvl="1"/>
-            <a:r>
-              <a:rPr lang="en-US" altLang="zh-CN" dirty="0" err="1" smtClean="0"/>
-              <a:t>XMLHttpRequest</a:t>
-            </a:r>
-            <a:endParaRPr lang="en-US" altLang="zh-CN" dirty="0" smtClean="0"/>
-          </a:p>
-          <a:p>
-            <a:pPr lvl="1"/>
-            <a:r>
-              <a:rPr lang="en-US" altLang="zh-CN" dirty="0" err="1" smtClean="0"/>
-              <a:t>setTimeout</a:t>
-            </a:r>
-            <a:r>
-              <a:rPr lang="en-US" altLang="zh-CN" dirty="0" smtClean="0"/>
-              <a:t>()/</a:t>
-            </a:r>
-            <a:r>
-              <a:rPr lang="en-US" altLang="zh-CN" dirty="0" err="1" smtClean="0"/>
-              <a:t>setInterval</a:t>
-            </a:r>
-            <a:r>
-              <a:rPr lang="en-US" altLang="zh-CN" dirty="0" smtClean="0"/>
+            <a:pPr lvl="1">
+              <a:buNone/>
+            </a:pPr>
+            <a:r>
+              <a:rPr lang="en-US" dirty="0" err="1" smtClean="0"/>
+              <a:t>webSocket.close</a:t>
+            </a:r>
+            <a:r>
+              <a:rPr lang="en-US" dirty="0" smtClean="0"/>
               <a:t>()</a:t>
             </a:r>
-          </a:p>
-          <a:p>
-            <a:pPr lvl="1"/>
-            <a:r>
-              <a:rPr lang="en-US" altLang="zh-CN" dirty="0" err="1" smtClean="0"/>
-              <a:t>WebSockets</a:t>
-            </a:r>
-            <a:endParaRPr lang="en-US" altLang="zh-CN" dirty="0" smtClean="0"/>
+            <a:endParaRPr lang="en-US" dirty="0"/>
           </a:p>
         </p:txBody>
       </p:sp>
@@ -7955,7 +7947,7 @@
         <p:spPr>
           <a:xfrm>
             <a:off x="457200" y="274638"/>
-            <a:ext cx="8229600" cy="6354762"/>
+            <a:ext cx="8229600" cy="6126162"/>
           </a:xfrm>
         </p:spPr>
         <p:txBody>
@@ -7964,7 +7956,7 @@
           <a:p>
             <a:r>
               <a:rPr lang="zh-CN" altLang="en-US" dirty="0" smtClean="0"/>
-              <a:t>第八部分</a:t>
+              <a:t>第七部分</a:t>
             </a:r>
             <a:r>
               <a:rPr lang="en-US" altLang="zh-CN" dirty="0" smtClean="0"/>
@@ -7980,6 +7972,10 @@
             <a:br>
               <a:rPr lang="en-US" altLang="zh-CN" dirty="0" smtClean="0"/>
             </a:br>
+            <a:r>
+              <a:rPr lang="en-US" altLang="zh-CN" dirty="0" smtClean="0"/>
+              <a:t>Web Workers</a:t>
+            </a:r>
             <a:endParaRPr lang="en-US" dirty="0"/>
           </a:p>
         </p:txBody>
@@ -8018,41 +8014,6 @@
       </p:grpSpPr>
       <p:sp>
         <p:nvSpPr>
-          <p:cNvPr id="2" name="Title 1"/>
-          <p:cNvSpPr>
-            <a:spLocks noGrp="1"/>
-          </p:cNvSpPr>
-          <p:nvPr>
-            <p:ph type="title"/>
-          </p:nvPr>
-        </p:nvSpPr>
-        <p:spPr/>
-        <p:txBody>
-          <a:bodyPr/>
-          <a:lstStyle/>
-          <a:p>
-            <a:r>
-              <a:rPr lang="zh-CN" altLang="en-US" b="1" dirty="0" smtClean="0"/>
-              <a:t>拖放（</a:t>
-            </a:r>
-            <a:r>
-              <a:rPr lang="en-US" b="1" dirty="0" smtClean="0"/>
-              <a:t>Drag </a:t>
-            </a:r>
-            <a:r>
-              <a:rPr lang="zh-CN" altLang="en-US" b="1" dirty="0" smtClean="0"/>
-              <a:t>和 </a:t>
-            </a:r>
-            <a:r>
-              <a:rPr lang="en-US" b="1" dirty="0" smtClean="0"/>
-              <a:t>drop）</a:t>
-            </a:r>
-            <a:endParaRPr lang="en-US" dirty="0"/>
-          </a:p>
-        </p:txBody>
-      </p:sp>
-      <p:sp>
-        <p:nvSpPr>
           <p:cNvPr id="3" name="Content Placeholder 2"/>
           <p:cNvSpPr>
             <a:spLocks noGrp="1"/>
@@ -8061,31 +8022,100 @@
             <p:ph idx="1"/>
           </p:nvPr>
         </p:nvSpPr>
-        <p:spPr/>
-        <p:txBody>
-          <a:bodyPr/>
-          <a:lstStyle/>
-          <a:p>
-            <a:r>
-              <a:rPr lang="zh-CN" altLang="en-US" dirty="0" smtClean="0"/>
-              <a:t>拖放是一种常见的特性，即抓取对象以后拖到另一个位置。</a:t>
-            </a:r>
-          </a:p>
-          <a:p>
-            <a:r>
-              <a:rPr lang="zh-CN" altLang="en-US" dirty="0" smtClean="0"/>
-              <a:t>在 </a:t>
-            </a:r>
-            <a:r>
-              <a:rPr lang="en-US" altLang="zh-CN" dirty="0" smtClean="0"/>
-              <a:t>HTML5 </a:t>
-            </a:r>
-            <a:r>
-              <a:rPr lang="zh-CN" altLang="en-US" dirty="0" smtClean="0"/>
-              <a:t>中，拖放是标准的一部分，任何元素都能够拖放。</a:t>
-            </a:r>
-          </a:p>
-          <a:p>
+        <p:spPr>
+          <a:xfrm>
+            <a:off x="457200" y="304800"/>
+            <a:ext cx="8229600" cy="5821363"/>
+          </a:xfrm>
+        </p:spPr>
+        <p:txBody>
+          <a:bodyPr>
+            <a:normAutofit fontScale="92500" lnSpcReduction="10000"/>
+          </a:bodyPr>
+          <a:lstStyle/>
+          <a:p>
+            <a:r>
+              <a:rPr lang="zh-CN" altLang="en-US" dirty="0" smtClean="0"/>
+              <a:t>通过</a:t>
+            </a:r>
+            <a:r>
+              <a:rPr lang="en-US" altLang="zh-CN" dirty="0" smtClean="0"/>
+              <a:t>Web Workers</a:t>
+            </a:r>
+            <a:r>
+              <a:rPr lang="zh-CN" altLang="en-US" dirty="0" smtClean="0"/>
+              <a:t>，你将可以创建一个不会影响前台处理的后台线程，并且在这个后台线程中创建多个子线程</a:t>
+            </a:r>
+            <a:endParaRPr lang="en-US" altLang="zh-CN" dirty="0" smtClean="0"/>
+          </a:p>
+          <a:p>
+            <a:r>
+              <a:rPr lang="zh-CN" altLang="en-US" dirty="0" smtClean="0"/>
+              <a:t>将复杂的耗时较长的计算处理交给后台线程去运行</a:t>
+            </a:r>
+            <a:endParaRPr lang="en-US" altLang="zh-CN" dirty="0" smtClean="0"/>
+          </a:p>
+          <a:p>
+            <a:r>
+              <a:rPr lang="zh-CN" altLang="en-US" dirty="0" smtClean="0"/>
+              <a:t>创建线程</a:t>
+            </a:r>
+            <a:endParaRPr lang="en-US" altLang="zh-CN" dirty="0" smtClean="0"/>
+          </a:p>
+          <a:p>
+            <a:pPr lvl="1"/>
+            <a:r>
+              <a:rPr lang="en-US" altLang="zh-CN" dirty="0" err="1" smtClean="0"/>
+              <a:t>var</a:t>
+            </a:r>
+            <a:r>
+              <a:rPr lang="en-US" altLang="zh-CN" dirty="0" smtClean="0"/>
+              <a:t> worker=new Worker(“xxx.js”);</a:t>
+            </a:r>
+          </a:p>
+          <a:p>
+            <a:r>
+              <a:rPr lang="zh-CN" altLang="en-US" dirty="0" smtClean="0"/>
+              <a:t>接受数据</a:t>
+            </a:r>
+            <a:endParaRPr lang="en-US" altLang="zh-CN" dirty="0" smtClean="0"/>
+          </a:p>
+          <a:p>
+            <a:pPr lvl="1"/>
+            <a:r>
+              <a:rPr lang="en-US" altLang="zh-CN" dirty="0" err="1" smtClean="0"/>
+              <a:t>worker.onmessage</a:t>
+            </a:r>
+            <a:r>
+              <a:rPr lang="en-US" altLang="zh-CN" dirty="0" smtClean="0"/>
+              <a:t>=fun(event);</a:t>
+            </a:r>
+          </a:p>
+          <a:p>
+            <a:pPr lvl="1"/>
+            <a:r>
+              <a:rPr lang="en-US" altLang="zh-CN" dirty="0" err="1" smtClean="0"/>
+              <a:t>event.data</a:t>
+            </a:r>
+            <a:endParaRPr lang="en-US" altLang="zh-CN" dirty="0" smtClean="0"/>
+          </a:p>
+          <a:p>
+            <a:r>
+              <a:rPr lang="zh-CN" altLang="en-US" dirty="0" smtClean="0"/>
+              <a:t>发送数据</a:t>
+            </a:r>
+            <a:endParaRPr lang="en-US" altLang="zh-CN" dirty="0" smtClean="0"/>
+          </a:p>
+          <a:p>
+            <a:pPr lvl="1"/>
+            <a:r>
+              <a:rPr lang="en-US" dirty="0" err="1" smtClean="0"/>
+              <a:t>worder.postMessage</a:t>
+            </a:r>
+            <a:r>
+              <a:rPr lang="en-US" dirty="0" smtClean="0"/>
+              <a:t>(data)</a:t>
+            </a:r>
             <a:endParaRPr lang="en-US" dirty="0"/>
           </a:p>
         </p:txBody>
@@ -8134,6 +8164,354 @@
         </p:nvSpPr>
         <p:spPr>
           <a:xfrm>
+            <a:off x="457200" y="228600"/>
+            <a:ext cx="8229600" cy="5897563"/>
+          </a:xfrm>
+        </p:spPr>
+        <p:txBody>
+          <a:bodyPr>
+            <a:normAutofit lnSpcReduction="10000"/>
+          </a:bodyPr>
+          <a:lstStyle/>
+          <a:p>
+            <a:r>
+              <a:rPr lang="zh-CN" altLang="en-US" dirty="0" smtClean="0"/>
+              <a:t>线程可以嵌套使用</a:t>
+            </a:r>
+            <a:endParaRPr lang="en-US" altLang="zh-CN" dirty="0" smtClean="0"/>
+          </a:p>
+          <a:p>
+            <a:r>
+              <a:rPr lang="zh-CN" altLang="en-US" dirty="0" smtClean="0"/>
+              <a:t>后台线程不能访问页面或窗口对象</a:t>
+            </a:r>
+            <a:endParaRPr lang="en-US" altLang="zh-CN" dirty="0" smtClean="0"/>
+          </a:p>
+          <a:p>
+            <a:pPr lvl="1"/>
+            <a:r>
+              <a:rPr lang="en-US" altLang="zh-CN" dirty="0" err="1" smtClean="0"/>
+              <a:t>Window,document</a:t>
+            </a:r>
+            <a:r>
+              <a:rPr lang="en-US" altLang="zh-CN" dirty="0" smtClean="0"/>
+              <a:t>…</a:t>
+            </a:r>
+          </a:p>
+          <a:p>
+            <a:r>
+              <a:rPr lang="zh-CN" altLang="en-US" dirty="0" smtClean="0"/>
+              <a:t>后台线程导入</a:t>
+            </a:r>
+            <a:r>
+              <a:rPr lang="en-US" altLang="zh-CN" dirty="0" err="1" smtClean="0"/>
+              <a:t>js</a:t>
+            </a:r>
+            <a:endParaRPr lang="en-US" altLang="zh-CN" dirty="0" smtClean="0"/>
+          </a:p>
+          <a:p>
+            <a:pPr lvl="1"/>
+            <a:r>
+              <a:rPr lang="en-US" altLang="zh-CN" dirty="0" err="1" smtClean="0"/>
+              <a:t>importScripts</a:t>
+            </a:r>
+            <a:r>
+              <a:rPr lang="en-US" altLang="zh-CN" dirty="0" smtClean="0"/>
+              <a:t>(</a:t>
+            </a:r>
+            <a:r>
+              <a:rPr lang="en-US" altLang="zh-CN" dirty="0" err="1" smtClean="0"/>
+              <a:t>js_url</a:t>
+            </a:r>
+            <a:r>
+              <a:rPr lang="en-US" altLang="zh-CN" dirty="0" smtClean="0"/>
+              <a:t>)</a:t>
+            </a:r>
+          </a:p>
+          <a:p>
+            <a:r>
+              <a:rPr lang="zh-CN" altLang="en-US" dirty="0" smtClean="0"/>
+              <a:t>线程中可用的对象</a:t>
+            </a:r>
+            <a:endParaRPr lang="en-US" altLang="zh-CN" dirty="0" smtClean="0"/>
+          </a:p>
+          <a:p>
+            <a:pPr lvl="1"/>
+            <a:r>
+              <a:rPr lang="en-US" altLang="zh-CN" dirty="0" err="1" smtClean="0"/>
+              <a:t>sessionStorage</a:t>
+            </a:r>
+            <a:endParaRPr lang="en-US" altLang="zh-CN" dirty="0" smtClean="0"/>
+          </a:p>
+          <a:p>
+            <a:pPr lvl="1"/>
+            <a:r>
+              <a:rPr lang="en-US" altLang="zh-CN" dirty="0" err="1" smtClean="0"/>
+              <a:t>localStorage</a:t>
+            </a:r>
+            <a:endParaRPr lang="en-US" altLang="zh-CN" dirty="0" smtClean="0"/>
+          </a:p>
+          <a:p>
+            <a:pPr lvl="1"/>
+            <a:r>
+              <a:rPr lang="en-US" altLang="zh-CN" dirty="0" err="1" smtClean="0"/>
+              <a:t>XMLHttpRequest</a:t>
+            </a:r>
+            <a:endParaRPr lang="en-US" altLang="zh-CN" dirty="0" smtClean="0"/>
+          </a:p>
+          <a:p>
+            <a:pPr lvl="1"/>
+            <a:r>
+              <a:rPr lang="en-US" altLang="zh-CN" dirty="0" err="1" smtClean="0"/>
+              <a:t>setTimeout</a:t>
+            </a:r>
+            <a:r>
+              <a:rPr lang="en-US" altLang="zh-CN" dirty="0" smtClean="0"/>
+              <a:t>()/</a:t>
+            </a:r>
+            <a:r>
+              <a:rPr lang="en-US" altLang="zh-CN" dirty="0" err="1" smtClean="0"/>
+              <a:t>setInterval</a:t>
+            </a:r>
+            <a:r>
+              <a:rPr lang="en-US" altLang="zh-CN" dirty="0" smtClean="0"/>
+              <a:t>()</a:t>
+            </a:r>
+          </a:p>
+          <a:p>
+            <a:pPr lvl="1"/>
+            <a:r>
+              <a:rPr lang="en-US" altLang="zh-CN" dirty="0" err="1" smtClean="0"/>
+              <a:t>WebSockets</a:t>
+            </a:r>
+            <a:endParaRPr lang="en-US" altLang="zh-CN" dirty="0" smtClean="0"/>
+          </a:p>
+        </p:txBody>
+      </p:sp>
+    </p:spTree>
+  </p:cSld>
+  <p:clrMapOvr>
+    <a:masterClrMapping/>
+  </p:clrMapOvr>
+  <p:timing>
+    <p:tnLst>
+      <p:par>
+        <p:cTn id="1" dur="indefinite" restart="never" nodeType="tmRoot"/>
+      </p:par>
+    </p:tnLst>
+  </p:timing>
+</p:sld>
+</file>
+
+<file path=ppt/slides/slide44.xml><?xml version="1.0" encoding="utf-8"?>
+<p:sld xmlns:a="http://schemas.openxmlformats.org/drawingml/2006/main" xmlns:r="http://schemas.openxmlformats.org/officeDocument/2006/relationships" xmlns:p="http://schemas.openxmlformats.org/presentationml/2006/main">
+  <p:cSld>
+    <p:spTree>
+      <p:nvGrpSpPr>
+        <p:cNvPr id="1" name=""/>
+        <p:cNvGrpSpPr/>
+        <p:nvPr/>
+      </p:nvGrpSpPr>
+      <p:grpSpPr>
+        <a:xfrm>
+          <a:off x="0" y="0"/>
+          <a:ext cx="0" cy="0"/>
+          <a:chOff x="0" y="0"/>
+          <a:chExt cx="0" cy="0"/>
+        </a:xfrm>
+      </p:grpSpPr>
+      <p:sp>
+        <p:nvSpPr>
+          <p:cNvPr id="2" name="Title 1"/>
+          <p:cNvSpPr>
+            <a:spLocks noGrp="1"/>
+          </p:cNvSpPr>
+          <p:nvPr>
+            <p:ph type="title"/>
+          </p:nvPr>
+        </p:nvSpPr>
+        <p:spPr>
+          <a:xfrm>
+            <a:off x="457200" y="274638"/>
+            <a:ext cx="8229600" cy="6354762"/>
+          </a:xfrm>
+        </p:spPr>
+        <p:txBody>
+          <a:bodyPr/>
+          <a:lstStyle/>
+          <a:p>
+            <a:r>
+              <a:rPr lang="zh-CN" altLang="en-US" dirty="0" smtClean="0"/>
+              <a:t>第八部分</a:t>
+            </a:r>
+            <a:r>
+              <a:rPr lang="en-US" altLang="zh-CN" dirty="0" smtClean="0"/>
+              <a:t/>
+            </a:r>
+            <a:br>
+              <a:rPr lang="en-US" altLang="zh-CN" dirty="0" smtClean="0"/>
+            </a:br>
+            <a:r>
+              <a:rPr lang="en-US" altLang="zh-CN" dirty="0" smtClean="0"/>
+              <a:t/>
+            </a:r>
+            <a:br>
+              <a:rPr lang="en-US" altLang="zh-CN" dirty="0" smtClean="0"/>
+            </a:br>
+            <a:endParaRPr lang="en-US" dirty="0"/>
+          </a:p>
+        </p:txBody>
+      </p:sp>
+    </p:spTree>
+  </p:cSld>
+  <p:clrMapOvr>
+    <a:masterClrMapping/>
+  </p:clrMapOvr>
+  <p:timing>
+    <p:tnLst>
+      <p:par>
+        <p:cTn id="1" dur="indefinite" restart="never" nodeType="tmRoot"/>
+      </p:par>
+    </p:tnLst>
+  </p:timing>
+</p:sld>
+</file>
+
+<file path=ppt/slides/slide45.xml><?xml version="1.0" encoding="utf-8"?>
+<p:sld xmlns:a="http://schemas.openxmlformats.org/drawingml/2006/main" xmlns:r="http://schemas.openxmlformats.org/officeDocument/2006/relationships" xmlns:p="http://schemas.openxmlformats.org/presentationml/2006/main">
+  <p:cSld>
+    <p:spTree>
+      <p:nvGrpSpPr>
+        <p:cNvPr id="1" name=""/>
+        <p:cNvGrpSpPr/>
+        <p:nvPr/>
+      </p:nvGrpSpPr>
+      <p:grpSpPr>
+        <a:xfrm>
+          <a:off x="0" y="0"/>
+          <a:ext cx="0" cy="0"/>
+          <a:chOff x="0" y="0"/>
+          <a:chExt cx="0" cy="0"/>
+        </a:xfrm>
+      </p:grpSpPr>
+      <p:sp>
+        <p:nvSpPr>
+          <p:cNvPr id="2" name="Title 1"/>
+          <p:cNvSpPr>
+            <a:spLocks noGrp="1"/>
+          </p:cNvSpPr>
+          <p:nvPr>
+            <p:ph type="title"/>
+          </p:nvPr>
+        </p:nvSpPr>
+        <p:spPr/>
+        <p:txBody>
+          <a:bodyPr/>
+          <a:lstStyle/>
+          <a:p>
+            <a:r>
+              <a:rPr lang="zh-CN" altLang="en-US" b="1" dirty="0" smtClean="0"/>
+              <a:t>拖放（</a:t>
+            </a:r>
+            <a:r>
+              <a:rPr lang="en-US" b="1" dirty="0" smtClean="0"/>
+              <a:t>Drag </a:t>
+            </a:r>
+            <a:r>
+              <a:rPr lang="zh-CN" altLang="en-US" b="1" dirty="0" smtClean="0"/>
+              <a:t>和 </a:t>
+            </a:r>
+            <a:r>
+              <a:rPr lang="en-US" b="1" dirty="0" smtClean="0"/>
+              <a:t>drop）</a:t>
+            </a:r>
+            <a:endParaRPr lang="en-US" dirty="0"/>
+          </a:p>
+        </p:txBody>
+      </p:sp>
+      <p:sp>
+        <p:nvSpPr>
+          <p:cNvPr id="3" name="Content Placeholder 2"/>
+          <p:cNvSpPr>
+            <a:spLocks noGrp="1"/>
+          </p:cNvSpPr>
+          <p:nvPr>
+            <p:ph idx="1"/>
+          </p:nvPr>
+        </p:nvSpPr>
+        <p:spPr/>
+        <p:txBody>
+          <a:bodyPr/>
+          <a:lstStyle/>
+          <a:p>
+            <a:r>
+              <a:rPr lang="zh-CN" altLang="en-US" dirty="0" smtClean="0"/>
+              <a:t>拖放是一种常见的特性，即抓取对象以后拖到另一个位置。</a:t>
+            </a:r>
+          </a:p>
+          <a:p>
+            <a:r>
+              <a:rPr lang="zh-CN" altLang="en-US" dirty="0" smtClean="0"/>
+              <a:t>在 </a:t>
+            </a:r>
+            <a:r>
+              <a:rPr lang="en-US" altLang="zh-CN" dirty="0" smtClean="0"/>
+              <a:t>HTML5 </a:t>
+            </a:r>
+            <a:r>
+              <a:rPr lang="zh-CN" altLang="en-US" dirty="0" smtClean="0"/>
+              <a:t>中，拖放是标准的一部分，任何元素都能够拖放。</a:t>
+            </a:r>
+          </a:p>
+          <a:p>
+            <a:endParaRPr lang="en-US" dirty="0"/>
+          </a:p>
+        </p:txBody>
+      </p:sp>
+    </p:spTree>
+  </p:cSld>
+  <p:clrMapOvr>
+    <a:masterClrMapping/>
+  </p:clrMapOvr>
+  <p:timing>
+    <p:tnLst>
+      <p:par>
+        <p:cTn id="1" dur="indefinite" restart="never" nodeType="tmRoot"/>
+      </p:par>
+    </p:tnLst>
+  </p:timing>
+</p:sld>
+</file>
+
+<file path=ppt/slides/slide46.xml><?xml version="1.0" encoding="utf-8"?>
+<p:sld xmlns:a="http://schemas.openxmlformats.org/drawingml/2006/main" xmlns:r="http://schemas.openxmlformats.org/officeDocument/2006/relationships" xmlns:p="http://schemas.openxmlformats.org/presentationml/2006/main">
+  <p:cSld>
+    <p:spTree>
+      <p:nvGrpSpPr>
+        <p:cNvPr id="1" name=""/>
+        <p:cNvGrpSpPr/>
+        <p:nvPr/>
+      </p:nvGrpSpPr>
+      <p:grpSpPr>
+        <a:xfrm>
+          <a:off x="0" y="0"/>
+          <a:ext cx="0" cy="0"/>
+          <a:chOff x="0" y="0"/>
+          <a:chExt cx="0" cy="0"/>
+        </a:xfrm>
+      </p:grpSpPr>
+      <p:sp>
+        <p:nvSpPr>
+          <p:cNvPr id="3" name="Content Placeholder 2"/>
+          <p:cNvSpPr>
+            <a:spLocks noGrp="1"/>
+          </p:cNvSpPr>
+          <p:nvPr>
+            <p:ph idx="1"/>
+          </p:nvPr>
+        </p:nvSpPr>
+        <p:spPr>
+          <a:xfrm>
             <a:off x="457200" y="304800"/>
             <a:ext cx="8229600" cy="5821363"/>
           </a:xfrm>
@@ -8144,11 +8522,7 @@
           <a:p>
             <a:r>
               <a:rPr lang="zh-CN" altLang="en-US" b="1" dirty="0" smtClean="0"/>
-              <a:t>设置元素为可拖</a:t>
-            </a:r>
-            <a:r>
-              <a:rPr lang="zh-CN" altLang="en-US" b="1" dirty="0" smtClean="0"/>
-              <a:t>放</a:t>
+              <a:t>设置元素为可拖放</a:t>
             </a:r>
             <a:endParaRPr lang="en-US" altLang="zh-CN" b="1" dirty="0" smtClean="0"/>
           </a:p>
@@ -8179,11 +8553,7 @@
           <a:p>
             <a:r>
               <a:rPr lang="zh-CN" altLang="en-US" b="1" dirty="0" smtClean="0"/>
-              <a:t>拖动什</a:t>
-            </a:r>
-            <a:r>
-              <a:rPr lang="zh-CN" altLang="en-US" b="1" dirty="0" smtClean="0"/>
-              <a:t>么</a:t>
+              <a:t>拖动什么</a:t>
             </a:r>
             <a:endParaRPr lang="en-US" altLang="zh-CN" b="1" dirty="0" smtClean="0"/>
           </a:p>
@@ -8227,22 +8597,14 @@
             </a:r>
             <a:r>
               <a:rPr lang="en-US" dirty="0" smtClean="0"/>
-              <a:t>)</a:t>
-            </a:r>
-            <a:r>
-              <a:rPr lang="en-US" dirty="0" smtClean="0"/>
-              <a:t> </a:t>
+              <a:t>) </a:t>
             </a:r>
             <a:endParaRPr lang="zh-CN" altLang="en-US" b="1" dirty="0" smtClean="0"/>
           </a:p>
           <a:p>
             <a:r>
               <a:rPr lang="zh-CN" altLang="en-US" b="1" dirty="0" smtClean="0"/>
-              <a:t>放到何</a:t>
-            </a:r>
-            <a:r>
-              <a:rPr lang="zh-CN" altLang="en-US" b="1" dirty="0" smtClean="0"/>
-              <a:t>处</a:t>
+              <a:t>放到何处</a:t>
             </a:r>
             <a:endParaRPr lang="en-US" altLang="zh-CN" b="1" dirty="0" smtClean="0"/>
           </a:p>
@@ -8265,15 +8627,7 @@
           <a:p>
             <a:r>
               <a:rPr lang="zh-CN" altLang="en-US" b="1" dirty="0" smtClean="0"/>
-              <a:t>进</a:t>
-            </a:r>
-            <a:r>
-              <a:rPr lang="zh-CN" altLang="en-US" b="1" dirty="0" smtClean="0"/>
-              <a:t>行放</a:t>
-            </a:r>
-            <a:r>
-              <a:rPr lang="zh-CN" altLang="en-US" b="1" dirty="0" smtClean="0"/>
-              <a:t>置</a:t>
+              <a:t>进行放置</a:t>
             </a:r>
             <a:endParaRPr lang="en-US" altLang="zh-CN" b="1" dirty="0" smtClean="0"/>
           </a:p>
@@ -8289,11 +8643,7 @@
             </a:r>
             <a:r>
               <a:rPr lang="zh-CN" altLang="en-US" dirty="0" smtClean="0"/>
-              <a:t>事</a:t>
-            </a:r>
-            <a:r>
-              <a:rPr lang="zh-CN" altLang="en-US" dirty="0" smtClean="0"/>
-              <a:t>件</a:t>
+              <a:t>事件</a:t>
             </a:r>
             <a:endParaRPr lang="en-US" altLang="zh-CN" dirty="0" smtClean="0"/>
           </a:p>
@@ -8357,150 +8707,42 @@
             <a:spLocks noGrp="1"/>
           </p:cNvSpPr>
           <p:nvPr>
-            <p:ph type="title"/>
-          </p:nvPr>
-        </p:nvSpPr>
-        <p:spPr/>
-        <p:txBody>
-          <a:bodyPr/>
-          <a:lstStyle/>
-          <a:p>
-            <a:r>
-              <a:rPr lang="zh-CN" altLang="en-US" dirty="0" smtClean="0"/>
-              <a:t>以正确的文档类型声明为基础</a:t>
+            <p:ph type="ctrTitle"/>
+          </p:nvPr>
+        </p:nvSpPr>
+        <p:spPr>
+          <a:xfrm>
+            <a:off x="685800" y="381000"/>
+            <a:ext cx="7772400" cy="6172199"/>
+          </a:xfrm>
+        </p:spPr>
+        <p:txBody>
+          <a:bodyPr/>
+          <a:lstStyle/>
+          <a:p>
+            <a:r>
+              <a:rPr lang="zh-CN" altLang="en-US" dirty="0" smtClean="0"/>
+              <a:t>第一部分</a:t>
+            </a:r>
+            <a:r>
+              <a:rPr lang="en-US" altLang="zh-CN" dirty="0" smtClean="0"/>
+              <a:t/>
+            </a:r>
+            <a:br>
+              <a:rPr lang="en-US" altLang="zh-CN" dirty="0" smtClean="0"/>
+            </a:br>
+            <a:r>
+              <a:rPr lang="en-US" altLang="zh-CN" dirty="0"/>
+              <a:t/>
+            </a:r>
+            <a:br>
+              <a:rPr lang="en-US" altLang="zh-CN" dirty="0"/>
+            </a:br>
+            <a:r>
+              <a:rPr lang="zh-CN" altLang="en-US" dirty="0" smtClean="0"/>
+              <a:t>新的结构标签和属性</a:t>
             </a:r>
             <a:endParaRPr lang="en-US" dirty="0"/>
-          </a:p>
-        </p:txBody>
-      </p:sp>
-      <p:sp>
-        <p:nvSpPr>
-          <p:cNvPr id="3" name="Content Placeholder 2"/>
-          <p:cNvSpPr>
-            <a:spLocks noGrp="1"/>
-          </p:cNvSpPr>
-          <p:nvPr>
-            <p:ph idx="1"/>
-          </p:nvPr>
-        </p:nvSpPr>
-        <p:spPr/>
-        <p:txBody>
-          <a:bodyPr>
-            <a:normAutofit fontScale="92500" lnSpcReduction="20000"/>
-          </a:bodyPr>
-          <a:lstStyle/>
-          <a:p>
-            <a:r>
-              <a:rPr lang="zh-CN" altLang="en-US" dirty="0" smtClean="0"/>
-              <a:t>若想使用</a:t>
-            </a:r>
-            <a:r>
-              <a:rPr lang="en-US" altLang="zh-CN" dirty="0" smtClean="0"/>
-              <a:t>HTML5</a:t>
-            </a:r>
-            <a:r>
-              <a:rPr lang="zh-CN" altLang="en-US" dirty="0" smtClean="0"/>
-              <a:t>的新元素，需要让浏览器识别新标签</a:t>
-            </a:r>
-            <a:endParaRPr lang="en-US" altLang="zh-CN" dirty="0" smtClean="0"/>
-          </a:p>
-          <a:p>
-            <a:r>
-              <a:rPr lang="en-US" altLang="zh-CN" dirty="0" smtClean="0"/>
-              <a:t>HTML5</a:t>
-            </a:r>
-          </a:p>
-          <a:p>
-            <a:pPr lvl="1"/>
-            <a:r>
-              <a:rPr lang="en-US" dirty="0" smtClean="0"/>
-              <a:t>&lt;!DOCTYPE </a:t>
-            </a:r>
-            <a:r>
-              <a:rPr lang="en-US" altLang="zh-CN" dirty="0" smtClean="0"/>
-              <a:t>html&gt;</a:t>
-            </a:r>
-          </a:p>
-          <a:p>
-            <a:r>
-              <a:rPr lang="en-US" dirty="0" smtClean="0"/>
-              <a:t>HTML4</a:t>
-            </a:r>
-          </a:p>
-          <a:p>
-            <a:pPr lvl="1"/>
-            <a:r>
-              <a:rPr lang="en-US" dirty="0" smtClean="0"/>
-              <a:t>&lt;!DOCTYPE </a:t>
-            </a:r>
-            <a:r>
-              <a:rPr lang="en-US" dirty="0" err="1" smtClean="0"/>
-              <a:t>htm</a:t>
-            </a:r>
-            <a:r>
-              <a:rPr lang="en-US" dirty="0" smtClean="0"/>
-              <a:t> PUBLIC “-//W3C//DTD XHTML 1.0 Transitional//EN” </a:t>
-            </a:r>
-            <a:r>
-              <a:rPr lang="en-US" dirty="0" smtClean="0">
-                <a:hlinkClick r:id="rId2"/>
-              </a:rPr>
-              <a:t>“http://www.w3.org/TR/xhtml1/DTD/xhtml1-transitional.dtd</a:t>
-            </a:r>
-            <a:r>
-              <a:rPr lang="en-US" dirty="0" smtClean="0"/>
-              <a:t>”&gt;</a:t>
-            </a:r>
-          </a:p>
-          <a:p>
-            <a:r>
-              <a:rPr lang="zh-CN" altLang="en-US" dirty="0" smtClean="0"/>
-              <a:t>采用何种验证规则去验证代码</a:t>
-            </a:r>
-            <a:endParaRPr lang="en-US" dirty="0" smtClean="0"/>
-          </a:p>
-          <a:p>
-            <a:r>
-              <a:rPr lang="zh-CN" altLang="en-US" dirty="0"/>
-              <a:t>强</a:t>
-            </a:r>
-            <a:r>
-              <a:rPr lang="zh-CN" altLang="en-US" dirty="0" smtClean="0"/>
-              <a:t>制</a:t>
-            </a:r>
-            <a:r>
-              <a:rPr lang="en-US" altLang="zh-CN" dirty="0" smtClean="0"/>
-              <a:t>IE6</a:t>
-            </a:r>
-            <a:r>
-              <a:rPr lang="zh-CN" altLang="en-US" dirty="0" smtClean="0"/>
-              <a:t>，</a:t>
-            </a:r>
-            <a:r>
-              <a:rPr lang="en-US" altLang="zh-CN" dirty="0" smtClean="0"/>
-              <a:t>7</a:t>
-            </a:r>
-            <a:r>
-              <a:rPr lang="zh-CN" altLang="en-US" dirty="0" smtClean="0"/>
-              <a:t>，</a:t>
-            </a:r>
-            <a:r>
-              <a:rPr lang="en-US" altLang="zh-CN" dirty="0" smtClean="0"/>
-              <a:t>8</a:t>
-            </a:r>
-            <a:r>
-              <a:rPr lang="zh-CN" altLang="en-US" dirty="0" smtClean="0"/>
-              <a:t>以“标准模式”渲染页面</a:t>
-            </a:r>
-            <a:endParaRPr lang="en-US" dirty="0" smtClean="0"/>
-          </a:p>
-          <a:p>
-            <a:pPr lvl="1"/>
-            <a:endParaRPr lang="en-US" dirty="0" smtClean="0"/>
-          </a:p>
-          <a:p>
-            <a:pPr lvl="1"/>
-            <a:endParaRPr lang="en-US" dirty="0" smtClean="0"/>
           </a:p>
         </p:txBody>
       </p:sp>
@@ -8538,6 +8780,29 @@
       </p:grpSpPr>
       <p:sp>
         <p:nvSpPr>
+          <p:cNvPr id="2" name="Title 1"/>
+          <p:cNvSpPr>
+            <a:spLocks noGrp="1"/>
+          </p:cNvSpPr>
+          <p:nvPr>
+            <p:ph type="title"/>
+          </p:nvPr>
+        </p:nvSpPr>
+        <p:spPr/>
+        <p:txBody>
+          <a:bodyPr/>
+          <a:lstStyle/>
+          <a:p>
+            <a:r>
+              <a:rPr lang="zh-CN" altLang="en-US" dirty="0" smtClean="0"/>
+              <a:t>为什么要有新的结构标签？</a:t>
+            </a:r>
+            <a:endParaRPr lang="en-US" dirty="0"/>
+          </a:p>
+        </p:txBody>
+      </p:sp>
+      <p:sp>
+        <p:nvSpPr>
           <p:cNvPr id="3" name="Content Placeholder 2"/>
           <p:cNvSpPr>
             <a:spLocks noGrp="1"/>
@@ -8546,164 +8811,83 @@
             <p:ph idx="1"/>
           </p:nvPr>
         </p:nvSpPr>
-        <p:spPr>
-          <a:xfrm>
-            <a:off x="457200" y="228600"/>
-            <a:ext cx="8229600" cy="5897563"/>
-          </a:xfrm>
-        </p:spPr>
-        <p:txBody>
-          <a:bodyPr>
-            <a:normAutofit lnSpcReduction="10000"/>
-          </a:bodyPr>
-          <a:lstStyle/>
-          <a:p>
-            <a:r>
-              <a:rPr lang="zh-CN" altLang="en-US" dirty="0" smtClean="0"/>
-              <a:t>头部</a:t>
-            </a:r>
-            <a:endParaRPr lang="en-US" altLang="zh-CN" dirty="0"/>
-          </a:p>
-          <a:p>
-            <a:pPr lvl="2">
-              <a:buNone/>
-            </a:pPr>
-            <a:r>
-              <a:rPr lang="en-US" altLang="zh-CN" dirty="0" smtClean="0"/>
-              <a:t>&lt;header id=“</a:t>
-            </a:r>
-            <a:r>
-              <a:rPr lang="en-US" altLang="zh-CN" dirty="0" err="1" smtClean="0"/>
-              <a:t>page_header</a:t>
-            </a:r>
-            <a:r>
-              <a:rPr lang="en-US" altLang="zh-CN" dirty="0" smtClean="0"/>
-              <a:t>”&gt;…&lt;/header&gt;</a:t>
-            </a:r>
-          </a:p>
-          <a:p>
+        <p:spPr/>
+        <p:txBody>
+          <a:bodyPr/>
+          <a:lstStyle/>
+          <a:p>
+            <a:r>
+              <a:rPr lang="zh-CN" altLang="en-US" dirty="0" smtClean="0"/>
+              <a:t>滥用</a:t>
+            </a:r>
+            <a:r>
+              <a:rPr lang="en-US" altLang="zh-CN" dirty="0" smtClean="0"/>
+              <a:t>div</a:t>
+            </a:r>
+          </a:p>
+          <a:p>
+            <a:r>
+              <a:rPr lang="zh-CN" altLang="en-US" dirty="0" smtClean="0"/>
+              <a:t>搜索引擎和开发人员理解内容含义有难度</a:t>
+            </a:r>
+            <a:endParaRPr lang="en-US" altLang="zh-CN" dirty="0" smtClean="0"/>
+          </a:p>
+          <a:p>
+            <a:r>
+              <a:rPr lang="en-US" altLang="zh-CN" dirty="0" smtClean="0"/>
+              <a:t>HTML5</a:t>
+            </a:r>
+            <a:r>
+              <a:rPr lang="zh-CN" altLang="en-US" dirty="0" smtClean="0"/>
+              <a:t>提供了一组全新的语义化标签</a:t>
+            </a:r>
+            <a:endParaRPr lang="en-US" altLang="zh-CN" dirty="0" smtClean="0"/>
+          </a:p>
+          <a:p>
+            <a:pPr lvl="1"/>
             <a:r>
               <a:rPr lang="zh-CN" altLang="en-US" dirty="0"/>
-              <a:t>尾</a:t>
-            </a:r>
-            <a:r>
-              <a:rPr lang="zh-CN" altLang="en-US" dirty="0" smtClean="0"/>
-              <a:t>部</a:t>
+              <a:t>可用</a:t>
+            </a:r>
+            <a:r>
+              <a:rPr lang="zh-CN" altLang="en-US" dirty="0" smtClean="0"/>
+              <a:t>于描述自身所包含的内容</a:t>
             </a:r>
             <a:endParaRPr lang="en-US" altLang="zh-CN" dirty="0" smtClean="0"/>
           </a:p>
           <a:p>
-            <a:pPr lvl="2">
-              <a:buNone/>
-            </a:pPr>
-            <a:r>
-              <a:rPr lang="en-US" altLang="zh-CN" dirty="0" smtClean="0"/>
-              <a:t>&lt; footer id=“</a:t>
-            </a:r>
-            <a:r>
-              <a:rPr lang="en-US" altLang="zh-CN" dirty="0" err="1" smtClean="0"/>
-              <a:t>page_footer</a:t>
-            </a:r>
-            <a:r>
-              <a:rPr lang="en-US" altLang="zh-CN" dirty="0" smtClean="0"/>
-              <a:t>”&gt;…&lt;/footer&gt;</a:t>
-            </a:r>
-          </a:p>
-          <a:p>
+            <a:pPr lvl="1"/>
             <a:r>
               <a:rPr lang="zh-CN" altLang="en-US" dirty="0"/>
-              <a:t>导</a:t>
-            </a:r>
-            <a:r>
-              <a:rPr lang="zh-CN" altLang="en-US" dirty="0" smtClean="0"/>
-              <a:t>航</a:t>
+              <a:t>根</a:t>
+            </a:r>
+            <a:r>
+              <a:rPr lang="zh-CN" altLang="en-US" dirty="0" smtClean="0"/>
+              <a:t>除滥用</a:t>
+            </a:r>
+            <a:r>
+              <a:rPr lang="en-US" altLang="zh-CN" dirty="0" smtClean="0"/>
+              <a:t>div</a:t>
+            </a:r>
+            <a:r>
+              <a:rPr lang="zh-CN" altLang="en-US" dirty="0" smtClean="0"/>
+              <a:t>现象</a:t>
             </a:r>
             <a:endParaRPr lang="en-US" altLang="zh-CN" dirty="0" smtClean="0"/>
           </a:p>
           <a:p>
-            <a:pPr lvl="2">
-              <a:buNone/>
-            </a:pPr>
-            <a:r>
-              <a:rPr lang="en-US" altLang="zh-CN" dirty="0" smtClean="0"/>
-              <a:t>&lt;</a:t>
-            </a:r>
-            <a:r>
-              <a:rPr lang="en-US" altLang="zh-CN" dirty="0" err="1" smtClean="0"/>
-              <a:t>nav</a:t>
-            </a:r>
-            <a:r>
-              <a:rPr lang="en-US" altLang="zh-CN" dirty="0" smtClean="0"/>
-              <a:t>&gt;…&lt;/</a:t>
-            </a:r>
-            <a:r>
-              <a:rPr lang="en-US" altLang="zh-CN" dirty="0" err="1" smtClean="0"/>
-              <a:t>nav</a:t>
-            </a:r>
-            <a:r>
-              <a:rPr lang="en-US" altLang="zh-CN" dirty="0" smtClean="0"/>
-              <a:t>&gt;</a:t>
-            </a:r>
-          </a:p>
-          <a:p>
+            <a:pPr lvl="1"/>
             <a:r>
               <a:rPr lang="zh-CN" altLang="en-US" dirty="0"/>
-              <a:t>区</a:t>
-            </a:r>
-            <a:r>
-              <a:rPr lang="zh-CN" altLang="en-US" dirty="0" smtClean="0"/>
-              <a:t>段</a:t>
+              <a:t>降</a:t>
+            </a:r>
+            <a:r>
+              <a:rPr lang="zh-CN" altLang="en-US" dirty="0" smtClean="0"/>
+              <a:t>低机器和开发人员理解内容和语境的难度</a:t>
             </a:r>
             <a:endParaRPr lang="en-US" altLang="zh-CN" dirty="0" smtClean="0"/>
           </a:p>
           <a:p>
-            <a:pPr lvl="2">
-              <a:buNone/>
-            </a:pPr>
-            <a:r>
-              <a:rPr lang="en-US" altLang="zh-CN" dirty="0" smtClean="0"/>
-              <a:t>&lt;section id=“main”&gt;…&lt;/section&gt;</a:t>
-            </a:r>
-          </a:p>
-          <a:p>
-            <a:r>
-              <a:rPr lang="zh-CN" altLang="en-US" dirty="0"/>
-              <a:t>文</a:t>
-            </a:r>
-            <a:r>
-              <a:rPr lang="zh-CN" altLang="en-US" dirty="0" smtClean="0"/>
-              <a:t>章</a:t>
-            </a:r>
-            <a:endParaRPr lang="en-US" altLang="zh-CN" dirty="0" smtClean="0"/>
-          </a:p>
-          <a:p>
-            <a:pPr lvl="2">
-              <a:buNone/>
-            </a:pPr>
-            <a:r>
-              <a:rPr lang="en-US" altLang="zh-CN" dirty="0" smtClean="0"/>
-              <a:t>&lt;article class=“blog”&gt;…&lt;/article&gt;</a:t>
-            </a:r>
-          </a:p>
-          <a:p>
-            <a:r>
-              <a:rPr lang="zh-CN" altLang="en-US" dirty="0"/>
-              <a:t>旁</a:t>
-            </a:r>
-            <a:r>
-              <a:rPr lang="zh-CN" altLang="en-US" dirty="0" smtClean="0"/>
-              <a:t>白</a:t>
-            </a:r>
-            <a:endParaRPr lang="en-US" altLang="zh-CN" dirty="0" smtClean="0"/>
-          </a:p>
-          <a:p>
-            <a:pPr lvl="2">
-              <a:buNone/>
-            </a:pPr>
-            <a:r>
-              <a:rPr lang="en-US" dirty="0" smtClean="0"/>
-              <a:t>&lt;aside&gt;…&lt;/aside&gt;</a:t>
-            </a:r>
             <a:endParaRPr lang="en-US" dirty="0"/>
           </a:p>
         </p:txBody>
@@ -8742,6 +8926,29 @@
       </p:grpSpPr>
       <p:sp>
         <p:nvSpPr>
+          <p:cNvPr id="2" name="Title 1"/>
+          <p:cNvSpPr>
+            <a:spLocks noGrp="1"/>
+          </p:cNvSpPr>
+          <p:nvPr>
+            <p:ph type="title"/>
+          </p:nvPr>
+        </p:nvSpPr>
+        <p:spPr/>
+        <p:txBody>
+          <a:bodyPr/>
+          <a:lstStyle/>
+          <a:p>
+            <a:r>
+              <a:rPr lang="zh-CN" altLang="en-US" dirty="0" smtClean="0"/>
+              <a:t>探讨以下新元素及其特性</a:t>
+            </a:r>
+            <a:endParaRPr lang="en-US" dirty="0"/>
+          </a:p>
+        </p:txBody>
+      </p:sp>
+      <p:sp>
+        <p:nvSpPr>
           <p:cNvPr id="3" name="Content Placeholder 2"/>
           <p:cNvSpPr>
             <a:spLocks noGrp="1"/>
@@ -8750,15 +8957,90 @@
             <p:ph idx="1"/>
           </p:nvPr>
         </p:nvSpPr>
-        <p:spPr>
-          <a:xfrm>
-            <a:off x="457200" y="381000"/>
-            <a:ext cx="8229600" cy="5745163"/>
-          </a:xfrm>
-        </p:spPr>
-        <p:txBody>
-          <a:bodyPr/>
-          <a:lstStyle/>
+        <p:spPr/>
+        <p:txBody>
+          <a:bodyPr>
+            <a:normAutofit fontScale="92500" lnSpcReduction="20000"/>
+          </a:bodyPr>
+          <a:lstStyle/>
+          <a:p>
+            <a:r>
+              <a:rPr lang="en-US" dirty="0" smtClean="0"/>
+              <a:t>&lt;header&gt;</a:t>
+            </a:r>
+            <a:r>
+              <a:rPr lang="zh-CN" altLang="en-US" dirty="0"/>
+              <a:t>定</a:t>
+            </a:r>
+            <a:r>
+              <a:rPr lang="zh-CN" altLang="en-US" dirty="0" smtClean="0"/>
+              <a:t>义页面或区段的头部</a:t>
+            </a:r>
+            <a:endParaRPr lang="en-US" altLang="zh-CN" dirty="0" smtClean="0"/>
+          </a:p>
+          <a:p>
+            <a:r>
+              <a:rPr lang="en-US" dirty="0" smtClean="0"/>
+              <a:t>&lt;footer&gt;</a:t>
+            </a:r>
+            <a:r>
+              <a:rPr lang="zh-CN" altLang="en-US" dirty="0" smtClean="0"/>
+              <a:t>定义页面或区段的尾部</a:t>
+            </a:r>
+            <a:endParaRPr lang="en-US" altLang="zh-CN" dirty="0" smtClean="0"/>
+          </a:p>
+          <a:p>
+            <a:r>
+              <a:rPr lang="en-US" dirty="0" smtClean="0"/>
+              <a:t>&lt;</a:t>
+            </a:r>
+            <a:r>
+              <a:rPr lang="en-US" dirty="0" err="1" smtClean="0"/>
+              <a:t>nav</a:t>
+            </a:r>
+            <a:r>
+              <a:rPr lang="en-US" dirty="0" smtClean="0"/>
+              <a:t>&gt;</a:t>
+            </a:r>
+            <a:r>
+              <a:rPr lang="zh-CN" altLang="en-US" dirty="0" smtClean="0"/>
+              <a:t>定义页面或区段的导航区域</a:t>
+            </a:r>
+            <a:endParaRPr lang="en-US" altLang="zh-CN" dirty="0" smtClean="0"/>
+          </a:p>
+          <a:p>
+            <a:r>
+              <a:rPr lang="en-US" dirty="0" smtClean="0"/>
+              <a:t>&lt;section&gt;</a:t>
+            </a:r>
+            <a:r>
+              <a:rPr lang="zh-CN" altLang="en-US" dirty="0" smtClean="0"/>
+              <a:t>定义页面的逻辑区域或内容组合</a:t>
+            </a:r>
+            <a:endParaRPr lang="en-US" altLang="zh-CN" dirty="0" smtClean="0"/>
+          </a:p>
+          <a:p>
+            <a:r>
+              <a:rPr lang="en-US" dirty="0" smtClean="0"/>
+              <a:t>&lt;article&gt;</a:t>
+            </a:r>
+            <a:r>
+              <a:rPr lang="zh-CN" altLang="en-US" dirty="0" smtClean="0"/>
+              <a:t>定义正文或一篇完整的内容</a:t>
+            </a:r>
+            <a:endParaRPr lang="en-US" altLang="zh-CN" dirty="0" smtClean="0"/>
+          </a:p>
+          <a:p>
+            <a:r>
+              <a:rPr lang="en-US" dirty="0" smtClean="0"/>
+              <a:t>&lt;aside&gt;</a:t>
+            </a:r>
+            <a:r>
+              <a:rPr lang="zh-CN" altLang="en-US" dirty="0" smtClean="0"/>
+              <a:t>定义补充或相关内容</a:t>
+            </a:r>
+            <a:endParaRPr lang="en-US" altLang="zh-CN" dirty="0" smtClean="0"/>
+          </a:p>
           <a:p>
             <a:r>
               <a:rPr lang="zh-CN" altLang="en-US" dirty="0"/>
@@ -8771,104 +9053,30 @@
             <a:endParaRPr lang="en-US" altLang="zh-CN" dirty="0" smtClean="0"/>
           </a:p>
           <a:p>
-            <a:pPr lvl="1"/>
-            <a:r>
-              <a:rPr lang="zh-CN" altLang="en-US" dirty="0" smtClean="0"/>
-              <a:t>规定以</a:t>
-            </a:r>
-            <a:r>
-              <a:rPr lang="en-US" altLang="zh-CN" dirty="0" smtClean="0"/>
-              <a:t>data-</a:t>
-            </a:r>
-            <a:r>
-              <a:rPr lang="zh-CN" altLang="en-US" dirty="0" smtClean="0"/>
-              <a:t>为前缀</a:t>
+            <a:r>
+              <a:rPr lang="en-US" dirty="0" smtClean="0"/>
+              <a:t>&lt;meter&gt;</a:t>
+            </a:r>
+            <a:r>
+              <a:rPr lang="zh-CN" altLang="en-US" dirty="0" smtClean="0"/>
+              <a:t>描述指定范围内的数值</a:t>
             </a:r>
             <a:endParaRPr lang="en-US" altLang="zh-CN" dirty="0" smtClean="0"/>
           </a:p>
           <a:p>
-            <a:pPr lvl="1">
-              <a:buNone/>
-            </a:pPr>
-            <a:r>
-              <a:rPr lang="en-US" altLang="zh-CN" dirty="0" smtClean="0"/>
-              <a:t>&lt;a </a:t>
-            </a:r>
-            <a:r>
-              <a:rPr lang="en-US" altLang="zh-CN" dirty="0" err="1" smtClean="0"/>
-              <a:t>href</a:t>
-            </a:r>
-            <a:r>
-              <a:rPr lang="en-US" altLang="zh-CN" dirty="0" smtClean="0"/>
-              <a:t>=“#” data-user-number=“1”&gt;…&lt;/a&gt;</a:t>
-            </a:r>
-          </a:p>
-          <a:p>
-            <a:r>
-              <a:rPr lang="en-US" altLang="zh-CN" dirty="0" smtClean="0"/>
-              <a:t>Meter</a:t>
-            </a:r>
-          </a:p>
-          <a:p>
-            <a:pPr lvl="1"/>
-            <a:r>
-              <a:rPr lang="zh-CN" altLang="en-US" dirty="0" smtClean="0"/>
-              <a:t>可度量的数值范围</a:t>
-            </a:r>
-            <a:endParaRPr lang="en-US" altLang="zh-CN" dirty="0" smtClean="0"/>
-          </a:p>
-          <a:p>
-            <a:pPr lvl="1">
-              <a:buNone/>
-            </a:pPr>
-            <a:r>
-              <a:rPr lang="en-US" altLang="zh-CN" dirty="0" smtClean="0"/>
-              <a:t>&lt;meter title=“money” value=“2500”</a:t>
-            </a:r>
-          </a:p>
-          <a:p>
-            <a:pPr lvl="2">
-              <a:buNone/>
-            </a:pPr>
-            <a:r>
-              <a:rPr lang="en-US" altLang="zh-CN" dirty="0"/>
-              <a:t> </a:t>
-            </a:r>
-            <a:r>
-              <a:rPr lang="en-US" altLang="zh-CN" dirty="0" smtClean="0"/>
-              <a:t>min=“0” max=“5000”&gt;$2500.00&lt;/meter&gt;</a:t>
-            </a:r>
-          </a:p>
-          <a:p>
-            <a:r>
-              <a:rPr lang="en-US" altLang="zh-CN" dirty="0" smtClean="0"/>
-              <a:t>Progress</a:t>
-            </a:r>
-          </a:p>
-          <a:p>
-            <a:pPr lvl="1"/>
-            <a:r>
-              <a:rPr lang="zh-CN" altLang="en-US" dirty="0"/>
-              <a:t>进度条</a:t>
-            </a:r>
-            <a:endParaRPr lang="en-US" altLang="zh-CN" dirty="0" smtClean="0"/>
-          </a:p>
-          <a:p>
-            <a:pPr lvl="1">
-              <a:buNone/>
-            </a:pPr>
-            <a:r>
-              <a:rPr lang="en-US" altLang="zh-CN" dirty="0" smtClean="0"/>
-              <a:t>&lt;progress max=100&gt;&lt;span&gt;20&lt;/span&gt;%&lt;/progress&gt;</a:t>
-            </a:r>
-            <a:endParaRPr lang="en-US" altLang="zh-CN" dirty="0"/>
-          </a:p>
-          <a:p>
-            <a:endParaRPr lang="en-US" altLang="zh-CN" dirty="0" smtClean="0"/>
-          </a:p>
-          <a:p>
-            <a:pPr lvl="1"/>
-            <a:endParaRPr lang="en-US" altLang="zh-CN" dirty="0" smtClean="0"/>
+            <a:r>
+              <a:rPr lang="en-US" dirty="0" smtClean="0"/>
+              <a:t>&lt;progress&gt;</a:t>
+            </a:r>
+            <a:r>
+              <a:rPr lang="zh-CN" altLang="en-US" dirty="0" smtClean="0"/>
+              <a:t>用于显示实时进度的控件</a:t>
+            </a:r>
+            <a:r>
+              <a:rPr lang="en-US" altLang="zh-CN" dirty="0" smtClean="0"/>
+              <a:t>	</a:t>
+            </a:r>
+            <a:endParaRPr lang="en-US" dirty="0"/>
           </a:p>
         </p:txBody>
       </p:sp>
@@ -8914,51 +9122,147 @@
             <p:ph type="title"/>
           </p:nvPr>
         </p:nvSpPr>
-        <p:spPr>
-          <a:xfrm>
-            <a:off x="457200" y="274638"/>
-            <a:ext cx="8229600" cy="6278562"/>
-          </a:xfrm>
-        </p:spPr>
-        <p:txBody>
-          <a:bodyPr/>
-          <a:lstStyle/>
-          <a:p>
-            <a:r>
-              <a:rPr lang="zh-CN" altLang="en-US" dirty="0" smtClean="0"/>
-              <a:t>第二部分</a:t>
-            </a:r>
-            <a:r>
-              <a:rPr lang="en-US" altLang="zh-CN" dirty="0" smtClean="0"/>
-              <a:t/>
-            </a:r>
-            <a:br>
-              <a:rPr lang="en-US" altLang="zh-CN" dirty="0" smtClean="0"/>
-            </a:br>
-            <a:r>
-              <a:rPr lang="en-US" altLang="zh-CN" dirty="0"/>
-              <a:t/>
-            </a:r>
-            <a:br>
-              <a:rPr lang="en-US" altLang="zh-CN" dirty="0"/>
-            </a:br>
+        <p:spPr/>
+        <p:txBody>
+          <a:bodyPr/>
+          <a:lstStyle/>
+          <a:p>
+            <a:r>
+              <a:rPr lang="zh-CN" altLang="en-US" dirty="0" smtClean="0"/>
+              <a:t>以正确的文档类型声明为基础</a:t>
+            </a:r>
+            <a:endParaRPr lang="en-US" dirty="0"/>
+          </a:p>
+        </p:txBody>
+      </p:sp>
+      <p:sp>
+        <p:nvSpPr>
+          <p:cNvPr id="3" name="Content Placeholder 2"/>
+          <p:cNvSpPr>
+            <a:spLocks noGrp="1"/>
+          </p:cNvSpPr>
+          <p:nvPr>
+            <p:ph idx="1"/>
+          </p:nvPr>
+        </p:nvSpPr>
+        <p:spPr/>
+        <p:txBody>
+          <a:bodyPr>
+            <a:normAutofit fontScale="92500" lnSpcReduction="20000"/>
+          </a:bodyPr>
+          <a:lstStyle/>
+          <a:p>
+            <a:r>
+              <a:rPr lang="zh-CN" altLang="en-US" dirty="0" smtClean="0"/>
+              <a:t>若想使用</a:t>
+            </a:r>
+            <a:r>
+              <a:rPr lang="en-US" altLang="zh-CN" dirty="0" smtClean="0"/>
+              <a:t>HTML5</a:t>
+            </a:r>
+            <a:r>
+              <a:rPr lang="zh-CN" altLang="en-US" dirty="0" smtClean="0"/>
+              <a:t>的新元素，需要让浏览器识别新标签</a:t>
+            </a:r>
+            <a:endParaRPr lang="en-US" altLang="zh-CN" dirty="0" smtClean="0"/>
+          </a:p>
+          <a:p>
+            <a:r>
+              <a:rPr lang="en-US" altLang="zh-CN" dirty="0" smtClean="0"/>
+              <a:t>HTML5</a:t>
+            </a:r>
+          </a:p>
+          <a:p>
+            <a:pPr lvl="1"/>
+            <a:r>
+              <a:rPr lang="en-US" dirty="0" smtClean="0"/>
+              <a:t>&lt;!DOCTYPE </a:t>
+            </a:r>
+            <a:r>
+              <a:rPr lang="en-US" altLang="zh-CN" dirty="0" smtClean="0"/>
+              <a:t>html&gt;</a:t>
+            </a:r>
+          </a:p>
+          <a:p>
+            <a:r>
+              <a:rPr lang="en-US" dirty="0" smtClean="0"/>
+              <a:t>HTML4</a:t>
+            </a:r>
+          </a:p>
+          <a:p>
+            <a:pPr lvl="1"/>
+            <a:r>
+              <a:rPr lang="en-US" dirty="0" smtClean="0"/>
+              <a:t>&lt;!DOCTYPE </a:t>
+            </a:r>
+            <a:r>
+              <a:rPr lang="en-US" dirty="0" err="1" smtClean="0"/>
+              <a:t>htm</a:t>
+            </a:r>
+            <a:r>
+              <a:rPr lang="en-US" dirty="0" smtClean="0"/>
+              <a:t> PUBLIC “-//W3C//DTD XHTML 1.0 Transitional//EN” </a:t>
+            </a:r>
+            <a:r>
+              <a:rPr lang="en-US" dirty="0" smtClean="0">
+                <a:hlinkClick r:id="rId2"/>
+              </a:rPr>
+              <a:t>“http://www.w3.org/TR/xhtml1/DTD/xhtml1-transitional.dtd</a:t>
+            </a:r>
+            <a:r>
+              <a:rPr lang="en-US" dirty="0" smtClean="0"/>
+              <a:t>”&gt;</a:t>
+            </a:r>
+          </a:p>
+          <a:p>
+            <a:r>
+              <a:rPr lang="zh-CN" altLang="en-US" dirty="0" smtClean="0"/>
+              <a:t>采用何种验证规则去验证代码</a:t>
+            </a:r>
+            <a:endParaRPr lang="en-US" dirty="0" smtClean="0"/>
+          </a:p>
+          <a:p>
             <a:r>
               <a:rPr lang="zh-CN" altLang="en-US" dirty="0"/>
-              <a:t>智</a:t>
-            </a:r>
-            <a:r>
-              <a:rPr lang="zh-CN" altLang="en-US" dirty="0" smtClean="0"/>
-              <a:t>能</a:t>
-            </a:r>
-            <a:r>
-              <a:rPr lang="en-US" altLang="zh-CN" dirty="0" smtClean="0"/>
-              <a:t>Web</a:t>
-            </a:r>
-            <a:r>
-              <a:rPr lang="zh-CN" altLang="en-US" dirty="0" smtClean="0"/>
-              <a:t>表单</a:t>
-            </a:r>
-            <a:endParaRPr lang="en-US" dirty="0"/>
+              <a:t>强</a:t>
+            </a:r>
+            <a:r>
+              <a:rPr lang="zh-CN" altLang="en-US" dirty="0" smtClean="0"/>
+              <a:t>制</a:t>
+            </a:r>
+            <a:r>
+              <a:rPr lang="en-US" altLang="zh-CN" dirty="0" smtClean="0"/>
+              <a:t>IE6</a:t>
+            </a:r>
+            <a:r>
+              <a:rPr lang="zh-CN" altLang="en-US" dirty="0" smtClean="0"/>
+              <a:t>，</a:t>
+            </a:r>
+            <a:r>
+              <a:rPr lang="en-US" altLang="zh-CN" dirty="0" smtClean="0"/>
+              <a:t>7</a:t>
+            </a:r>
+            <a:r>
+              <a:rPr lang="zh-CN" altLang="en-US" dirty="0" smtClean="0"/>
+              <a:t>，</a:t>
+            </a:r>
+            <a:r>
+              <a:rPr lang="en-US" altLang="zh-CN" dirty="0" smtClean="0"/>
+              <a:t>8</a:t>
+            </a:r>
+            <a:r>
+              <a:rPr lang="zh-CN" altLang="en-US" dirty="0" smtClean="0"/>
+              <a:t>以“标准模式”渲染页面</a:t>
+            </a:r>
+            <a:endParaRPr lang="en-US" dirty="0" smtClean="0"/>
+          </a:p>
+          <a:p>
+            <a:pPr lvl="1"/>
+            <a:endParaRPr lang="en-US" dirty="0" smtClean="0"/>
+          </a:p>
+          <a:p>
+            <a:pPr lvl="1"/>
+            <a:endParaRPr lang="en-US" dirty="0" smtClean="0"/>
           </a:p>
         </p:txBody>
       </p:sp>
@@ -9006,130 +9310,163 @@
         </p:nvSpPr>
         <p:spPr>
           <a:xfrm>
-            <a:off x="457200" y="381000"/>
-            <a:ext cx="8229600" cy="6248400"/>
+            <a:off x="457200" y="228600"/>
+            <a:ext cx="8229600" cy="5897563"/>
           </a:xfrm>
         </p:spPr>
         <p:txBody>
-          <a:bodyPr/>
-          <a:lstStyle/>
-          <a:p>
-            <a:r>
-              <a:rPr lang="zh-CN" altLang="en-US" dirty="0" smtClean="0"/>
-              <a:t>电子邮件输入域</a:t>
-            </a:r>
-            <a:r>
-              <a:rPr lang="en-US" altLang="zh-CN" dirty="0" smtClean="0"/>
-              <a:t>&lt;input type=“email”&gt;</a:t>
-            </a:r>
-          </a:p>
-          <a:p>
+          <a:bodyPr>
+            <a:normAutofit lnSpcReduction="10000"/>
+          </a:bodyPr>
+          <a:lstStyle/>
+          <a:p>
+            <a:r>
+              <a:rPr lang="zh-CN" altLang="en-US" dirty="0" smtClean="0"/>
+              <a:t>头部</a:t>
+            </a:r>
+            <a:endParaRPr lang="en-US" altLang="zh-CN" dirty="0"/>
+          </a:p>
+          <a:p>
+            <a:pPr lvl="2">
+              <a:buNone/>
+            </a:pPr>
+            <a:r>
+              <a:rPr lang="en-US" altLang="zh-CN" dirty="0" smtClean="0"/>
+              <a:t>&lt;header id=“</a:t>
+            </a:r>
+            <a:r>
+              <a:rPr lang="en-US" altLang="zh-CN" dirty="0" err="1" smtClean="0"/>
+              <a:t>page_header</a:t>
+            </a:r>
+            <a:r>
+              <a:rPr lang="en-US" altLang="zh-CN" dirty="0" smtClean="0"/>
+              <a:t>”&gt;…&lt;/header&gt;</a:t>
+            </a:r>
+          </a:p>
+          <a:p>
+            <a:r>
+              <a:rPr lang="zh-CN" altLang="en-US" dirty="0"/>
+              <a:t>尾</a:t>
+            </a:r>
+            <a:r>
+              <a:rPr lang="zh-CN" altLang="en-US" dirty="0" smtClean="0"/>
+              <a:t>部</a:t>
+            </a:r>
+            <a:endParaRPr lang="en-US" altLang="zh-CN" dirty="0" smtClean="0"/>
+          </a:p>
+          <a:p>
+            <a:pPr lvl="2">
+              <a:buNone/>
+            </a:pPr>
+            <a:r>
+              <a:rPr lang="en-US" altLang="zh-CN" dirty="0" smtClean="0"/>
+              <a:t>&lt; footer id=“</a:t>
+            </a:r>
+            <a:r>
+              <a:rPr lang="en-US" altLang="zh-CN" dirty="0" err="1" smtClean="0"/>
+              <a:t>page_footer</a:t>
+            </a:r>
+            <a:r>
+              <a:rPr lang="en-US" altLang="zh-CN" dirty="0" smtClean="0"/>
+              <a:t>”&gt;…&lt;/footer&gt;</a:t>
+            </a:r>
+          </a:p>
+          <a:p>
+            <a:r>
+              <a:rPr lang="zh-CN" altLang="en-US" dirty="0"/>
+              <a:t>导</a:t>
+            </a:r>
+            <a:r>
+              <a:rPr lang="zh-CN" altLang="en-US" dirty="0" smtClean="0"/>
+              <a:t>航</a:t>
+            </a:r>
+            <a:endParaRPr lang="en-US" altLang="zh-CN" dirty="0" smtClean="0"/>
+          </a:p>
+          <a:p>
+            <a:pPr lvl="2">
+              <a:buNone/>
+            </a:pPr>
+            <a:r>
+              <a:rPr lang="en-US" altLang="zh-CN" dirty="0" smtClean="0"/>
+              <a:t>&lt;</a:t>
+            </a:r>
+            <a:r>
+              <a:rPr lang="en-US" altLang="zh-CN" dirty="0" err="1" smtClean="0"/>
+              <a:t>nav</a:t>
+            </a:r>
+            <a:r>
+              <a:rPr lang="en-US" altLang="zh-CN" dirty="0" smtClean="0"/>
+              <a:t>&gt;…&lt;/</a:t>
+            </a:r>
+            <a:r>
+              <a:rPr lang="en-US" altLang="zh-CN" dirty="0" err="1" smtClean="0"/>
+              <a:t>nav</a:t>
+            </a:r>
+            <a:r>
+              <a:rPr lang="en-US" altLang="zh-CN" dirty="0" smtClean="0"/>
+              <a:t>&gt;</a:t>
+            </a:r>
+          </a:p>
+          <a:p>
+            <a:r>
+              <a:rPr lang="zh-CN" altLang="en-US" dirty="0"/>
+              <a:t>区</a:t>
+            </a:r>
+            <a:r>
+              <a:rPr lang="zh-CN" altLang="en-US" dirty="0" smtClean="0"/>
+              <a:t>段</a:t>
+            </a:r>
+            <a:endParaRPr lang="en-US" altLang="zh-CN" dirty="0" smtClean="0"/>
+          </a:p>
+          <a:p>
+            <a:pPr lvl="2">
+              <a:buNone/>
+            </a:pPr>
+            <a:r>
+              <a:rPr lang="en-US" altLang="zh-CN" dirty="0" smtClean="0"/>
+              <a:t>&lt;section id=“main”&gt;…&lt;/section&gt;</a:t>
+            </a:r>
+          </a:p>
+          <a:p>
+            <a:r>
+              <a:rPr lang="zh-CN" altLang="en-US" dirty="0"/>
+              <a:t>文</a:t>
+            </a:r>
+            <a:r>
+              <a:rPr lang="zh-CN" altLang="en-US" dirty="0" smtClean="0"/>
+              <a:t>章</a:t>
+            </a:r>
+            <a:endParaRPr lang="en-US" altLang="zh-CN" dirty="0" smtClean="0"/>
+          </a:p>
+          <a:p>
+            <a:pPr lvl="2">
+              <a:buNone/>
+            </a:pPr>
+            <a:r>
+              <a:rPr lang="en-US" altLang="zh-CN" dirty="0" smtClean="0"/>
+              <a:t>&lt;article class=“blog”&gt;…&lt;/article&gt;</a:t>
+            </a:r>
+          </a:p>
+          <a:p>
+            <a:r>
+              <a:rPr lang="zh-CN" altLang="en-US" dirty="0"/>
+              <a:t>旁</a:t>
+            </a:r>
+            <a:r>
+              <a:rPr lang="zh-CN" altLang="en-US" dirty="0" smtClean="0"/>
+              <a:t>白</a:t>
+            </a:r>
+            <a:endParaRPr lang="en-US" altLang="zh-CN" dirty="0" smtClean="0"/>
+          </a:p>
+          <a:p>
+            <a:pPr lvl="2">
+              <a:buNone/>
+            </a:pPr>
             <a:r>
               <a:rPr lang="en-US" dirty="0" smtClean="0"/>
-              <a:t>URL</a:t>
-            </a:r>
-            <a:r>
-              <a:rPr lang="zh-CN" altLang="en-US" dirty="0" smtClean="0"/>
-              <a:t>输入域</a:t>
-            </a:r>
-            <a:r>
-              <a:rPr lang="en-US" altLang="zh-CN" dirty="0" smtClean="0"/>
-              <a:t>&lt;input type=“</a:t>
-            </a:r>
-            <a:r>
-              <a:rPr lang="en-US" altLang="zh-CN" dirty="0" err="1" smtClean="0"/>
-              <a:t>url</a:t>
-            </a:r>
-            <a:r>
-              <a:rPr lang="en-US" altLang="zh-CN" dirty="0" smtClean="0"/>
-              <a:t>”&gt;</a:t>
-            </a:r>
-          </a:p>
-          <a:p>
-            <a:r>
-              <a:rPr lang="zh-CN" altLang="en-US" dirty="0" smtClean="0"/>
-              <a:t>电话号码输入域</a:t>
-            </a:r>
-            <a:r>
-              <a:rPr lang="en-US" altLang="zh-CN" dirty="0" smtClean="0"/>
-              <a:t>&lt;input type=“</a:t>
-            </a:r>
-            <a:r>
-              <a:rPr lang="en-US" altLang="zh-CN" dirty="0" err="1" smtClean="0"/>
-              <a:t>tel</a:t>
-            </a:r>
-            <a:r>
-              <a:rPr lang="en-US" altLang="zh-CN" dirty="0" smtClean="0"/>
-              <a:t>”&gt;</a:t>
-            </a:r>
-          </a:p>
-          <a:p>
-            <a:r>
-              <a:rPr lang="zh-CN" altLang="en-US" dirty="0" smtClean="0"/>
-              <a:t>搜索域</a:t>
-            </a:r>
-            <a:r>
-              <a:rPr lang="en-US" altLang="zh-CN" dirty="0" smtClean="0"/>
-              <a:t>&lt;input type=“search”&gt;</a:t>
-            </a:r>
-          </a:p>
-          <a:p>
-            <a:r>
-              <a:rPr lang="zh-CN" altLang="en-US" dirty="0"/>
-              <a:t>滑</a:t>
-            </a:r>
-            <a:r>
-              <a:rPr lang="zh-CN" altLang="en-US" dirty="0" smtClean="0"/>
-              <a:t>块</a:t>
-            </a:r>
-            <a:r>
-              <a:rPr lang="en-US" altLang="zh-CN" dirty="0" smtClean="0"/>
-              <a:t>&lt;input type=“range”&gt;</a:t>
-            </a:r>
-          </a:p>
-          <a:p>
-            <a:r>
-              <a:rPr lang="zh-CN" altLang="en-US" dirty="0" smtClean="0"/>
-              <a:t>数值设定框</a:t>
-            </a:r>
-            <a:r>
-              <a:rPr lang="en-US" altLang="zh-CN" dirty="0" smtClean="0"/>
-              <a:t>&lt;input type=“number”&gt;</a:t>
-            </a:r>
-          </a:p>
-          <a:p>
-            <a:r>
-              <a:rPr lang="zh-CN" altLang="en-US" dirty="0"/>
-              <a:t>日</a:t>
-            </a:r>
-            <a:r>
-              <a:rPr lang="zh-CN" altLang="en-US" dirty="0" smtClean="0"/>
-              <a:t>期选择器</a:t>
-            </a:r>
-            <a:r>
-              <a:rPr lang="en-US" altLang="zh-CN" dirty="0" smtClean="0"/>
-              <a:t>&lt;input type=“date”&gt;</a:t>
-            </a:r>
-          </a:p>
-          <a:p>
-            <a:r>
-              <a:rPr lang="zh-CN" altLang="en-US" dirty="0" smtClean="0"/>
-              <a:t>时间选择器</a:t>
-            </a:r>
-            <a:r>
-              <a:rPr lang="en-US" altLang="zh-CN" dirty="0" smtClean="0"/>
-              <a:t>&lt;input type=“time”&gt;</a:t>
-            </a:r>
-          </a:p>
-          <a:p>
-            <a:r>
-              <a:rPr lang="zh-CN" altLang="en-US" dirty="0" smtClean="0"/>
-              <a:t>颜色选择器</a:t>
-            </a:r>
-            <a:r>
-              <a:rPr lang="en-US" altLang="zh-CN" dirty="0" smtClean="0"/>
-              <a:t>&lt;input type=“color”&gt;</a:t>
-            </a:r>
+              <a:t>&lt;aside&gt;…&lt;/aside&gt;</a:t>
+            </a:r>
+            <a:endParaRPr lang="en-US" dirty="0"/>
           </a:p>
         </p:txBody>
       </p:sp>

--- a/HTML5.pptx
+++ b/HTML5.pptx
@@ -3187,7 +3187,39 @@
                   <a:schemeClr val="tx1"/>
                 </a:solidFill>
               </a:rPr>
-              <a:t>谅并指正，</a:t>
+              <a:t>谅</a:t>
+            </a:r>
+            <a:r>
+              <a:rPr lang="zh-CN" altLang="en-US" smtClean="0">
+                <a:solidFill>
+                  <a:schemeClr val="tx1"/>
+                </a:solidFill>
+              </a:rPr>
+              <a:t>并</a:t>
+            </a:r>
+            <a:r>
+              <a:rPr lang="zh-CN" altLang="en-US" smtClean="0">
+                <a:solidFill>
+                  <a:schemeClr val="tx1"/>
+                </a:solidFill>
+              </a:rPr>
+              <a:t>给予</a:t>
+            </a:r>
+            <a:r>
+              <a:rPr lang="zh-CN" altLang="en-US" smtClean="0">
+                <a:solidFill>
+                  <a:schemeClr val="tx1"/>
+                </a:solidFill>
+              </a:rPr>
+              <a:t>指</a:t>
+            </a:r>
+            <a:r>
+              <a:rPr lang="zh-CN" altLang="en-US" smtClean="0">
+                <a:solidFill>
+                  <a:schemeClr val="tx1"/>
+                </a:solidFill>
+              </a:rPr>
+              <a:t>正，</a:t>
             </a:r>
             <a:r>
               <a:rPr lang="zh-CN" altLang="en-US" dirty="0" smtClean="0">
@@ -4629,11 +4661,41 @@
             </a:r>
             <a:r>
               <a:rPr lang="en-US" dirty="0" smtClean="0"/>
+              <a:t>HTML。</a:t>
+            </a:r>
+          </a:p>
+          <a:p>
+            <a:r>
+              <a:rPr lang="en-US" altLang="zh-CN" dirty="0" smtClean="0"/>
+              <a:t>HTML5 </a:t>
+            </a:r>
+            <a:r>
+              <a:rPr lang="zh-CN" altLang="en-US" dirty="0" smtClean="0"/>
+              <a:t>将成为 </a:t>
+            </a:r>
+            <a:r>
+              <a:rPr lang="en-US" altLang="zh-CN" dirty="0" smtClean="0"/>
               <a:t>HTML</a:t>
             </a:r>
             <a:r>
-              <a:rPr lang="en-US" dirty="0" smtClean="0"/>
-              <a:t>。</a:t>
+              <a:rPr lang="zh-CN" altLang="en-US" dirty="0" smtClean="0"/>
+              <a:t>、</a:t>
+            </a:r>
+            <a:r>
+              <a:rPr lang="en-US" altLang="zh-CN" dirty="0" smtClean="0"/>
+              <a:t>XHTML </a:t>
+            </a:r>
+            <a:r>
+              <a:rPr lang="zh-CN" altLang="en-US" dirty="0" smtClean="0"/>
+              <a:t>以及 </a:t>
+            </a:r>
+            <a:r>
+              <a:rPr lang="en-US" altLang="zh-CN" dirty="0" smtClean="0"/>
+              <a:t>HTML DOM </a:t>
+            </a:r>
+            <a:r>
+              <a:rPr lang="zh-CN" altLang="en-US" dirty="0" smtClean="0"/>
+              <a:t>的新标准。</a:t>
             </a:r>
           </a:p>
           <a:p>
@@ -4643,53 +4705,15 @@
             </a:r>
             <a:r>
               <a:rPr lang="zh-CN" altLang="en-US" dirty="0" smtClean="0"/>
-              <a:t>将成为 </a:t>
-            </a:r>
-            <a:r>
-              <a:rPr lang="en-US" altLang="zh-CN" dirty="0" smtClean="0"/>
-              <a:t>HTML</a:t>
-            </a:r>
-            <a:r>
-              <a:rPr lang="zh-CN" altLang="en-US" dirty="0" smtClean="0"/>
-              <a:t>、</a:t>
-            </a:r>
-            <a:r>
-              <a:rPr lang="en-US" altLang="zh-CN" dirty="0" smtClean="0"/>
-              <a:t>XHTML </a:t>
-            </a:r>
-            <a:r>
-              <a:rPr lang="zh-CN" altLang="en-US" dirty="0" smtClean="0"/>
-              <a:t>以及 </a:t>
-            </a:r>
-            <a:r>
-              <a:rPr lang="en-US" altLang="zh-CN" dirty="0" smtClean="0"/>
-              <a:t>HTML DOM </a:t>
-            </a:r>
-            <a:r>
-              <a:rPr lang="zh-CN" altLang="en-US" dirty="0" smtClean="0"/>
-              <a:t>的新标准。</a:t>
-            </a:r>
-          </a:p>
-          <a:p>
+              <a:t>仍处于完善之中。然而，大部分现代浏览器已经具备了某些 </a:t>
+            </a:r>
             <a:r>
               <a:rPr lang="en-US" altLang="zh-CN" dirty="0" smtClean="0"/>
               <a:t>HTML5 </a:t>
             </a:r>
             <a:r>
               <a:rPr lang="zh-CN" altLang="en-US" dirty="0" smtClean="0"/>
-              <a:t>仍处于完善之中。然而，大部分现代浏览器已经具备了某些 </a:t>
-            </a:r>
-            <a:r>
-              <a:rPr lang="en-US" altLang="zh-CN" dirty="0" smtClean="0"/>
-              <a:t>HTML5 </a:t>
-            </a:r>
-            <a:r>
-              <a:rPr lang="zh-CN" altLang="en-US" dirty="0" smtClean="0"/>
-              <a:t>支持</a:t>
-            </a:r>
-            <a:r>
-              <a:rPr lang="zh-CN" altLang="en-US" dirty="0" smtClean="0"/>
-              <a:t>。</a:t>
+              <a:t>支持。</a:t>
             </a:r>
             <a:endParaRPr lang="en-US" altLang="zh-CN" dirty="0" smtClean="0"/>
           </a:p>
@@ -6303,22 +6327,14 @@
             </a:r>
             <a:r>
               <a:rPr lang="zh-CN" altLang="en-US" dirty="0" smtClean="0"/>
-              <a:t>元</a:t>
-            </a:r>
-            <a:r>
-              <a:rPr lang="zh-CN" altLang="en-US" dirty="0" smtClean="0"/>
-              <a:t>素</a:t>
+              <a:t>元素</a:t>
             </a:r>
             <a:endParaRPr lang="en-US" altLang="zh-CN" dirty="0" smtClean="0"/>
           </a:p>
           <a:p>
             <a:r>
               <a:rPr lang="zh-CN" altLang="en-US" dirty="0" smtClean="0"/>
-              <a:t>客户</a:t>
-            </a:r>
-            <a:r>
-              <a:rPr lang="zh-CN" altLang="en-US" dirty="0" smtClean="0"/>
-              <a:t>端存储</a:t>
+              <a:t>客户端存储</a:t>
             </a:r>
             <a:endParaRPr lang="en-US" altLang="zh-CN" dirty="0" smtClean="0"/>
           </a:p>
@@ -6342,16 +6358,11 @@
               <a:rPr lang="zh-CN" altLang="en-US" dirty="0" smtClean="0"/>
               <a:t>表单</a:t>
             </a:r>
-            <a:endParaRPr lang="zh-CN" altLang="en-US" dirty="0" smtClean="0"/>
-          </a:p>
-          <a:p>
-            <a:r>
-              <a:rPr lang="zh-CN" altLang="en-US" dirty="0" smtClean="0"/>
-              <a:t>减</a:t>
-            </a:r>
-            <a:r>
-              <a:rPr lang="zh-CN" altLang="en-US" dirty="0" smtClean="0"/>
-              <a:t>少对外部插件的需求（比如 </a:t>
+          </a:p>
+          <a:p>
+            <a:r>
+              <a:rPr lang="zh-CN" altLang="en-US" dirty="0" smtClean="0"/>
+              <a:t>减少对外部插件的需求（比如 </a:t>
             </a:r>
             <a:r>
               <a:rPr lang="en-US" altLang="zh-CN" dirty="0" smtClean="0"/>
@@ -6361,7 +6372,6 @@
               <a:rPr lang="zh-CN" altLang="en-US" dirty="0" smtClean="0"/>
               <a:t>）</a:t>
             </a:r>
-            <a:endParaRPr lang="zh-CN" altLang="en-US" dirty="0" smtClean="0"/>
           </a:p>
           <a:p>
             <a:r>
@@ -6459,13 +6469,7 @@
               <a:rPr lang="en-US" dirty="0" smtClean="0">
                 <a:hlinkClick r:id="rId2"/>
               </a:rPr>
-              <a:t>http://www.html5china.com/html5demo/planetarium</a:t>
-            </a:r>
-            <a:r>
-              <a:rPr lang="en-US" dirty="0" smtClean="0">
-                <a:hlinkClick r:id="rId2"/>
-              </a:rPr>
-              <a:t>/</a:t>
+              <a:t>http://www.html5china.com/html5demo/planetarium/</a:t>
             </a:r>
             <a:endParaRPr lang="en-US" dirty="0" smtClean="0"/>
           </a:p>
@@ -6474,13 +6478,7 @@
               <a:rPr lang="en-US" dirty="0" smtClean="0">
                 <a:hlinkClick r:id="rId3"/>
               </a:rPr>
-              <a:t>http://www.hyundai-veloster.eu</a:t>
-            </a:r>
-            <a:r>
-              <a:rPr lang="en-US" dirty="0" smtClean="0">
-                <a:hlinkClick r:id="rId3"/>
-              </a:rPr>
-              <a:t>/</a:t>
+              <a:t>http://www.hyundai-veloster.eu/</a:t>
             </a:r>
             <a:endParaRPr lang="en-US" dirty="0" smtClean="0"/>
           </a:p>
@@ -6489,13 +6487,7 @@
               <a:rPr lang="en-US" dirty="0" smtClean="0">
                 <a:hlinkClick r:id="rId4"/>
               </a:rPr>
-              <a:t>http://www.nakshart.com</a:t>
-            </a:r>
-            <a:r>
-              <a:rPr lang="en-US" dirty="0" smtClean="0">
-                <a:hlinkClick r:id="rId4"/>
-              </a:rPr>
-              <a:t>/#</a:t>
+              <a:t>http://www.nakshart.com/#</a:t>
             </a:r>
             <a:endParaRPr lang="en-US" dirty="0" smtClean="0"/>
           </a:p>
